--- a/RetoHerramientasComputacionales.pptx
+++ b/RetoHerramientasComputacionales.pptx
@@ -1,33 +1,46 @@
 
 <file path=ppt/presentation.xml><?xml version="1.0" encoding="utf-8"?>
-<p:presentation xmlns:a="http://schemas.openxmlformats.org/drawingml/2006/main" xmlns:r="http://schemas.openxmlformats.org/officeDocument/2006/relationships" xmlns:p="http://schemas.openxmlformats.org/presentationml/2006/main" strictFirstAndLastChars="0" embedTrueTypeFonts="1" saveSubsetFonts="1" autoCompressPictures="0">
+<p:presentation xmlns:a="http://schemas.openxmlformats.org/drawingml/2006/main" xmlns:r="http://schemas.openxmlformats.org/officeDocument/2006/relationships" xmlns:mc="http://schemas.openxmlformats.org/markup-compatibility/2006" xmlns:mv="urn:schemas-microsoft-com:mac:vml" xmlns:p="http://schemas.openxmlformats.org/presentationml/2006/main" xmlns:c="http://schemas.openxmlformats.org/drawingml/2006/chart" xmlns:dgm="http://schemas.openxmlformats.org/drawingml/2006/diagram" xmlns:o="urn:schemas-microsoft-com:office:office" xmlns:v="urn:schemas-microsoft-com:vml" xmlns:pvml="urn:schemas-microsoft-com:office:powerpoint" xmlns:com="http://schemas.openxmlformats.org/drawingml/2006/compatibility" xmlns:p14="http://schemas.microsoft.com/office/powerpoint/2010/main" xmlns:p15="http://schemas.microsoft.com/office/powerpoint/2012/main" xmlns:ahyp="http://schemas.microsoft.com/office/drawing/2018/hyperlinkcolor" autoCompressPictures="0" embedTrueTypeFonts="1" strictFirstAndLastChars="0" saveSubsetFonts="1">
   <p:sldMasterIdLst>
-    <p:sldMasterId id="2147483659" r:id="rId1"/>
+    <p:sldMasterId id="2147483659" r:id="rId4"/>
   </p:sldMasterIdLst>
   <p:notesMasterIdLst>
-    <p:notesMasterId r:id="rId3"/>
+    <p:notesMasterId r:id="rId5"/>
   </p:notesMasterIdLst>
   <p:sldIdLst>
-    <p:sldId id="260" r:id="rId2"/>
+    <p:sldId id="256" r:id="rId6"/>
+    <p:sldId id="257" r:id="rId7"/>
+    <p:sldId id="258" r:id="rId8"/>
+    <p:sldId id="259" r:id="rId9"/>
+    <p:sldId id="260" r:id="rId10"/>
+    <p:sldId id="261" r:id="rId11"/>
+    <p:sldId id="262" r:id="rId12"/>
   </p:sldIdLst>
-  <p:sldSz cx="9144000" cy="5143500" type="screen16x9"/>
+  <p:sldSz cy="5143500" cx="9144000"/>
   <p:notesSz cx="6858000" cy="9144000"/>
   <p:embeddedFontLst>
     <p:embeddedFont>
-      <p:font typeface="Open Sans" panose="020B0606030504020204" pitchFamily="34" charset="0"/>
-      <p:regular r:id="rId4"/>
-      <p:bold r:id="rId5"/>
-      <p:italic r:id="rId6"/>
-      <p:boldItalic r:id="rId7"/>
+      <p:font typeface="PT Sans Narrow"/>
+      <p:regular r:id="rId13"/>
+      <p:bold r:id="rId14"/>
     </p:embeddedFont>
     <p:embeddedFont>
-      <p:font typeface="PT Sans Narrow" panose="020B0604020202020204" charset="0"/>
-      <p:regular r:id="rId8"/>
-      <p:bold r:id="rId9"/>
+      <p:font typeface="Lato"/>
+      <p:regular r:id="rId15"/>
+      <p:bold r:id="rId16"/>
+      <p:italic r:id="rId17"/>
+      <p:boldItalic r:id="rId18"/>
+    </p:embeddedFont>
+    <p:embeddedFont>
+      <p:font typeface="Open Sans"/>
+      <p:regular r:id="rId19"/>
+      <p:bold r:id="rId20"/>
+      <p:italic r:id="rId21"/>
+      <p:boldItalic r:id="rId22"/>
     </p:embeddedFont>
   </p:embeddedFontLst>
   <p:defaultTextStyle>
-    <a:defPPr marR="0" lvl="0" algn="l" rtl="0">
+    <a:defPPr lvl="0" marR="0" rtl="0" algn="l">
       <a:lnSpc>
         <a:spcPct val="100000"/>
       </a:lnSpc>
@@ -38,7 +51,7 @@
         <a:spcPts val="0"/>
       </a:spcAft>
     </a:defPPr>
-    <a:lvl1pPr marR="0" lvl="0" algn="l" rtl="0">
+    <a:lvl1pPr lvl="0" marR="0" rtl="0" algn="l">
       <a:lnSpc>
         <a:spcPct val="100000"/>
       </a:lnSpc>
@@ -52,7 +65,7 @@
         <a:srgbClr val="000000"/>
       </a:buClr>
       <a:buFont typeface="Arial"/>
-      <a:defRPr sz="1400" b="0" i="0" u="none" strike="noStrike" cap="none">
+      <a:defRPr b="0" i="0" sz="1400" u="none" cap="none" strike="noStrike">
         <a:solidFill>
           <a:srgbClr val="000000"/>
         </a:solidFill>
@@ -62,7 +75,7 @@
         <a:sym typeface="Arial"/>
       </a:defRPr>
     </a:lvl1pPr>
-    <a:lvl2pPr marR="0" lvl="1" algn="l" rtl="0">
+    <a:lvl2pPr lvl="1" marR="0" rtl="0" algn="l">
       <a:lnSpc>
         <a:spcPct val="100000"/>
       </a:lnSpc>
@@ -76,7 +89,7 @@
         <a:srgbClr val="000000"/>
       </a:buClr>
       <a:buFont typeface="Arial"/>
-      <a:defRPr sz="1400" b="0" i="0" u="none" strike="noStrike" cap="none">
+      <a:defRPr b="0" i="0" sz="1400" u="none" cap="none" strike="noStrike">
         <a:solidFill>
           <a:srgbClr val="000000"/>
         </a:solidFill>
@@ -86,7 +99,7 @@
         <a:sym typeface="Arial"/>
       </a:defRPr>
     </a:lvl2pPr>
-    <a:lvl3pPr marR="0" lvl="2" algn="l" rtl="0">
+    <a:lvl3pPr lvl="2" marR="0" rtl="0" algn="l">
       <a:lnSpc>
         <a:spcPct val="100000"/>
       </a:lnSpc>
@@ -100,7 +113,7 @@
         <a:srgbClr val="000000"/>
       </a:buClr>
       <a:buFont typeface="Arial"/>
-      <a:defRPr sz="1400" b="0" i="0" u="none" strike="noStrike" cap="none">
+      <a:defRPr b="0" i="0" sz="1400" u="none" cap="none" strike="noStrike">
         <a:solidFill>
           <a:srgbClr val="000000"/>
         </a:solidFill>
@@ -110,7 +123,7 @@
         <a:sym typeface="Arial"/>
       </a:defRPr>
     </a:lvl3pPr>
-    <a:lvl4pPr marR="0" lvl="3" algn="l" rtl="0">
+    <a:lvl4pPr lvl="3" marR="0" rtl="0" algn="l">
       <a:lnSpc>
         <a:spcPct val="100000"/>
       </a:lnSpc>
@@ -124,7 +137,7 @@
         <a:srgbClr val="000000"/>
       </a:buClr>
       <a:buFont typeface="Arial"/>
-      <a:defRPr sz="1400" b="0" i="0" u="none" strike="noStrike" cap="none">
+      <a:defRPr b="0" i="0" sz="1400" u="none" cap="none" strike="noStrike">
         <a:solidFill>
           <a:srgbClr val="000000"/>
         </a:solidFill>
@@ -134,7 +147,7 @@
         <a:sym typeface="Arial"/>
       </a:defRPr>
     </a:lvl4pPr>
-    <a:lvl5pPr marR="0" lvl="4" algn="l" rtl="0">
+    <a:lvl5pPr lvl="4" marR="0" rtl="0" algn="l">
       <a:lnSpc>
         <a:spcPct val="100000"/>
       </a:lnSpc>
@@ -148,7 +161,7 @@
         <a:srgbClr val="000000"/>
       </a:buClr>
       <a:buFont typeface="Arial"/>
-      <a:defRPr sz="1400" b="0" i="0" u="none" strike="noStrike" cap="none">
+      <a:defRPr b="0" i="0" sz="1400" u="none" cap="none" strike="noStrike">
         <a:solidFill>
           <a:srgbClr val="000000"/>
         </a:solidFill>
@@ -158,7 +171,7 @@
         <a:sym typeface="Arial"/>
       </a:defRPr>
     </a:lvl5pPr>
-    <a:lvl6pPr marR="0" lvl="5" algn="l" rtl="0">
+    <a:lvl6pPr lvl="5" marR="0" rtl="0" algn="l">
       <a:lnSpc>
         <a:spcPct val="100000"/>
       </a:lnSpc>
@@ -172,7 +185,7 @@
         <a:srgbClr val="000000"/>
       </a:buClr>
       <a:buFont typeface="Arial"/>
-      <a:defRPr sz="1400" b="0" i="0" u="none" strike="noStrike" cap="none">
+      <a:defRPr b="0" i="0" sz="1400" u="none" cap="none" strike="noStrike">
         <a:solidFill>
           <a:srgbClr val="000000"/>
         </a:solidFill>
@@ -182,7 +195,7 @@
         <a:sym typeface="Arial"/>
       </a:defRPr>
     </a:lvl6pPr>
-    <a:lvl7pPr marR="0" lvl="6" algn="l" rtl="0">
+    <a:lvl7pPr lvl="6" marR="0" rtl="0" algn="l">
       <a:lnSpc>
         <a:spcPct val="100000"/>
       </a:lnSpc>
@@ -196,7 +209,7 @@
         <a:srgbClr val="000000"/>
       </a:buClr>
       <a:buFont typeface="Arial"/>
-      <a:defRPr sz="1400" b="0" i="0" u="none" strike="noStrike" cap="none">
+      <a:defRPr b="0" i="0" sz="1400" u="none" cap="none" strike="noStrike">
         <a:solidFill>
           <a:srgbClr val="000000"/>
         </a:solidFill>
@@ -206,7 +219,7 @@
         <a:sym typeface="Arial"/>
       </a:defRPr>
     </a:lvl7pPr>
-    <a:lvl8pPr marR="0" lvl="7" algn="l" rtl="0">
+    <a:lvl8pPr lvl="7" marR="0" rtl="0" algn="l">
       <a:lnSpc>
         <a:spcPct val="100000"/>
       </a:lnSpc>
@@ -220,7 +233,7 @@
         <a:srgbClr val="000000"/>
       </a:buClr>
       <a:buFont typeface="Arial"/>
-      <a:defRPr sz="1400" b="0" i="0" u="none" strike="noStrike" cap="none">
+      <a:defRPr b="0" i="0" sz="1400" u="none" cap="none" strike="noStrike">
         <a:solidFill>
           <a:srgbClr val="000000"/>
         </a:solidFill>
@@ -230,7 +243,7 @@
         <a:sym typeface="Arial"/>
       </a:defRPr>
     </a:lvl8pPr>
-    <a:lvl9pPr marR="0" lvl="8" algn="l" rtl="0">
+    <a:lvl9pPr lvl="8" marR="0" rtl="0" algn="l">
       <a:lnSpc>
         <a:spcPct val="100000"/>
       </a:lnSpc>
@@ -244,7 +257,7 @@
         <a:srgbClr val="000000"/>
       </a:buClr>
       <a:buFont typeface="Arial"/>
-      <a:defRPr sz="1400" b="0" i="0" u="none" strike="noStrike" cap="none">
+      <a:defRPr b="0" i="0" sz="1400" u="none" cap="none" strike="noStrike">
         <a:solidFill>
           <a:srgbClr val="000000"/>
         </a:solidFill>
@@ -257,7 +270,7 @@
   </p:defaultTextStyle>
   <p:extLst>
     <p:ext uri="{EFAFB233-063F-42B5-8137-9DF3F51BA10A}">
-      <p15:sldGuideLst xmlns:p15="http://schemas.microsoft.com/office/powerpoint/2012/main">
+      <p15:sldGuideLst>
         <p15:guide id="1" orient="horz" pos="1620">
           <p15:clr>
             <a:srgbClr val="A4A3A4"/>
@@ -275,16 +288,11 @@
 </file>
 
 <file path=ppt/notesMasters/notesMaster1.xml><?xml version="1.0" encoding="utf-8"?>
-<p:notesMaster xmlns:a="http://schemas.openxmlformats.org/drawingml/2006/main" xmlns:r="http://schemas.openxmlformats.org/officeDocument/2006/relationships" xmlns:p="http://schemas.openxmlformats.org/presentationml/2006/main">
+<p:notesMaster xmlns:a="http://schemas.openxmlformats.org/drawingml/2006/main" xmlns:r="http://schemas.openxmlformats.org/officeDocument/2006/relationships" xmlns:mc="http://schemas.openxmlformats.org/markup-compatibility/2006" xmlns:mv="urn:schemas-microsoft-com:mac:vml" xmlns:p="http://schemas.openxmlformats.org/presentationml/2006/main" xmlns:c="http://schemas.openxmlformats.org/drawingml/2006/chart" xmlns:dgm="http://schemas.openxmlformats.org/drawingml/2006/diagram" xmlns:o="urn:schemas-microsoft-com:office:office" xmlns:v="urn:schemas-microsoft-com:vml" xmlns:pvml="urn:schemas-microsoft-com:office:powerpoint" xmlns:com="http://schemas.openxmlformats.org/drawingml/2006/compatibility" xmlns:p14="http://schemas.microsoft.com/office/powerpoint/2010/main" xmlns:p15="http://schemas.microsoft.com/office/powerpoint/2012/main" xmlns:ahyp="http://schemas.microsoft.com/office/drawing/2018/hyperlinkcolor">
   <p:cSld>
-    <p:bg>
-      <p:bgRef idx="1001">
-        <a:schemeClr val="bg1"/>
-      </p:bgRef>
-    </p:bg>
     <p:spTree>
       <p:nvGrpSpPr>
-        <p:cNvPr id="1" name="Shape 2"/>
+        <p:cNvPr id="2" name="Shape 2"/>
         <p:cNvGrpSpPr/>
         <p:nvPr/>
       </p:nvGrpSpPr>
@@ -299,11 +307,9 @@
       <p:sp>
         <p:nvSpPr>
           <p:cNvPr id="3" name="Google Shape;3;n"/>
-          <p:cNvSpPr>
-            <a:spLocks noGrp="1" noRot="1" noChangeAspect="1"/>
-          </p:cNvSpPr>
+          <p:cNvSpPr/>
           <p:nvPr>
-            <p:ph type="sldImg" idx="2"/>
+            <p:ph idx="2" type="sldImg"/>
           </p:nvPr>
         </p:nvSpPr>
         <p:spPr>
@@ -312,13 +318,9 @@
             <a:ext cx="6096075" cy="3429000"/>
           </a:xfrm>
           <a:custGeom>
-            <a:avLst/>
-            <a:gdLst/>
-            <a:ahLst/>
-            <a:cxnLst/>
-            <a:rect l="l" t="t" r="r" b="b"/>
+            <a:rect b="b" l="l" r="r" t="t"/>
             <a:pathLst>
-              <a:path w="120000" h="120000" extrusionOk="0">
+              <a:path extrusionOk="0" h="120000" w="120000">
                 <a:moveTo>
                   <a:pt x="0" y="0"/>
                 </a:moveTo>
@@ -336,25 +338,23 @@
             </a:pathLst>
           </a:custGeom>
           <a:noFill/>
-          <a:ln w="9525" cap="flat" cmpd="sng">
+          <a:ln cap="flat" cmpd="sng" w="9525">
             <a:solidFill>
               <a:srgbClr val="000000"/>
             </a:solidFill>
             <a:prstDash val="solid"/>
             <a:round/>
-            <a:headEnd type="none" w="sm" len="sm"/>
-            <a:tailEnd type="none" w="sm" len="sm"/>
+            <a:headEnd len="sm" w="sm" type="none"/>
+            <a:tailEnd len="sm" w="sm" type="none"/>
           </a:ln>
         </p:spPr>
       </p:sp>
       <p:sp>
         <p:nvSpPr>
           <p:cNvPr id="4" name="Google Shape;4;n"/>
-          <p:cNvSpPr txBox="1">
-            <a:spLocks noGrp="1"/>
-          </p:cNvSpPr>
+          <p:cNvSpPr txBox="1"/>
           <p:nvPr>
-            <p:ph type="body" idx="1"/>
+            <p:ph idx="1" type="body"/>
           </p:nvPr>
         </p:nvSpPr>
         <p:spPr>
@@ -371,11 +371,11 @@
           </a:ln>
         </p:spPr>
         <p:txBody>
-          <a:bodyPr spcFirstLastPara="1" wrap="square" lIns="91425" tIns="91425" rIns="91425" bIns="91425" anchor="t" anchorCtr="0">
+          <a:bodyPr anchorCtr="0" anchor="t" bIns="91425" lIns="91425" spcFirstLastPara="1" rIns="91425" wrap="square" tIns="91425">
             <a:noAutofit/>
           </a:bodyPr>
           <a:lstStyle>
-            <a:lvl1pPr marL="457200" lvl="0" indent="-298450">
+            <a:lvl1pPr indent="-298450" lvl="0" marL="457200">
               <a:spcBef>
                 <a:spcPts val="0"/>
               </a:spcBef>
@@ -386,7 +386,7 @@
               <a:buChar char="●"/>
               <a:defRPr sz="1100"/>
             </a:lvl1pPr>
-            <a:lvl2pPr marL="914400" lvl="1" indent="-298450">
+            <a:lvl2pPr indent="-298450" lvl="1" marL="914400">
               <a:spcBef>
                 <a:spcPts val="0"/>
               </a:spcBef>
@@ -397,7 +397,7 @@
               <a:buChar char="○"/>
               <a:defRPr sz="1100"/>
             </a:lvl2pPr>
-            <a:lvl3pPr marL="1371600" lvl="2" indent="-298450">
+            <a:lvl3pPr indent="-298450" lvl="2" marL="1371600">
               <a:spcBef>
                 <a:spcPts val="0"/>
               </a:spcBef>
@@ -408,7 +408,7 @@
               <a:buChar char="■"/>
               <a:defRPr sz="1100"/>
             </a:lvl3pPr>
-            <a:lvl4pPr marL="1828800" lvl="3" indent="-298450">
+            <a:lvl4pPr indent="-298450" lvl="3" marL="1828800">
               <a:spcBef>
                 <a:spcPts val="0"/>
               </a:spcBef>
@@ -419,7 +419,7 @@
               <a:buChar char="●"/>
               <a:defRPr sz="1100"/>
             </a:lvl4pPr>
-            <a:lvl5pPr marL="2286000" lvl="4" indent="-298450">
+            <a:lvl5pPr indent="-298450" lvl="4" marL="2286000">
               <a:spcBef>
                 <a:spcPts val="0"/>
               </a:spcBef>
@@ -430,7 +430,7 @@
               <a:buChar char="○"/>
               <a:defRPr sz="1100"/>
             </a:lvl5pPr>
-            <a:lvl6pPr marL="2743200" lvl="5" indent="-298450">
+            <a:lvl6pPr indent="-298450" lvl="5" marL="2743200">
               <a:spcBef>
                 <a:spcPts val="0"/>
               </a:spcBef>
@@ -441,7 +441,7 @@
               <a:buChar char="■"/>
               <a:defRPr sz="1100"/>
             </a:lvl6pPr>
-            <a:lvl7pPr marL="3200400" lvl="6" indent="-298450">
+            <a:lvl7pPr indent="-298450" lvl="6" marL="3200400">
               <a:spcBef>
                 <a:spcPts val="0"/>
               </a:spcBef>
@@ -452,7 +452,7 @@
               <a:buChar char="●"/>
               <a:defRPr sz="1100"/>
             </a:lvl7pPr>
-            <a:lvl8pPr marL="3657600" lvl="7" indent="-298450">
+            <a:lvl8pPr indent="-298450" lvl="7" marL="3657600">
               <a:spcBef>
                 <a:spcPts val="0"/>
               </a:spcBef>
@@ -463,7 +463,7 @@
               <a:buChar char="○"/>
               <a:defRPr sz="1100"/>
             </a:lvl8pPr>
-            <a:lvl9pPr marL="4114800" lvl="8" indent="-298450">
+            <a:lvl9pPr indent="-298450" lvl="8" marL="4114800">
               <a:spcBef>
                 <a:spcPts val="0"/>
               </a:spcBef>
@@ -475,16 +475,14 @@
               <a:defRPr sz="1100"/>
             </a:lvl9pPr>
           </a:lstStyle>
-          <a:p>
-            <a:endParaRPr/>
-          </a:p>
+          <a:p/>
         </p:txBody>
       </p:sp>
     </p:spTree>
   </p:cSld>
-  <p:clrMap bg1="lt1" tx1="dk1" bg2="dk2" tx2="lt2" accent1="accent1" accent2="accent2" accent3="accent3" accent4="accent4" accent5="accent5" accent6="accent6" hlink="hlink" folHlink="folHlink"/>
+  <p:clrMap accent1="accent1" accent2="accent2" accent3="accent3" accent4="accent4" accent5="accent5" accent6="accent6" bg1="lt1" bg2="dk2" tx1="dk1" tx2="lt2" folHlink="folHlink" hlink="hlink"/>
   <p:notesStyle>
-    <a:defPPr marR="0" lvl="0" algn="l" rtl="0">
+    <a:defPPr lvl="0" marR="0" rtl="0" algn="l">
       <a:lnSpc>
         <a:spcPct val="100000"/>
       </a:lnSpc>
@@ -495,7 +493,7 @@
         <a:spcPts val="0"/>
       </a:spcAft>
     </a:defPPr>
-    <a:lvl1pPr marR="0" lvl="0" algn="l" rtl="0">
+    <a:lvl1pPr lvl="0" marR="0" rtl="0" algn="l">
       <a:lnSpc>
         <a:spcPct val="100000"/>
       </a:lnSpc>
@@ -509,7 +507,7 @@
         <a:srgbClr val="000000"/>
       </a:buClr>
       <a:buFont typeface="Arial"/>
-      <a:defRPr sz="1400" b="0" i="0" u="none" strike="noStrike" cap="none">
+      <a:defRPr b="0" i="0" sz="1400" u="none" cap="none" strike="noStrike">
         <a:solidFill>
           <a:srgbClr val="000000"/>
         </a:solidFill>
@@ -519,7 +517,7 @@
         <a:sym typeface="Arial"/>
       </a:defRPr>
     </a:lvl1pPr>
-    <a:lvl2pPr marR="0" lvl="1" algn="l" rtl="0">
+    <a:lvl2pPr lvl="1" marR="0" rtl="0" algn="l">
       <a:lnSpc>
         <a:spcPct val="100000"/>
       </a:lnSpc>
@@ -533,7 +531,7 @@
         <a:srgbClr val="000000"/>
       </a:buClr>
       <a:buFont typeface="Arial"/>
-      <a:defRPr sz="1400" b="0" i="0" u="none" strike="noStrike" cap="none">
+      <a:defRPr b="0" i="0" sz="1400" u="none" cap="none" strike="noStrike">
         <a:solidFill>
           <a:srgbClr val="000000"/>
         </a:solidFill>
@@ -543,7 +541,7 @@
         <a:sym typeface="Arial"/>
       </a:defRPr>
     </a:lvl2pPr>
-    <a:lvl3pPr marR="0" lvl="2" algn="l" rtl="0">
+    <a:lvl3pPr lvl="2" marR="0" rtl="0" algn="l">
       <a:lnSpc>
         <a:spcPct val="100000"/>
       </a:lnSpc>
@@ -557,7 +555,7 @@
         <a:srgbClr val="000000"/>
       </a:buClr>
       <a:buFont typeface="Arial"/>
-      <a:defRPr sz="1400" b="0" i="0" u="none" strike="noStrike" cap="none">
+      <a:defRPr b="0" i="0" sz="1400" u="none" cap="none" strike="noStrike">
         <a:solidFill>
           <a:srgbClr val="000000"/>
         </a:solidFill>
@@ -567,7 +565,7 @@
         <a:sym typeface="Arial"/>
       </a:defRPr>
     </a:lvl3pPr>
-    <a:lvl4pPr marR="0" lvl="3" algn="l" rtl="0">
+    <a:lvl4pPr lvl="3" marR="0" rtl="0" algn="l">
       <a:lnSpc>
         <a:spcPct val="100000"/>
       </a:lnSpc>
@@ -581,7 +579,7 @@
         <a:srgbClr val="000000"/>
       </a:buClr>
       <a:buFont typeface="Arial"/>
-      <a:defRPr sz="1400" b="0" i="0" u="none" strike="noStrike" cap="none">
+      <a:defRPr b="0" i="0" sz="1400" u="none" cap="none" strike="noStrike">
         <a:solidFill>
           <a:srgbClr val="000000"/>
         </a:solidFill>
@@ -591,7 +589,7 @@
         <a:sym typeface="Arial"/>
       </a:defRPr>
     </a:lvl4pPr>
-    <a:lvl5pPr marR="0" lvl="4" algn="l" rtl="0">
+    <a:lvl5pPr lvl="4" marR="0" rtl="0" algn="l">
       <a:lnSpc>
         <a:spcPct val="100000"/>
       </a:lnSpc>
@@ -605,7 +603,7 @@
         <a:srgbClr val="000000"/>
       </a:buClr>
       <a:buFont typeface="Arial"/>
-      <a:defRPr sz="1400" b="0" i="0" u="none" strike="noStrike" cap="none">
+      <a:defRPr b="0" i="0" sz="1400" u="none" cap="none" strike="noStrike">
         <a:solidFill>
           <a:srgbClr val="000000"/>
         </a:solidFill>
@@ -615,7 +613,7 @@
         <a:sym typeface="Arial"/>
       </a:defRPr>
     </a:lvl5pPr>
-    <a:lvl6pPr marR="0" lvl="5" algn="l" rtl="0">
+    <a:lvl6pPr lvl="5" marR="0" rtl="0" algn="l">
       <a:lnSpc>
         <a:spcPct val="100000"/>
       </a:lnSpc>
@@ -629,7 +627,7 @@
         <a:srgbClr val="000000"/>
       </a:buClr>
       <a:buFont typeface="Arial"/>
-      <a:defRPr sz="1400" b="0" i="0" u="none" strike="noStrike" cap="none">
+      <a:defRPr b="0" i="0" sz="1400" u="none" cap="none" strike="noStrike">
         <a:solidFill>
           <a:srgbClr val="000000"/>
         </a:solidFill>
@@ -639,7 +637,7 @@
         <a:sym typeface="Arial"/>
       </a:defRPr>
     </a:lvl6pPr>
-    <a:lvl7pPr marR="0" lvl="6" algn="l" rtl="0">
+    <a:lvl7pPr lvl="6" marR="0" rtl="0" algn="l">
       <a:lnSpc>
         <a:spcPct val="100000"/>
       </a:lnSpc>
@@ -653,7 +651,7 @@
         <a:srgbClr val="000000"/>
       </a:buClr>
       <a:buFont typeface="Arial"/>
-      <a:defRPr sz="1400" b="0" i="0" u="none" strike="noStrike" cap="none">
+      <a:defRPr b="0" i="0" sz="1400" u="none" cap="none" strike="noStrike">
         <a:solidFill>
           <a:srgbClr val="000000"/>
         </a:solidFill>
@@ -663,7 +661,7 @@
         <a:sym typeface="Arial"/>
       </a:defRPr>
     </a:lvl7pPr>
-    <a:lvl8pPr marR="0" lvl="7" algn="l" rtl="0">
+    <a:lvl8pPr lvl="7" marR="0" rtl="0" algn="l">
       <a:lnSpc>
         <a:spcPct val="100000"/>
       </a:lnSpc>
@@ -677,7 +675,7 @@
         <a:srgbClr val="000000"/>
       </a:buClr>
       <a:buFont typeface="Arial"/>
-      <a:defRPr sz="1400" b="0" i="0" u="none" strike="noStrike" cap="none">
+      <a:defRPr b="0" i="0" sz="1400" u="none" cap="none" strike="noStrike">
         <a:solidFill>
           <a:srgbClr val="000000"/>
         </a:solidFill>
@@ -687,7 +685,7 @@
         <a:sym typeface="Arial"/>
       </a:defRPr>
     </a:lvl8pPr>
-    <a:lvl9pPr marR="0" lvl="8" algn="l" rtl="0">
+    <a:lvl9pPr lvl="8" marR="0" rtl="0" algn="l">
       <a:lnSpc>
         <a:spcPct val="100000"/>
       </a:lnSpc>
@@ -701,7 +699,7 @@
         <a:srgbClr val="000000"/>
       </a:buClr>
       <a:buFont typeface="Arial"/>
-      <a:defRPr sz="1400" b="0" i="0" u="none" strike="noStrike" cap="none">
+      <a:defRPr b="0" i="0" sz="1400" u="none" cap="none" strike="noStrike">
         <a:solidFill>
           <a:srgbClr val="000000"/>
         </a:solidFill>
@@ -716,11 +714,11 @@
 </file>
 
 <file path=ppt/notesSlides/notesSlide1.xml><?xml version="1.0" encoding="utf-8"?>
-<p:notes xmlns:a="http://schemas.openxmlformats.org/drawingml/2006/main" xmlns:r="http://schemas.openxmlformats.org/officeDocument/2006/relationships" xmlns:p="http://schemas.openxmlformats.org/presentationml/2006/main" showMasterSp="0" showMasterPhAnim="0">
+<p:notes xmlns:a="http://schemas.openxmlformats.org/drawingml/2006/main" xmlns:r="http://schemas.openxmlformats.org/officeDocument/2006/relationships" xmlns:mc="http://schemas.openxmlformats.org/markup-compatibility/2006" xmlns:mv="urn:schemas-microsoft-com:mac:vml" xmlns:p="http://schemas.openxmlformats.org/presentationml/2006/main" xmlns:c="http://schemas.openxmlformats.org/drawingml/2006/chart" xmlns:dgm="http://schemas.openxmlformats.org/drawingml/2006/diagram" xmlns:o="urn:schemas-microsoft-com:office:office" xmlns:v="urn:schemas-microsoft-com:vml" xmlns:pvml="urn:schemas-microsoft-com:office:powerpoint" xmlns:com="http://schemas.openxmlformats.org/drawingml/2006/compatibility" xmlns:p14="http://schemas.microsoft.com/office/powerpoint/2010/main" xmlns:p15="http://schemas.microsoft.com/office/powerpoint/2012/main" xmlns:ahyp="http://schemas.microsoft.com/office/drawing/2018/hyperlinkcolor" showMasterPhAnim="0" showMasterSp="0">
   <p:cSld>
     <p:spTree>
       <p:nvGrpSpPr>
-        <p:cNvPr id="1" name="Shape 88"/>
+        <p:cNvPr id="62" name="Shape 62"/>
         <p:cNvGrpSpPr/>
         <p:nvPr/>
       </p:nvGrpSpPr>
@@ -734,27 +732,21 @@
       </p:grpSpPr>
       <p:sp>
         <p:nvSpPr>
-          <p:cNvPr id="89" name="Google Shape;89;gd83cba079b_1_5:notes"/>
-          <p:cNvSpPr>
-            <a:spLocks noGrp="1" noRot="1" noChangeAspect="1"/>
-          </p:cNvSpPr>
+          <p:cNvPr id="63" name="Google Shape;63;p:notes"/>
+          <p:cNvSpPr/>
           <p:nvPr>
-            <p:ph type="sldImg" idx="2"/>
+            <p:ph idx="2" type="sldImg"/>
           </p:nvPr>
         </p:nvSpPr>
         <p:spPr>
           <a:xfrm>
-            <a:off x="381000" y="685800"/>
-            <a:ext cx="6096000" cy="3429000"/>
+            <a:off x="381300" y="685800"/>
+            <a:ext cx="6096075" cy="3429000"/>
           </a:xfrm>
           <a:custGeom>
-            <a:avLst/>
-            <a:gdLst/>
-            <a:ahLst/>
-            <a:cxnLst/>
-            <a:rect l="l" t="t" r="r" b="b"/>
+            <a:rect b="b" l="l" r="r" t="t"/>
             <a:pathLst>
-              <a:path w="120000" h="120000" extrusionOk="0">
+              <a:path extrusionOk="0" h="120000" w="120000">
                 <a:moveTo>
                   <a:pt x="0" y="0"/>
                 </a:moveTo>
@@ -775,12 +767,10 @@
       </p:sp>
       <p:sp>
         <p:nvSpPr>
-          <p:cNvPr id="90" name="Google Shape;90;gd83cba079b_1_5:notes"/>
-          <p:cNvSpPr txBox="1">
-            <a:spLocks noGrp="1"/>
-          </p:cNvSpPr>
+          <p:cNvPr id="64" name="Google Shape;64;p:notes"/>
+          <p:cNvSpPr txBox="1"/>
           <p:nvPr>
-            <p:ph type="body" idx="1"/>
+            <p:ph idx="1" type="body"/>
           </p:nvPr>
         </p:nvSpPr>
         <p:spPr>
@@ -793,12 +783,12 @@
           </a:prstGeom>
         </p:spPr>
         <p:txBody>
-          <a:bodyPr spcFirstLastPara="1" wrap="square" lIns="91425" tIns="91425" rIns="91425" bIns="91425" anchor="t" anchorCtr="0">
+          <a:bodyPr anchorCtr="0" anchor="t" bIns="91425" lIns="91425" spcFirstLastPara="1" rIns="91425" wrap="square" tIns="91425">
             <a:noAutofit/>
           </a:bodyPr>
           <a:lstStyle/>
           <a:p>
-            <a:pPr marL="0" lvl="0" indent="0" algn="l" rtl="0">
+            <a:pPr indent="0" lvl="0" marL="0" rtl="0" algn="l">
               <a:spcBef>
                 <a:spcPts val="0"/>
               </a:spcBef>
@@ -807,6 +797,603 @@
               </a:spcAft>
               <a:buNone/>
             </a:pPr>
+            <a:r>
+              <a:t/>
+            </a:r>
+            <a:endParaRPr/>
+          </a:p>
+        </p:txBody>
+      </p:sp>
+    </p:spTree>
+  </p:cSld>
+  <p:clrMapOvr>
+    <a:masterClrMapping/>
+  </p:clrMapOvr>
+</p:notes>
+</file>
+
+<file path=ppt/notesSlides/notesSlide2.xml><?xml version="1.0" encoding="utf-8"?>
+<p:notes xmlns:a="http://schemas.openxmlformats.org/drawingml/2006/main" xmlns:r="http://schemas.openxmlformats.org/officeDocument/2006/relationships" xmlns:mc="http://schemas.openxmlformats.org/markup-compatibility/2006" xmlns:mv="urn:schemas-microsoft-com:mac:vml" xmlns:p="http://schemas.openxmlformats.org/presentationml/2006/main" xmlns:c="http://schemas.openxmlformats.org/drawingml/2006/chart" xmlns:dgm="http://schemas.openxmlformats.org/drawingml/2006/diagram" xmlns:o="urn:schemas-microsoft-com:office:office" xmlns:v="urn:schemas-microsoft-com:vml" xmlns:pvml="urn:schemas-microsoft-com:office:powerpoint" xmlns:com="http://schemas.openxmlformats.org/drawingml/2006/compatibility" xmlns:p14="http://schemas.microsoft.com/office/powerpoint/2010/main" xmlns:p15="http://schemas.microsoft.com/office/powerpoint/2012/main" xmlns:ahyp="http://schemas.microsoft.com/office/drawing/2018/hyperlinkcolor" showMasterPhAnim="0" showMasterSp="0">
+  <p:cSld>
+    <p:spTree>
+      <p:nvGrpSpPr>
+        <p:cNvPr id="68" name="Shape 68"/>
+        <p:cNvGrpSpPr/>
+        <p:nvPr/>
+      </p:nvGrpSpPr>
+      <p:grpSpPr>
+        <a:xfrm>
+          <a:off x="0" y="0"/>
+          <a:ext cx="0" cy="0"/>
+          <a:chOff x="0" y="0"/>
+          <a:chExt cx="0" cy="0"/>
+        </a:xfrm>
+      </p:grpSpPr>
+      <p:sp>
+        <p:nvSpPr>
+          <p:cNvPr id="69" name="Google Shape;69;gd83cba079b_3_0:notes"/>
+          <p:cNvSpPr/>
+          <p:nvPr>
+            <p:ph idx="2" type="sldImg"/>
+          </p:nvPr>
+        </p:nvSpPr>
+        <p:spPr>
+          <a:xfrm>
+            <a:off x="381300" y="685800"/>
+            <a:ext cx="6096000" cy="3429000"/>
+          </a:xfrm>
+          <a:custGeom>
+            <a:rect b="b" l="l" r="r" t="t"/>
+            <a:pathLst>
+              <a:path extrusionOk="0" h="120000" w="120000">
+                <a:moveTo>
+                  <a:pt x="0" y="0"/>
+                </a:moveTo>
+                <a:lnTo>
+                  <a:pt x="120000" y="0"/>
+                </a:lnTo>
+                <a:lnTo>
+                  <a:pt x="120000" y="120000"/>
+                </a:lnTo>
+                <a:lnTo>
+                  <a:pt x="0" y="120000"/>
+                </a:lnTo>
+                <a:close/>
+              </a:path>
+            </a:pathLst>
+          </a:custGeom>
+        </p:spPr>
+      </p:sp>
+      <p:sp>
+        <p:nvSpPr>
+          <p:cNvPr id="70" name="Google Shape;70;gd83cba079b_3_0:notes"/>
+          <p:cNvSpPr txBox="1"/>
+          <p:nvPr>
+            <p:ph idx="1" type="body"/>
+          </p:nvPr>
+        </p:nvSpPr>
+        <p:spPr>
+          <a:xfrm>
+            <a:off x="685800" y="4343400"/>
+            <a:ext cx="5486400" cy="4114800"/>
+          </a:xfrm>
+          <a:prstGeom prst="rect">
+            <a:avLst/>
+          </a:prstGeom>
+        </p:spPr>
+        <p:txBody>
+          <a:bodyPr anchorCtr="0" anchor="t" bIns="91425" lIns="91425" spcFirstLastPara="1" rIns="91425" wrap="square" tIns="91425">
+            <a:noAutofit/>
+          </a:bodyPr>
+          <a:lstStyle/>
+          <a:p>
+            <a:pPr indent="0" lvl="0" marL="0" rtl="0" algn="l">
+              <a:spcBef>
+                <a:spcPts val="0"/>
+              </a:spcBef>
+              <a:spcAft>
+                <a:spcPts val="0"/>
+              </a:spcAft>
+              <a:buNone/>
+            </a:pPr>
+            <a:r>
+              <a:t/>
+            </a:r>
+            <a:endParaRPr/>
+          </a:p>
+        </p:txBody>
+      </p:sp>
+    </p:spTree>
+  </p:cSld>
+  <p:clrMapOvr>
+    <a:masterClrMapping/>
+  </p:clrMapOvr>
+</p:notes>
+</file>
+
+<file path=ppt/notesSlides/notesSlide3.xml><?xml version="1.0" encoding="utf-8"?>
+<p:notes xmlns:a="http://schemas.openxmlformats.org/drawingml/2006/main" xmlns:r="http://schemas.openxmlformats.org/officeDocument/2006/relationships" xmlns:mc="http://schemas.openxmlformats.org/markup-compatibility/2006" xmlns:mv="urn:schemas-microsoft-com:mac:vml" xmlns:p="http://schemas.openxmlformats.org/presentationml/2006/main" xmlns:c="http://schemas.openxmlformats.org/drawingml/2006/chart" xmlns:dgm="http://schemas.openxmlformats.org/drawingml/2006/diagram" xmlns:o="urn:schemas-microsoft-com:office:office" xmlns:v="urn:schemas-microsoft-com:vml" xmlns:pvml="urn:schemas-microsoft-com:office:powerpoint" xmlns:com="http://schemas.openxmlformats.org/drawingml/2006/compatibility" xmlns:p14="http://schemas.microsoft.com/office/powerpoint/2010/main" xmlns:p15="http://schemas.microsoft.com/office/powerpoint/2012/main" xmlns:ahyp="http://schemas.microsoft.com/office/drawing/2018/hyperlinkcolor" showMasterPhAnim="0" showMasterSp="0">
+  <p:cSld>
+    <p:spTree>
+      <p:nvGrpSpPr>
+        <p:cNvPr id="74" name="Shape 74"/>
+        <p:cNvGrpSpPr/>
+        <p:nvPr/>
+      </p:nvGrpSpPr>
+      <p:grpSpPr>
+        <a:xfrm>
+          <a:off x="0" y="0"/>
+          <a:ext cx="0" cy="0"/>
+          <a:chOff x="0" y="0"/>
+          <a:chExt cx="0" cy="0"/>
+        </a:xfrm>
+      </p:grpSpPr>
+      <p:sp>
+        <p:nvSpPr>
+          <p:cNvPr id="75" name="Google Shape;75;gd83cba079b_1_0:notes"/>
+          <p:cNvSpPr/>
+          <p:nvPr>
+            <p:ph idx="2" type="sldImg"/>
+          </p:nvPr>
+        </p:nvSpPr>
+        <p:spPr>
+          <a:xfrm>
+            <a:off x="381300" y="685800"/>
+            <a:ext cx="6096000" cy="3429000"/>
+          </a:xfrm>
+          <a:custGeom>
+            <a:rect b="b" l="l" r="r" t="t"/>
+            <a:pathLst>
+              <a:path extrusionOk="0" h="120000" w="120000">
+                <a:moveTo>
+                  <a:pt x="0" y="0"/>
+                </a:moveTo>
+                <a:lnTo>
+                  <a:pt x="120000" y="0"/>
+                </a:lnTo>
+                <a:lnTo>
+                  <a:pt x="120000" y="120000"/>
+                </a:lnTo>
+                <a:lnTo>
+                  <a:pt x="0" y="120000"/>
+                </a:lnTo>
+                <a:close/>
+              </a:path>
+            </a:pathLst>
+          </a:custGeom>
+        </p:spPr>
+      </p:sp>
+      <p:sp>
+        <p:nvSpPr>
+          <p:cNvPr id="76" name="Google Shape;76;gd83cba079b_1_0:notes"/>
+          <p:cNvSpPr txBox="1"/>
+          <p:nvPr>
+            <p:ph idx="1" type="body"/>
+          </p:nvPr>
+        </p:nvSpPr>
+        <p:spPr>
+          <a:xfrm>
+            <a:off x="685800" y="4343400"/>
+            <a:ext cx="5486400" cy="4114800"/>
+          </a:xfrm>
+          <a:prstGeom prst="rect">
+            <a:avLst/>
+          </a:prstGeom>
+        </p:spPr>
+        <p:txBody>
+          <a:bodyPr anchorCtr="0" anchor="t" bIns="91425" lIns="91425" spcFirstLastPara="1" rIns="91425" wrap="square" tIns="91425">
+            <a:noAutofit/>
+          </a:bodyPr>
+          <a:lstStyle/>
+          <a:p>
+            <a:pPr indent="0" lvl="0" marL="0" rtl="0" algn="l">
+              <a:spcBef>
+                <a:spcPts val="0"/>
+              </a:spcBef>
+              <a:spcAft>
+                <a:spcPts val="0"/>
+              </a:spcAft>
+              <a:buNone/>
+            </a:pPr>
+            <a:r>
+              <a:t/>
+            </a:r>
+            <a:endParaRPr/>
+          </a:p>
+        </p:txBody>
+      </p:sp>
+    </p:spTree>
+  </p:cSld>
+  <p:clrMapOvr>
+    <a:masterClrMapping/>
+  </p:clrMapOvr>
+</p:notes>
+</file>
+
+<file path=ppt/notesSlides/notesSlide4.xml><?xml version="1.0" encoding="utf-8"?>
+<p:notes xmlns:a="http://schemas.openxmlformats.org/drawingml/2006/main" xmlns:r="http://schemas.openxmlformats.org/officeDocument/2006/relationships" xmlns:mc="http://schemas.openxmlformats.org/markup-compatibility/2006" xmlns:mv="urn:schemas-microsoft-com:mac:vml" xmlns:p="http://schemas.openxmlformats.org/presentationml/2006/main" xmlns:c="http://schemas.openxmlformats.org/drawingml/2006/chart" xmlns:dgm="http://schemas.openxmlformats.org/drawingml/2006/diagram" xmlns:o="urn:schemas-microsoft-com:office:office" xmlns:v="urn:schemas-microsoft-com:vml" xmlns:pvml="urn:schemas-microsoft-com:office:powerpoint" xmlns:com="http://schemas.openxmlformats.org/drawingml/2006/compatibility" xmlns:p14="http://schemas.microsoft.com/office/powerpoint/2010/main" xmlns:p15="http://schemas.microsoft.com/office/powerpoint/2012/main" xmlns:ahyp="http://schemas.microsoft.com/office/drawing/2018/hyperlinkcolor" showMasterPhAnim="0" showMasterSp="0">
+  <p:cSld>
+    <p:spTree>
+      <p:nvGrpSpPr>
+        <p:cNvPr id="82" name="Shape 82"/>
+        <p:cNvGrpSpPr/>
+        <p:nvPr/>
+      </p:nvGrpSpPr>
+      <p:grpSpPr>
+        <a:xfrm>
+          <a:off x="0" y="0"/>
+          <a:ext cx="0" cy="0"/>
+          <a:chOff x="0" y="0"/>
+          <a:chExt cx="0" cy="0"/>
+        </a:xfrm>
+      </p:grpSpPr>
+      <p:sp>
+        <p:nvSpPr>
+          <p:cNvPr id="83" name="Google Shape;83;gd83cba079b_0_57:notes"/>
+          <p:cNvSpPr/>
+          <p:nvPr>
+            <p:ph idx="2" type="sldImg"/>
+          </p:nvPr>
+        </p:nvSpPr>
+        <p:spPr>
+          <a:xfrm>
+            <a:off x="381300" y="685800"/>
+            <a:ext cx="6096000" cy="3429000"/>
+          </a:xfrm>
+          <a:custGeom>
+            <a:rect b="b" l="l" r="r" t="t"/>
+            <a:pathLst>
+              <a:path extrusionOk="0" h="120000" w="120000">
+                <a:moveTo>
+                  <a:pt x="0" y="0"/>
+                </a:moveTo>
+                <a:lnTo>
+                  <a:pt x="120000" y="0"/>
+                </a:lnTo>
+                <a:lnTo>
+                  <a:pt x="120000" y="120000"/>
+                </a:lnTo>
+                <a:lnTo>
+                  <a:pt x="0" y="120000"/>
+                </a:lnTo>
+                <a:close/>
+              </a:path>
+            </a:pathLst>
+          </a:custGeom>
+        </p:spPr>
+      </p:sp>
+      <p:sp>
+        <p:nvSpPr>
+          <p:cNvPr id="84" name="Google Shape;84;gd83cba079b_0_57:notes"/>
+          <p:cNvSpPr txBox="1"/>
+          <p:nvPr>
+            <p:ph idx="1" type="body"/>
+          </p:nvPr>
+        </p:nvSpPr>
+        <p:spPr>
+          <a:xfrm>
+            <a:off x="685800" y="4343400"/>
+            <a:ext cx="5486400" cy="4114800"/>
+          </a:xfrm>
+          <a:prstGeom prst="rect">
+            <a:avLst/>
+          </a:prstGeom>
+        </p:spPr>
+        <p:txBody>
+          <a:bodyPr anchorCtr="0" anchor="t" bIns="91425" lIns="91425" spcFirstLastPara="1" rIns="91425" wrap="square" tIns="91425">
+            <a:noAutofit/>
+          </a:bodyPr>
+          <a:lstStyle/>
+          <a:p>
+            <a:pPr indent="0" lvl="0" marL="0" rtl="0" algn="l">
+              <a:spcBef>
+                <a:spcPts val="0"/>
+              </a:spcBef>
+              <a:spcAft>
+                <a:spcPts val="0"/>
+              </a:spcAft>
+              <a:buNone/>
+            </a:pPr>
+            <a:r>
+              <a:t/>
+            </a:r>
+            <a:endParaRPr/>
+          </a:p>
+        </p:txBody>
+      </p:sp>
+    </p:spTree>
+  </p:cSld>
+  <p:clrMapOvr>
+    <a:masterClrMapping/>
+  </p:clrMapOvr>
+</p:notes>
+</file>
+
+<file path=ppt/notesSlides/notesSlide5.xml><?xml version="1.0" encoding="utf-8"?>
+<p:notes xmlns:a="http://schemas.openxmlformats.org/drawingml/2006/main" xmlns:r="http://schemas.openxmlformats.org/officeDocument/2006/relationships" xmlns:mc="http://schemas.openxmlformats.org/markup-compatibility/2006" xmlns:mv="urn:schemas-microsoft-com:mac:vml" xmlns:p="http://schemas.openxmlformats.org/presentationml/2006/main" xmlns:c="http://schemas.openxmlformats.org/drawingml/2006/chart" xmlns:dgm="http://schemas.openxmlformats.org/drawingml/2006/diagram" xmlns:o="urn:schemas-microsoft-com:office:office" xmlns:v="urn:schemas-microsoft-com:vml" xmlns:pvml="urn:schemas-microsoft-com:office:powerpoint" xmlns:com="http://schemas.openxmlformats.org/drawingml/2006/compatibility" xmlns:p14="http://schemas.microsoft.com/office/powerpoint/2010/main" xmlns:p15="http://schemas.microsoft.com/office/powerpoint/2012/main" xmlns:ahyp="http://schemas.microsoft.com/office/drawing/2018/hyperlinkcolor" showMasterPhAnim="0" showMasterSp="0">
+  <p:cSld>
+    <p:spTree>
+      <p:nvGrpSpPr>
+        <p:cNvPr id="92" name="Shape 92"/>
+        <p:cNvGrpSpPr/>
+        <p:nvPr/>
+      </p:nvGrpSpPr>
+      <p:grpSpPr>
+        <a:xfrm>
+          <a:off x="0" y="0"/>
+          <a:ext cx="0" cy="0"/>
+          <a:chOff x="0" y="0"/>
+          <a:chExt cx="0" cy="0"/>
+        </a:xfrm>
+      </p:grpSpPr>
+      <p:sp>
+        <p:nvSpPr>
+          <p:cNvPr id="93" name="Google Shape;93;gd83cba079b_1_14:notes"/>
+          <p:cNvSpPr/>
+          <p:nvPr>
+            <p:ph idx="2" type="sldImg"/>
+          </p:nvPr>
+        </p:nvSpPr>
+        <p:spPr>
+          <a:xfrm>
+            <a:off x="381300" y="685800"/>
+            <a:ext cx="6096000" cy="3429000"/>
+          </a:xfrm>
+          <a:custGeom>
+            <a:rect b="b" l="l" r="r" t="t"/>
+            <a:pathLst>
+              <a:path extrusionOk="0" h="120000" w="120000">
+                <a:moveTo>
+                  <a:pt x="0" y="0"/>
+                </a:moveTo>
+                <a:lnTo>
+                  <a:pt x="120000" y="0"/>
+                </a:lnTo>
+                <a:lnTo>
+                  <a:pt x="120000" y="120000"/>
+                </a:lnTo>
+                <a:lnTo>
+                  <a:pt x="0" y="120000"/>
+                </a:lnTo>
+                <a:close/>
+              </a:path>
+            </a:pathLst>
+          </a:custGeom>
+        </p:spPr>
+      </p:sp>
+      <p:sp>
+        <p:nvSpPr>
+          <p:cNvPr id="94" name="Google Shape;94;gd83cba079b_1_14:notes"/>
+          <p:cNvSpPr txBox="1"/>
+          <p:nvPr>
+            <p:ph idx="1" type="body"/>
+          </p:nvPr>
+        </p:nvSpPr>
+        <p:spPr>
+          <a:xfrm>
+            <a:off x="685800" y="4343400"/>
+            <a:ext cx="5486400" cy="4114800"/>
+          </a:xfrm>
+          <a:prstGeom prst="rect">
+            <a:avLst/>
+          </a:prstGeom>
+        </p:spPr>
+        <p:txBody>
+          <a:bodyPr anchorCtr="0" anchor="t" bIns="91425" lIns="91425" spcFirstLastPara="1" rIns="91425" wrap="square" tIns="91425">
+            <a:noAutofit/>
+          </a:bodyPr>
+          <a:lstStyle/>
+          <a:p>
+            <a:pPr indent="0" lvl="0" marL="0" rtl="0" algn="l">
+              <a:spcBef>
+                <a:spcPts val="0"/>
+              </a:spcBef>
+              <a:spcAft>
+                <a:spcPts val="0"/>
+              </a:spcAft>
+              <a:buNone/>
+            </a:pPr>
+            <a:r>
+              <a:t/>
+            </a:r>
+            <a:endParaRPr/>
+          </a:p>
+        </p:txBody>
+      </p:sp>
+    </p:spTree>
+  </p:cSld>
+  <p:clrMapOvr>
+    <a:masterClrMapping/>
+  </p:clrMapOvr>
+</p:notes>
+</file>
+
+<file path=ppt/notesSlides/notesSlide6.xml><?xml version="1.0" encoding="utf-8"?>
+<p:notes xmlns:a="http://schemas.openxmlformats.org/drawingml/2006/main" xmlns:r="http://schemas.openxmlformats.org/officeDocument/2006/relationships" xmlns:mc="http://schemas.openxmlformats.org/markup-compatibility/2006" xmlns:mv="urn:schemas-microsoft-com:mac:vml" xmlns:p="http://schemas.openxmlformats.org/presentationml/2006/main" xmlns:c="http://schemas.openxmlformats.org/drawingml/2006/chart" xmlns:dgm="http://schemas.openxmlformats.org/drawingml/2006/diagram" xmlns:o="urn:schemas-microsoft-com:office:office" xmlns:v="urn:schemas-microsoft-com:vml" xmlns:pvml="urn:schemas-microsoft-com:office:powerpoint" xmlns:com="http://schemas.openxmlformats.org/drawingml/2006/compatibility" xmlns:p14="http://schemas.microsoft.com/office/powerpoint/2010/main" xmlns:p15="http://schemas.microsoft.com/office/powerpoint/2012/main" xmlns:ahyp="http://schemas.microsoft.com/office/drawing/2018/hyperlinkcolor" showMasterPhAnim="0" showMasterSp="0">
+  <p:cSld>
+    <p:spTree>
+      <p:nvGrpSpPr>
+        <p:cNvPr id="98" name="Shape 98"/>
+        <p:cNvGrpSpPr/>
+        <p:nvPr/>
+      </p:nvGrpSpPr>
+      <p:grpSpPr>
+        <a:xfrm>
+          <a:off x="0" y="0"/>
+          <a:ext cx="0" cy="0"/>
+          <a:chOff x="0" y="0"/>
+          <a:chExt cx="0" cy="0"/>
+        </a:xfrm>
+      </p:grpSpPr>
+      <p:sp>
+        <p:nvSpPr>
+          <p:cNvPr id="99" name="Google Shape;99;gd83cba079b_1_5:notes"/>
+          <p:cNvSpPr/>
+          <p:nvPr>
+            <p:ph idx="2" type="sldImg"/>
+          </p:nvPr>
+        </p:nvSpPr>
+        <p:spPr>
+          <a:xfrm>
+            <a:off x="381300" y="685800"/>
+            <a:ext cx="6096000" cy="3429000"/>
+          </a:xfrm>
+          <a:custGeom>
+            <a:rect b="b" l="l" r="r" t="t"/>
+            <a:pathLst>
+              <a:path extrusionOk="0" h="120000" w="120000">
+                <a:moveTo>
+                  <a:pt x="0" y="0"/>
+                </a:moveTo>
+                <a:lnTo>
+                  <a:pt x="120000" y="0"/>
+                </a:lnTo>
+                <a:lnTo>
+                  <a:pt x="120000" y="120000"/>
+                </a:lnTo>
+                <a:lnTo>
+                  <a:pt x="0" y="120000"/>
+                </a:lnTo>
+                <a:close/>
+              </a:path>
+            </a:pathLst>
+          </a:custGeom>
+        </p:spPr>
+      </p:sp>
+      <p:sp>
+        <p:nvSpPr>
+          <p:cNvPr id="100" name="Google Shape;100;gd83cba079b_1_5:notes"/>
+          <p:cNvSpPr txBox="1"/>
+          <p:nvPr>
+            <p:ph idx="1" type="body"/>
+          </p:nvPr>
+        </p:nvSpPr>
+        <p:spPr>
+          <a:xfrm>
+            <a:off x="685800" y="4343400"/>
+            <a:ext cx="5486400" cy="4114800"/>
+          </a:xfrm>
+          <a:prstGeom prst="rect">
+            <a:avLst/>
+          </a:prstGeom>
+        </p:spPr>
+        <p:txBody>
+          <a:bodyPr anchorCtr="0" anchor="t" bIns="91425" lIns="91425" spcFirstLastPara="1" rIns="91425" wrap="square" tIns="91425">
+            <a:noAutofit/>
+          </a:bodyPr>
+          <a:lstStyle/>
+          <a:p>
+            <a:pPr indent="0" lvl="0" marL="0" rtl="0" algn="l">
+              <a:spcBef>
+                <a:spcPts val="0"/>
+              </a:spcBef>
+              <a:spcAft>
+                <a:spcPts val="0"/>
+              </a:spcAft>
+              <a:buNone/>
+            </a:pPr>
+            <a:r>
+              <a:t/>
+            </a:r>
+            <a:endParaRPr/>
+          </a:p>
+        </p:txBody>
+      </p:sp>
+    </p:spTree>
+  </p:cSld>
+  <p:clrMapOvr>
+    <a:masterClrMapping/>
+  </p:clrMapOvr>
+</p:notes>
+</file>
+
+<file path=ppt/notesSlides/notesSlide7.xml><?xml version="1.0" encoding="utf-8"?>
+<p:notes xmlns:a="http://schemas.openxmlformats.org/drawingml/2006/main" xmlns:r="http://schemas.openxmlformats.org/officeDocument/2006/relationships" xmlns:mc="http://schemas.openxmlformats.org/markup-compatibility/2006" xmlns:mv="urn:schemas-microsoft-com:mac:vml" xmlns:p="http://schemas.openxmlformats.org/presentationml/2006/main" xmlns:c="http://schemas.openxmlformats.org/drawingml/2006/chart" xmlns:dgm="http://schemas.openxmlformats.org/drawingml/2006/diagram" xmlns:o="urn:schemas-microsoft-com:office:office" xmlns:v="urn:schemas-microsoft-com:vml" xmlns:pvml="urn:schemas-microsoft-com:office:powerpoint" xmlns:com="http://schemas.openxmlformats.org/drawingml/2006/compatibility" xmlns:p14="http://schemas.microsoft.com/office/powerpoint/2010/main" xmlns:p15="http://schemas.microsoft.com/office/powerpoint/2012/main" xmlns:ahyp="http://schemas.microsoft.com/office/drawing/2018/hyperlinkcolor" showMasterPhAnim="0" showMasterSp="0">
+  <p:cSld>
+    <p:spTree>
+      <p:nvGrpSpPr>
+        <p:cNvPr id="104" name="Shape 104"/>
+        <p:cNvGrpSpPr/>
+        <p:nvPr/>
+      </p:nvGrpSpPr>
+      <p:grpSpPr>
+        <a:xfrm>
+          <a:off x="0" y="0"/>
+          <a:ext cx="0" cy="0"/>
+          <a:chOff x="0" y="0"/>
+          <a:chExt cx="0" cy="0"/>
+        </a:xfrm>
+      </p:grpSpPr>
+      <p:sp>
+        <p:nvSpPr>
+          <p:cNvPr id="105" name="Google Shape;105;gd83cba079b_0_62:notes"/>
+          <p:cNvSpPr/>
+          <p:nvPr>
+            <p:ph idx="2" type="sldImg"/>
+          </p:nvPr>
+        </p:nvSpPr>
+        <p:spPr>
+          <a:xfrm>
+            <a:off x="381300" y="685800"/>
+            <a:ext cx="6096000" cy="3429000"/>
+          </a:xfrm>
+          <a:custGeom>
+            <a:rect b="b" l="l" r="r" t="t"/>
+            <a:pathLst>
+              <a:path extrusionOk="0" h="120000" w="120000">
+                <a:moveTo>
+                  <a:pt x="0" y="0"/>
+                </a:moveTo>
+                <a:lnTo>
+                  <a:pt x="120000" y="0"/>
+                </a:lnTo>
+                <a:lnTo>
+                  <a:pt x="120000" y="120000"/>
+                </a:lnTo>
+                <a:lnTo>
+                  <a:pt x="0" y="120000"/>
+                </a:lnTo>
+                <a:close/>
+              </a:path>
+            </a:pathLst>
+          </a:custGeom>
+        </p:spPr>
+      </p:sp>
+      <p:sp>
+        <p:nvSpPr>
+          <p:cNvPr id="106" name="Google Shape;106;gd83cba079b_0_62:notes"/>
+          <p:cNvSpPr txBox="1"/>
+          <p:nvPr>
+            <p:ph idx="1" type="body"/>
+          </p:nvPr>
+        </p:nvSpPr>
+        <p:spPr>
+          <a:xfrm>
+            <a:off x="685800" y="4343400"/>
+            <a:ext cx="5486400" cy="4114800"/>
+          </a:xfrm>
+          <a:prstGeom prst="rect">
+            <a:avLst/>
+          </a:prstGeom>
+        </p:spPr>
+        <p:txBody>
+          <a:bodyPr anchorCtr="0" anchor="t" bIns="91425" lIns="91425" spcFirstLastPara="1" rIns="91425" wrap="square" tIns="91425">
+            <a:noAutofit/>
+          </a:bodyPr>
+          <a:lstStyle/>
+          <a:p>
+            <a:pPr indent="0" lvl="0" marL="0" rtl="0" algn="l">
+              <a:spcBef>
+                <a:spcPts val="0"/>
+              </a:spcBef>
+              <a:spcAft>
+                <a:spcPts val="0"/>
+              </a:spcAft>
+              <a:buNone/>
+            </a:pPr>
+            <a:r>
+              <a:t/>
+            </a:r>
             <a:endParaRPr/>
           </a:p>
         </p:txBody>
@@ -820,11 +1407,1140 @@
 </file>
 
 <file path=ppt/slideLayouts/slideLayout1.xml><?xml version="1.0" encoding="utf-8"?>
-<p:sldLayout xmlns:a="http://schemas.openxmlformats.org/drawingml/2006/main" xmlns:r="http://schemas.openxmlformats.org/officeDocument/2006/relationships" xmlns:p="http://schemas.openxmlformats.org/presentationml/2006/main" matchingName="Section header" type="secHead">
+<p:sldLayout xmlns:a="http://schemas.openxmlformats.org/drawingml/2006/main" xmlns:r="http://schemas.openxmlformats.org/officeDocument/2006/relationships" xmlns:mc="http://schemas.openxmlformats.org/markup-compatibility/2006" xmlns:mv="urn:schemas-microsoft-com:mac:vml" xmlns:p="http://schemas.openxmlformats.org/presentationml/2006/main" xmlns:c="http://schemas.openxmlformats.org/drawingml/2006/chart" xmlns:dgm="http://schemas.openxmlformats.org/drawingml/2006/diagram" xmlns:o="urn:schemas-microsoft-com:office:office" xmlns:v="urn:schemas-microsoft-com:vml" xmlns:pvml="urn:schemas-microsoft-com:office:powerpoint" xmlns:com="http://schemas.openxmlformats.org/drawingml/2006/compatibility" xmlns:p14="http://schemas.microsoft.com/office/powerpoint/2010/main" xmlns:p15="http://schemas.microsoft.com/office/powerpoint/2012/main" xmlns:ahyp="http://schemas.microsoft.com/office/drawing/2018/hyperlinkcolor" matchingName="Title slide" type="title">
+  <p:cSld name="TITLE">
+    <p:spTree>
+      <p:nvGrpSpPr>
+        <p:cNvPr id="9" name="Shape 9"/>
+        <p:cNvGrpSpPr/>
+        <p:nvPr/>
+      </p:nvGrpSpPr>
+      <p:grpSpPr>
+        <a:xfrm>
+          <a:off x="0" y="0"/>
+          <a:ext cx="0" cy="0"/>
+          <a:chOff x="0" y="0"/>
+          <a:chExt cx="0" cy="0"/>
+        </a:xfrm>
+      </p:grpSpPr>
+      <p:cxnSp>
+        <p:nvCxnSpPr>
+          <p:cNvPr id="10" name="Google Shape;10;p2"/>
+          <p:cNvCxnSpPr/>
+          <p:nvPr/>
+        </p:nvCxnSpPr>
+        <p:spPr>
+          <a:xfrm>
+            <a:off x="7007735" y="3176888"/>
+            <a:ext cx="562200" cy="0"/>
+          </a:xfrm>
+          <a:prstGeom prst="straightConnector1">
+            <a:avLst/>
+          </a:prstGeom>
+          <a:noFill/>
+          <a:ln cap="flat" cmpd="sng" w="76200">
+            <a:solidFill>
+              <a:schemeClr val="lt2"/>
+            </a:solidFill>
+            <a:prstDash val="solid"/>
+            <a:round/>
+            <a:headEnd len="sm" w="sm" type="none"/>
+            <a:tailEnd len="sm" w="sm" type="none"/>
+          </a:ln>
+        </p:spPr>
+      </p:cxnSp>
+      <p:cxnSp>
+        <p:nvCxnSpPr>
+          <p:cNvPr id="11" name="Google Shape;11;p2"/>
+          <p:cNvCxnSpPr/>
+          <p:nvPr/>
+        </p:nvCxnSpPr>
+        <p:spPr>
+          <a:xfrm>
+            <a:off x="1575035" y="3158252"/>
+            <a:ext cx="562200" cy="0"/>
+          </a:xfrm>
+          <a:prstGeom prst="straightConnector1">
+            <a:avLst/>
+          </a:prstGeom>
+          <a:noFill/>
+          <a:ln cap="flat" cmpd="sng" w="76200">
+            <a:solidFill>
+              <a:schemeClr val="lt2"/>
+            </a:solidFill>
+            <a:prstDash val="solid"/>
+            <a:round/>
+            <a:headEnd len="sm" w="sm" type="none"/>
+            <a:tailEnd len="sm" w="sm" type="none"/>
+          </a:ln>
+        </p:spPr>
+      </p:cxnSp>
+      <p:grpSp>
+        <p:nvGrpSpPr>
+          <p:cNvPr id="12" name="Google Shape;12;p2"/>
+          <p:cNvGrpSpPr/>
+          <p:nvPr/>
+        </p:nvGrpSpPr>
+        <p:grpSpPr>
+          <a:xfrm>
+            <a:off x="1004144" y="1022025"/>
+            <a:ext cx="7136668" cy="152400"/>
+            <a:chOff x="1346429" y="1011300"/>
+            <a:chExt cx="6452100" cy="152400"/>
+          </a:xfrm>
+        </p:grpSpPr>
+        <p:cxnSp>
+          <p:nvCxnSpPr>
+            <p:cNvPr id="13" name="Google Shape;13;p2"/>
+            <p:cNvCxnSpPr/>
+            <p:nvPr/>
+          </p:nvCxnSpPr>
+          <p:spPr>
+            <a:xfrm rot="10800000">
+              <a:off x="1346429" y="1011300"/>
+              <a:ext cx="6452100" cy="0"/>
+            </a:xfrm>
+            <a:prstGeom prst="straightConnector1">
+              <a:avLst/>
+            </a:prstGeom>
+            <a:noFill/>
+            <a:ln cap="flat" cmpd="sng" w="76200">
+              <a:solidFill>
+                <a:schemeClr val="accent3"/>
+              </a:solidFill>
+              <a:prstDash val="solid"/>
+              <a:round/>
+              <a:headEnd len="sm" w="sm" type="none"/>
+              <a:tailEnd len="sm" w="sm" type="none"/>
+            </a:ln>
+          </p:spPr>
+        </p:cxnSp>
+        <p:cxnSp>
+          <p:nvCxnSpPr>
+            <p:cNvPr id="14" name="Google Shape;14;p2"/>
+            <p:cNvCxnSpPr/>
+            <p:nvPr/>
+          </p:nvCxnSpPr>
+          <p:spPr>
+            <a:xfrm rot="10800000">
+              <a:off x="1346429" y="1163700"/>
+              <a:ext cx="6452100" cy="0"/>
+            </a:xfrm>
+            <a:prstGeom prst="straightConnector1">
+              <a:avLst/>
+            </a:prstGeom>
+            <a:noFill/>
+            <a:ln cap="flat" cmpd="sng" w="9525">
+              <a:solidFill>
+                <a:schemeClr val="accent3"/>
+              </a:solidFill>
+              <a:prstDash val="solid"/>
+              <a:round/>
+              <a:headEnd len="sm" w="sm" type="none"/>
+              <a:tailEnd len="sm" w="sm" type="none"/>
+            </a:ln>
+          </p:spPr>
+        </p:cxnSp>
+      </p:grpSp>
+      <p:grpSp>
+        <p:nvGrpSpPr>
+          <p:cNvPr id="15" name="Google Shape;15;p2"/>
+          <p:cNvGrpSpPr/>
+          <p:nvPr/>
+        </p:nvGrpSpPr>
+        <p:grpSpPr>
+          <a:xfrm>
+            <a:off x="1004151" y="3969100"/>
+            <a:ext cx="7136668" cy="152400"/>
+            <a:chOff x="1346435" y="3969088"/>
+            <a:chExt cx="6452100" cy="152400"/>
+          </a:xfrm>
+        </p:grpSpPr>
+        <p:cxnSp>
+          <p:nvCxnSpPr>
+            <p:cNvPr id="16" name="Google Shape;16;p2"/>
+            <p:cNvCxnSpPr/>
+            <p:nvPr/>
+          </p:nvCxnSpPr>
+          <p:spPr>
+            <a:xfrm>
+              <a:off x="1346435" y="4121488"/>
+              <a:ext cx="6452100" cy="0"/>
+            </a:xfrm>
+            <a:prstGeom prst="straightConnector1">
+              <a:avLst/>
+            </a:prstGeom>
+            <a:noFill/>
+            <a:ln cap="flat" cmpd="sng" w="76200">
+              <a:solidFill>
+                <a:schemeClr val="accent3"/>
+              </a:solidFill>
+              <a:prstDash val="solid"/>
+              <a:round/>
+              <a:headEnd len="sm" w="sm" type="none"/>
+              <a:tailEnd len="sm" w="sm" type="none"/>
+            </a:ln>
+          </p:spPr>
+        </p:cxnSp>
+        <p:cxnSp>
+          <p:nvCxnSpPr>
+            <p:cNvPr id="17" name="Google Shape;17;p2"/>
+            <p:cNvCxnSpPr/>
+            <p:nvPr/>
+          </p:nvCxnSpPr>
+          <p:spPr>
+            <a:xfrm>
+              <a:off x="1346435" y="3969088"/>
+              <a:ext cx="6452100" cy="0"/>
+            </a:xfrm>
+            <a:prstGeom prst="straightConnector1">
+              <a:avLst/>
+            </a:prstGeom>
+            <a:noFill/>
+            <a:ln cap="flat" cmpd="sng" w="9525">
+              <a:solidFill>
+                <a:schemeClr val="accent3"/>
+              </a:solidFill>
+              <a:prstDash val="solid"/>
+              <a:round/>
+              <a:headEnd len="sm" w="sm" type="none"/>
+              <a:tailEnd len="sm" w="sm" type="none"/>
+            </a:ln>
+          </p:spPr>
+        </p:cxnSp>
+      </p:grpSp>
+      <p:sp>
+        <p:nvSpPr>
+          <p:cNvPr id="18" name="Google Shape;18;p2"/>
+          <p:cNvSpPr txBox="1"/>
+          <p:nvPr>
+            <p:ph type="ctrTitle"/>
+          </p:nvPr>
+        </p:nvSpPr>
+        <p:spPr>
+          <a:xfrm>
+            <a:off x="1004150" y="1751764"/>
+            <a:ext cx="7136700" cy="1022400"/>
+          </a:xfrm>
+          <a:prstGeom prst="rect">
+            <a:avLst/>
+          </a:prstGeom>
+        </p:spPr>
+        <p:txBody>
+          <a:bodyPr anchorCtr="0" anchor="b" bIns="91425" lIns="91425" spcFirstLastPara="1" rIns="91425" wrap="square" tIns="91425">
+            <a:normAutofit/>
+          </a:bodyPr>
+          <a:lstStyle>
+            <a:lvl1pPr lvl="0" algn="ctr">
+              <a:spcBef>
+                <a:spcPts val="0"/>
+              </a:spcBef>
+              <a:spcAft>
+                <a:spcPts val="0"/>
+              </a:spcAft>
+              <a:buSzPts val="5400"/>
+              <a:buNone/>
+              <a:defRPr sz="5400"/>
+            </a:lvl1pPr>
+            <a:lvl2pPr lvl="1" algn="ctr">
+              <a:spcBef>
+                <a:spcPts val="0"/>
+              </a:spcBef>
+              <a:spcAft>
+                <a:spcPts val="0"/>
+              </a:spcAft>
+              <a:buSzPts val="5400"/>
+              <a:buNone/>
+              <a:defRPr sz="5400"/>
+            </a:lvl2pPr>
+            <a:lvl3pPr lvl="2" algn="ctr">
+              <a:spcBef>
+                <a:spcPts val="0"/>
+              </a:spcBef>
+              <a:spcAft>
+                <a:spcPts val="0"/>
+              </a:spcAft>
+              <a:buSzPts val="5400"/>
+              <a:buNone/>
+              <a:defRPr sz="5400"/>
+            </a:lvl3pPr>
+            <a:lvl4pPr lvl="3" algn="ctr">
+              <a:spcBef>
+                <a:spcPts val="0"/>
+              </a:spcBef>
+              <a:spcAft>
+                <a:spcPts val="0"/>
+              </a:spcAft>
+              <a:buSzPts val="5400"/>
+              <a:buNone/>
+              <a:defRPr sz="5400"/>
+            </a:lvl4pPr>
+            <a:lvl5pPr lvl="4" algn="ctr">
+              <a:spcBef>
+                <a:spcPts val="0"/>
+              </a:spcBef>
+              <a:spcAft>
+                <a:spcPts val="0"/>
+              </a:spcAft>
+              <a:buSzPts val="5400"/>
+              <a:buNone/>
+              <a:defRPr sz="5400"/>
+            </a:lvl5pPr>
+            <a:lvl6pPr lvl="5" algn="ctr">
+              <a:spcBef>
+                <a:spcPts val="0"/>
+              </a:spcBef>
+              <a:spcAft>
+                <a:spcPts val="0"/>
+              </a:spcAft>
+              <a:buSzPts val="5400"/>
+              <a:buNone/>
+              <a:defRPr sz="5400"/>
+            </a:lvl6pPr>
+            <a:lvl7pPr lvl="6" algn="ctr">
+              <a:spcBef>
+                <a:spcPts val="0"/>
+              </a:spcBef>
+              <a:spcAft>
+                <a:spcPts val="0"/>
+              </a:spcAft>
+              <a:buSzPts val="5400"/>
+              <a:buNone/>
+              <a:defRPr sz="5400"/>
+            </a:lvl7pPr>
+            <a:lvl8pPr lvl="7" algn="ctr">
+              <a:spcBef>
+                <a:spcPts val="0"/>
+              </a:spcBef>
+              <a:spcAft>
+                <a:spcPts val="0"/>
+              </a:spcAft>
+              <a:buSzPts val="5400"/>
+              <a:buNone/>
+              <a:defRPr sz="5400"/>
+            </a:lvl8pPr>
+            <a:lvl9pPr lvl="8" algn="ctr">
+              <a:spcBef>
+                <a:spcPts val="0"/>
+              </a:spcBef>
+              <a:spcAft>
+                <a:spcPts val="0"/>
+              </a:spcAft>
+              <a:buSzPts val="5400"/>
+              <a:buNone/>
+              <a:defRPr sz="5400"/>
+            </a:lvl9pPr>
+          </a:lstStyle>
+          <a:p/>
+        </p:txBody>
+      </p:sp>
+      <p:sp>
+        <p:nvSpPr>
+          <p:cNvPr id="19" name="Google Shape;19;p2"/>
+          <p:cNvSpPr txBox="1"/>
+          <p:nvPr>
+            <p:ph idx="1" type="subTitle"/>
+          </p:nvPr>
+        </p:nvSpPr>
+        <p:spPr>
+          <a:xfrm>
+            <a:off x="2137225" y="2850039"/>
+            <a:ext cx="4870500" cy="792600"/>
+          </a:xfrm>
+          <a:prstGeom prst="rect">
+            <a:avLst/>
+          </a:prstGeom>
+        </p:spPr>
+        <p:txBody>
+          <a:bodyPr anchorCtr="0" anchor="t" bIns="91425" lIns="91425" spcFirstLastPara="1" rIns="91425" wrap="square" tIns="91425">
+            <a:normAutofit/>
+          </a:bodyPr>
+          <a:lstStyle>
+            <a:lvl1pPr lvl="0" algn="ctr">
+              <a:lnSpc>
+                <a:spcPct val="100000"/>
+              </a:lnSpc>
+              <a:spcBef>
+                <a:spcPts val="0"/>
+              </a:spcBef>
+              <a:spcAft>
+                <a:spcPts val="0"/>
+              </a:spcAft>
+              <a:buSzPts val="2400"/>
+              <a:buNone/>
+              <a:defRPr sz="2400"/>
+            </a:lvl1pPr>
+            <a:lvl2pPr lvl="1" algn="ctr">
+              <a:lnSpc>
+                <a:spcPct val="100000"/>
+              </a:lnSpc>
+              <a:spcBef>
+                <a:spcPts val="0"/>
+              </a:spcBef>
+              <a:spcAft>
+                <a:spcPts val="0"/>
+              </a:spcAft>
+              <a:buSzPts val="2400"/>
+              <a:buNone/>
+              <a:defRPr sz="2400"/>
+            </a:lvl2pPr>
+            <a:lvl3pPr lvl="2" algn="ctr">
+              <a:lnSpc>
+                <a:spcPct val="100000"/>
+              </a:lnSpc>
+              <a:spcBef>
+                <a:spcPts val="0"/>
+              </a:spcBef>
+              <a:spcAft>
+                <a:spcPts val="0"/>
+              </a:spcAft>
+              <a:buSzPts val="2400"/>
+              <a:buNone/>
+              <a:defRPr sz="2400"/>
+            </a:lvl3pPr>
+            <a:lvl4pPr lvl="3" algn="ctr">
+              <a:lnSpc>
+                <a:spcPct val="100000"/>
+              </a:lnSpc>
+              <a:spcBef>
+                <a:spcPts val="0"/>
+              </a:spcBef>
+              <a:spcAft>
+                <a:spcPts val="0"/>
+              </a:spcAft>
+              <a:buSzPts val="2400"/>
+              <a:buNone/>
+              <a:defRPr sz="2400"/>
+            </a:lvl4pPr>
+            <a:lvl5pPr lvl="4" algn="ctr">
+              <a:lnSpc>
+                <a:spcPct val="100000"/>
+              </a:lnSpc>
+              <a:spcBef>
+                <a:spcPts val="0"/>
+              </a:spcBef>
+              <a:spcAft>
+                <a:spcPts val="0"/>
+              </a:spcAft>
+              <a:buSzPts val="2400"/>
+              <a:buNone/>
+              <a:defRPr sz="2400"/>
+            </a:lvl5pPr>
+            <a:lvl6pPr lvl="5" algn="ctr">
+              <a:lnSpc>
+                <a:spcPct val="100000"/>
+              </a:lnSpc>
+              <a:spcBef>
+                <a:spcPts val="0"/>
+              </a:spcBef>
+              <a:spcAft>
+                <a:spcPts val="0"/>
+              </a:spcAft>
+              <a:buSzPts val="2400"/>
+              <a:buNone/>
+              <a:defRPr sz="2400"/>
+            </a:lvl6pPr>
+            <a:lvl7pPr lvl="6" algn="ctr">
+              <a:lnSpc>
+                <a:spcPct val="100000"/>
+              </a:lnSpc>
+              <a:spcBef>
+                <a:spcPts val="0"/>
+              </a:spcBef>
+              <a:spcAft>
+                <a:spcPts val="0"/>
+              </a:spcAft>
+              <a:buSzPts val="2400"/>
+              <a:buNone/>
+              <a:defRPr sz="2400"/>
+            </a:lvl7pPr>
+            <a:lvl8pPr lvl="7" algn="ctr">
+              <a:lnSpc>
+                <a:spcPct val="100000"/>
+              </a:lnSpc>
+              <a:spcBef>
+                <a:spcPts val="0"/>
+              </a:spcBef>
+              <a:spcAft>
+                <a:spcPts val="0"/>
+              </a:spcAft>
+              <a:buSzPts val="2400"/>
+              <a:buNone/>
+              <a:defRPr sz="2400"/>
+            </a:lvl8pPr>
+            <a:lvl9pPr lvl="8" algn="ctr">
+              <a:lnSpc>
+                <a:spcPct val="100000"/>
+              </a:lnSpc>
+              <a:spcBef>
+                <a:spcPts val="0"/>
+              </a:spcBef>
+              <a:spcAft>
+                <a:spcPts val="0"/>
+              </a:spcAft>
+              <a:buSzPts val="2400"/>
+              <a:buNone/>
+              <a:defRPr sz="2400"/>
+            </a:lvl9pPr>
+          </a:lstStyle>
+          <a:p/>
+        </p:txBody>
+      </p:sp>
+      <p:sp>
+        <p:nvSpPr>
+          <p:cNvPr id="20" name="Google Shape;20;p2"/>
+          <p:cNvSpPr txBox="1"/>
+          <p:nvPr>
+            <p:ph idx="12" type="sldNum"/>
+          </p:nvPr>
+        </p:nvSpPr>
+        <p:spPr>
+          <a:xfrm>
+            <a:off x="8472458" y="4663217"/>
+            <a:ext cx="548700" cy="393600"/>
+          </a:xfrm>
+          <a:prstGeom prst="rect">
+            <a:avLst/>
+          </a:prstGeom>
+        </p:spPr>
+        <p:txBody>
+          <a:bodyPr anchorCtr="0" anchor="ctr" bIns="91425" lIns="91425" spcFirstLastPara="1" rIns="91425" wrap="square" tIns="91425">
+            <a:normAutofit/>
+          </a:bodyPr>
+          <a:lstStyle>
+            <a:lvl1pPr lvl="0">
+              <a:buNone/>
+              <a:defRPr/>
+            </a:lvl1pPr>
+            <a:lvl2pPr lvl="1">
+              <a:buNone/>
+              <a:defRPr/>
+            </a:lvl2pPr>
+            <a:lvl3pPr lvl="2">
+              <a:buNone/>
+              <a:defRPr/>
+            </a:lvl3pPr>
+            <a:lvl4pPr lvl="3">
+              <a:buNone/>
+              <a:defRPr/>
+            </a:lvl4pPr>
+            <a:lvl5pPr lvl="4">
+              <a:buNone/>
+              <a:defRPr/>
+            </a:lvl5pPr>
+            <a:lvl6pPr lvl="5">
+              <a:buNone/>
+              <a:defRPr/>
+            </a:lvl6pPr>
+            <a:lvl7pPr lvl="6">
+              <a:buNone/>
+              <a:defRPr/>
+            </a:lvl7pPr>
+            <a:lvl8pPr lvl="7">
+              <a:buNone/>
+              <a:defRPr/>
+            </a:lvl8pPr>
+            <a:lvl9pPr lvl="8">
+              <a:buNone/>
+              <a:defRPr/>
+            </a:lvl9pPr>
+          </a:lstStyle>
+          <a:p>
+            <a:pPr indent="0" lvl="0" marL="0" rtl="0" algn="r">
+              <a:spcBef>
+                <a:spcPts val="0"/>
+              </a:spcBef>
+              <a:spcAft>
+                <a:spcPts val="0"/>
+              </a:spcAft>
+              <a:buNone/>
+            </a:pPr>
+            <a:fld id="{00000000-1234-1234-1234-123412341234}" type="slidenum">
+              <a:rPr lang="es-419"/>
+              <a:t>‹#›</a:t>
+            </a:fld>
+            <a:endParaRPr/>
+          </a:p>
+        </p:txBody>
+      </p:sp>
+    </p:spTree>
+  </p:cSld>
+  <p:clrMapOvr>
+    <a:masterClrMapping/>
+  </p:clrMapOvr>
+</p:sldLayout>
+</file>
+
+<file path=ppt/slideLayouts/slideLayout10.xml><?xml version="1.0" encoding="utf-8"?>
+<p:sldLayout xmlns:a="http://schemas.openxmlformats.org/drawingml/2006/main" xmlns:r="http://schemas.openxmlformats.org/officeDocument/2006/relationships" xmlns:mc="http://schemas.openxmlformats.org/markup-compatibility/2006" xmlns:mv="urn:schemas-microsoft-com:mac:vml" xmlns:p="http://schemas.openxmlformats.org/presentationml/2006/main" xmlns:c="http://schemas.openxmlformats.org/drawingml/2006/chart" xmlns:dgm="http://schemas.openxmlformats.org/drawingml/2006/diagram" xmlns:o="urn:schemas-microsoft-com:office:office" xmlns:v="urn:schemas-microsoft-com:vml" xmlns:pvml="urn:schemas-microsoft-com:office:powerpoint" xmlns:com="http://schemas.openxmlformats.org/drawingml/2006/compatibility" xmlns:p14="http://schemas.microsoft.com/office/powerpoint/2010/main" xmlns:p15="http://schemas.microsoft.com/office/powerpoint/2012/main" xmlns:ahyp="http://schemas.microsoft.com/office/drawing/2018/hyperlinkcolor" matchingName="Big number">
+  <p:cSld name="BIG_NUMBER">
+    <p:spTree>
+      <p:nvGrpSpPr>
+        <p:cNvPr id="55" name="Shape 55"/>
+        <p:cNvGrpSpPr/>
+        <p:nvPr/>
+      </p:nvGrpSpPr>
+      <p:grpSpPr>
+        <a:xfrm>
+          <a:off x="0" y="0"/>
+          <a:ext cx="0" cy="0"/>
+          <a:chOff x="0" y="0"/>
+          <a:chExt cx="0" cy="0"/>
+        </a:xfrm>
+      </p:grpSpPr>
+      <p:sp>
+        <p:nvSpPr>
+          <p:cNvPr id="56" name="Google Shape;56;p11"/>
+          <p:cNvSpPr/>
+          <p:nvPr/>
+        </p:nvSpPr>
+        <p:spPr>
+          <a:xfrm>
+            <a:off x="-75" y="5045700"/>
+            <a:ext cx="9144000" cy="97800"/>
+          </a:xfrm>
+          <a:prstGeom prst="rect">
+            <a:avLst/>
+          </a:prstGeom>
+          <a:solidFill>
+            <a:schemeClr val="lt2"/>
+          </a:solidFill>
+          <a:ln>
+            <a:noFill/>
+          </a:ln>
+        </p:spPr>
+        <p:txBody>
+          <a:bodyPr anchorCtr="0" anchor="ctr" bIns="91425" lIns="91425" spcFirstLastPara="1" rIns="91425" wrap="square" tIns="91425">
+            <a:noAutofit/>
+          </a:bodyPr>
+          <a:lstStyle/>
+          <a:p>
+            <a:pPr indent="0" lvl="0" marL="0" rtl="0" algn="l">
+              <a:spcBef>
+                <a:spcPts val="0"/>
+              </a:spcBef>
+              <a:spcAft>
+                <a:spcPts val="0"/>
+              </a:spcAft>
+              <a:buNone/>
+            </a:pPr>
+            <a:r>
+              <a:t/>
+            </a:r>
+            <a:endParaRPr/>
+          </a:p>
+        </p:txBody>
+      </p:sp>
+      <p:sp>
+        <p:nvSpPr>
+          <p:cNvPr id="57" name="Google Shape;57;p11"/>
+          <p:cNvSpPr txBox="1"/>
+          <p:nvPr>
+            <p:ph hasCustomPrompt="1" type="title"/>
+          </p:nvPr>
+        </p:nvSpPr>
+        <p:spPr>
+          <a:xfrm>
+            <a:off x="311700" y="1304850"/>
+            <a:ext cx="8520600" cy="1538400"/>
+          </a:xfrm>
+          <a:prstGeom prst="rect">
+            <a:avLst/>
+          </a:prstGeom>
+        </p:spPr>
+        <p:txBody>
+          <a:bodyPr anchorCtr="0" anchor="ctr" bIns="91425" lIns="91425" spcFirstLastPara="1" rIns="91425" wrap="square" tIns="91425">
+            <a:normAutofit/>
+          </a:bodyPr>
+          <a:lstStyle>
+            <a:lvl1pPr lvl="0" algn="ctr">
+              <a:spcBef>
+                <a:spcPts val="0"/>
+              </a:spcBef>
+              <a:spcAft>
+                <a:spcPts val="0"/>
+              </a:spcAft>
+              <a:buClr>
+                <a:schemeClr val="accent3"/>
+              </a:buClr>
+              <a:buSzPts val="13000"/>
+              <a:buNone/>
+              <a:defRPr sz="13000">
+                <a:solidFill>
+                  <a:schemeClr val="accent3"/>
+                </a:solidFill>
+              </a:defRPr>
+            </a:lvl1pPr>
+            <a:lvl2pPr lvl="1" algn="ctr">
+              <a:spcBef>
+                <a:spcPts val="0"/>
+              </a:spcBef>
+              <a:spcAft>
+                <a:spcPts val="0"/>
+              </a:spcAft>
+              <a:buClr>
+                <a:schemeClr val="accent3"/>
+              </a:buClr>
+              <a:buSzPts val="13000"/>
+              <a:buNone/>
+              <a:defRPr sz="13000">
+                <a:solidFill>
+                  <a:schemeClr val="accent3"/>
+                </a:solidFill>
+              </a:defRPr>
+            </a:lvl2pPr>
+            <a:lvl3pPr lvl="2" algn="ctr">
+              <a:spcBef>
+                <a:spcPts val="0"/>
+              </a:spcBef>
+              <a:spcAft>
+                <a:spcPts val="0"/>
+              </a:spcAft>
+              <a:buClr>
+                <a:schemeClr val="accent3"/>
+              </a:buClr>
+              <a:buSzPts val="13000"/>
+              <a:buNone/>
+              <a:defRPr sz="13000">
+                <a:solidFill>
+                  <a:schemeClr val="accent3"/>
+                </a:solidFill>
+              </a:defRPr>
+            </a:lvl3pPr>
+            <a:lvl4pPr lvl="3" algn="ctr">
+              <a:spcBef>
+                <a:spcPts val="0"/>
+              </a:spcBef>
+              <a:spcAft>
+                <a:spcPts val="0"/>
+              </a:spcAft>
+              <a:buClr>
+                <a:schemeClr val="accent3"/>
+              </a:buClr>
+              <a:buSzPts val="13000"/>
+              <a:buNone/>
+              <a:defRPr sz="13000">
+                <a:solidFill>
+                  <a:schemeClr val="accent3"/>
+                </a:solidFill>
+              </a:defRPr>
+            </a:lvl4pPr>
+            <a:lvl5pPr lvl="4" algn="ctr">
+              <a:spcBef>
+                <a:spcPts val="0"/>
+              </a:spcBef>
+              <a:spcAft>
+                <a:spcPts val="0"/>
+              </a:spcAft>
+              <a:buClr>
+                <a:schemeClr val="accent3"/>
+              </a:buClr>
+              <a:buSzPts val="13000"/>
+              <a:buNone/>
+              <a:defRPr sz="13000">
+                <a:solidFill>
+                  <a:schemeClr val="accent3"/>
+                </a:solidFill>
+              </a:defRPr>
+            </a:lvl5pPr>
+            <a:lvl6pPr lvl="5" algn="ctr">
+              <a:spcBef>
+                <a:spcPts val="0"/>
+              </a:spcBef>
+              <a:spcAft>
+                <a:spcPts val="0"/>
+              </a:spcAft>
+              <a:buClr>
+                <a:schemeClr val="accent3"/>
+              </a:buClr>
+              <a:buSzPts val="13000"/>
+              <a:buNone/>
+              <a:defRPr sz="13000">
+                <a:solidFill>
+                  <a:schemeClr val="accent3"/>
+                </a:solidFill>
+              </a:defRPr>
+            </a:lvl6pPr>
+            <a:lvl7pPr lvl="6" algn="ctr">
+              <a:spcBef>
+                <a:spcPts val="0"/>
+              </a:spcBef>
+              <a:spcAft>
+                <a:spcPts val="0"/>
+              </a:spcAft>
+              <a:buClr>
+                <a:schemeClr val="accent3"/>
+              </a:buClr>
+              <a:buSzPts val="13000"/>
+              <a:buNone/>
+              <a:defRPr sz="13000">
+                <a:solidFill>
+                  <a:schemeClr val="accent3"/>
+                </a:solidFill>
+              </a:defRPr>
+            </a:lvl7pPr>
+            <a:lvl8pPr lvl="7" algn="ctr">
+              <a:spcBef>
+                <a:spcPts val="0"/>
+              </a:spcBef>
+              <a:spcAft>
+                <a:spcPts val="0"/>
+              </a:spcAft>
+              <a:buClr>
+                <a:schemeClr val="accent3"/>
+              </a:buClr>
+              <a:buSzPts val="13000"/>
+              <a:buNone/>
+              <a:defRPr sz="13000">
+                <a:solidFill>
+                  <a:schemeClr val="accent3"/>
+                </a:solidFill>
+              </a:defRPr>
+            </a:lvl8pPr>
+            <a:lvl9pPr lvl="8" algn="ctr">
+              <a:spcBef>
+                <a:spcPts val="0"/>
+              </a:spcBef>
+              <a:spcAft>
+                <a:spcPts val="0"/>
+              </a:spcAft>
+              <a:buClr>
+                <a:schemeClr val="accent3"/>
+              </a:buClr>
+              <a:buSzPts val="13000"/>
+              <a:buNone/>
+              <a:defRPr sz="13000">
+                <a:solidFill>
+                  <a:schemeClr val="accent3"/>
+                </a:solidFill>
+              </a:defRPr>
+            </a:lvl9pPr>
+          </a:lstStyle>
+          <a:p>
+            <a:r>
+              <a:t>xx%</a:t>
+            </a:r>
+          </a:p>
+        </p:txBody>
+      </p:sp>
+      <p:sp>
+        <p:nvSpPr>
+          <p:cNvPr id="58" name="Google Shape;58;p11"/>
+          <p:cNvSpPr txBox="1"/>
+          <p:nvPr>
+            <p:ph idx="1" type="body"/>
+          </p:nvPr>
+        </p:nvSpPr>
+        <p:spPr>
+          <a:xfrm>
+            <a:off x="311700" y="2995650"/>
+            <a:ext cx="8520600" cy="1071600"/>
+          </a:xfrm>
+          <a:prstGeom prst="rect">
+            <a:avLst/>
+          </a:prstGeom>
+        </p:spPr>
+        <p:txBody>
+          <a:bodyPr anchorCtr="0" anchor="t" bIns="91425" lIns="91425" spcFirstLastPara="1" rIns="91425" wrap="square" tIns="91425">
+            <a:normAutofit/>
+          </a:bodyPr>
+          <a:lstStyle>
+            <a:lvl1pPr indent="-342900" lvl="0" marL="457200" algn="ctr">
+              <a:spcBef>
+                <a:spcPts val="0"/>
+              </a:spcBef>
+              <a:spcAft>
+                <a:spcPts val="0"/>
+              </a:spcAft>
+              <a:buSzPts val="1800"/>
+              <a:buChar char="●"/>
+              <a:defRPr/>
+            </a:lvl1pPr>
+            <a:lvl2pPr indent="-317500" lvl="1" marL="914400" algn="ctr">
+              <a:spcBef>
+                <a:spcPts val="0"/>
+              </a:spcBef>
+              <a:spcAft>
+                <a:spcPts val="0"/>
+              </a:spcAft>
+              <a:buSzPts val="1400"/>
+              <a:buChar char="○"/>
+              <a:defRPr/>
+            </a:lvl2pPr>
+            <a:lvl3pPr indent="-317500" lvl="2" marL="1371600" algn="ctr">
+              <a:spcBef>
+                <a:spcPts val="0"/>
+              </a:spcBef>
+              <a:spcAft>
+                <a:spcPts val="0"/>
+              </a:spcAft>
+              <a:buSzPts val="1400"/>
+              <a:buChar char="■"/>
+              <a:defRPr/>
+            </a:lvl3pPr>
+            <a:lvl4pPr indent="-317500" lvl="3" marL="1828800" algn="ctr">
+              <a:spcBef>
+                <a:spcPts val="0"/>
+              </a:spcBef>
+              <a:spcAft>
+                <a:spcPts val="0"/>
+              </a:spcAft>
+              <a:buSzPts val="1400"/>
+              <a:buChar char="●"/>
+              <a:defRPr/>
+            </a:lvl4pPr>
+            <a:lvl5pPr indent="-317500" lvl="4" marL="2286000" algn="ctr">
+              <a:spcBef>
+                <a:spcPts val="0"/>
+              </a:spcBef>
+              <a:spcAft>
+                <a:spcPts val="0"/>
+              </a:spcAft>
+              <a:buSzPts val="1400"/>
+              <a:buChar char="○"/>
+              <a:defRPr/>
+            </a:lvl5pPr>
+            <a:lvl6pPr indent="-317500" lvl="5" marL="2743200" algn="ctr">
+              <a:spcBef>
+                <a:spcPts val="0"/>
+              </a:spcBef>
+              <a:spcAft>
+                <a:spcPts val="0"/>
+              </a:spcAft>
+              <a:buSzPts val="1400"/>
+              <a:buChar char="■"/>
+              <a:defRPr/>
+            </a:lvl6pPr>
+            <a:lvl7pPr indent="-317500" lvl="6" marL="3200400" algn="ctr">
+              <a:spcBef>
+                <a:spcPts val="0"/>
+              </a:spcBef>
+              <a:spcAft>
+                <a:spcPts val="0"/>
+              </a:spcAft>
+              <a:buSzPts val="1400"/>
+              <a:buChar char="●"/>
+              <a:defRPr/>
+            </a:lvl7pPr>
+            <a:lvl8pPr indent="-317500" lvl="7" marL="3657600" algn="ctr">
+              <a:spcBef>
+                <a:spcPts val="0"/>
+              </a:spcBef>
+              <a:spcAft>
+                <a:spcPts val="0"/>
+              </a:spcAft>
+              <a:buSzPts val="1400"/>
+              <a:buChar char="○"/>
+              <a:defRPr/>
+            </a:lvl8pPr>
+            <a:lvl9pPr indent="-317500" lvl="8" marL="4114800" algn="ctr">
+              <a:spcBef>
+                <a:spcPts val="0"/>
+              </a:spcBef>
+              <a:spcAft>
+                <a:spcPts val="0"/>
+              </a:spcAft>
+              <a:buSzPts val="1400"/>
+              <a:buChar char="■"/>
+              <a:defRPr/>
+            </a:lvl9pPr>
+          </a:lstStyle>
+          <a:p/>
+        </p:txBody>
+      </p:sp>
+      <p:sp>
+        <p:nvSpPr>
+          <p:cNvPr id="59" name="Google Shape;59;p11"/>
+          <p:cNvSpPr txBox="1"/>
+          <p:nvPr>
+            <p:ph idx="12" type="sldNum"/>
+          </p:nvPr>
+        </p:nvSpPr>
+        <p:spPr>
+          <a:xfrm>
+            <a:off x="8472458" y="4663217"/>
+            <a:ext cx="548700" cy="393600"/>
+          </a:xfrm>
+          <a:prstGeom prst="rect">
+            <a:avLst/>
+          </a:prstGeom>
+        </p:spPr>
+        <p:txBody>
+          <a:bodyPr anchorCtr="0" anchor="ctr" bIns="91425" lIns="91425" spcFirstLastPara="1" rIns="91425" wrap="square" tIns="91425">
+            <a:normAutofit/>
+          </a:bodyPr>
+          <a:lstStyle>
+            <a:lvl1pPr lvl="0">
+              <a:buNone/>
+              <a:defRPr/>
+            </a:lvl1pPr>
+            <a:lvl2pPr lvl="1">
+              <a:buNone/>
+              <a:defRPr/>
+            </a:lvl2pPr>
+            <a:lvl3pPr lvl="2">
+              <a:buNone/>
+              <a:defRPr/>
+            </a:lvl3pPr>
+            <a:lvl4pPr lvl="3">
+              <a:buNone/>
+              <a:defRPr/>
+            </a:lvl4pPr>
+            <a:lvl5pPr lvl="4">
+              <a:buNone/>
+              <a:defRPr/>
+            </a:lvl5pPr>
+            <a:lvl6pPr lvl="5">
+              <a:buNone/>
+              <a:defRPr/>
+            </a:lvl6pPr>
+            <a:lvl7pPr lvl="6">
+              <a:buNone/>
+              <a:defRPr/>
+            </a:lvl7pPr>
+            <a:lvl8pPr lvl="7">
+              <a:buNone/>
+              <a:defRPr/>
+            </a:lvl8pPr>
+            <a:lvl9pPr lvl="8">
+              <a:buNone/>
+              <a:defRPr/>
+            </a:lvl9pPr>
+          </a:lstStyle>
+          <a:p>
+            <a:pPr indent="0" lvl="0" marL="0" rtl="0" algn="r">
+              <a:spcBef>
+                <a:spcPts val="0"/>
+              </a:spcBef>
+              <a:spcAft>
+                <a:spcPts val="0"/>
+              </a:spcAft>
+              <a:buNone/>
+            </a:pPr>
+            <a:fld id="{00000000-1234-1234-1234-123412341234}" type="slidenum">
+              <a:rPr lang="es-419"/>
+              <a:t>‹#›</a:t>
+            </a:fld>
+            <a:endParaRPr/>
+          </a:p>
+        </p:txBody>
+      </p:sp>
+    </p:spTree>
+  </p:cSld>
+  <p:clrMapOvr>
+    <a:masterClrMapping/>
+  </p:clrMapOvr>
+</p:sldLayout>
+</file>
+
+<file path=ppt/slideLayouts/slideLayout11.xml><?xml version="1.0" encoding="utf-8"?>
+<p:sldLayout xmlns:a="http://schemas.openxmlformats.org/drawingml/2006/main" xmlns:r="http://schemas.openxmlformats.org/officeDocument/2006/relationships" xmlns:mc="http://schemas.openxmlformats.org/markup-compatibility/2006" xmlns:mv="urn:schemas-microsoft-com:mac:vml" xmlns:p="http://schemas.openxmlformats.org/presentationml/2006/main" xmlns:c="http://schemas.openxmlformats.org/drawingml/2006/chart" xmlns:dgm="http://schemas.openxmlformats.org/drawingml/2006/diagram" xmlns:o="urn:schemas-microsoft-com:office:office" xmlns:v="urn:schemas-microsoft-com:vml" xmlns:pvml="urn:schemas-microsoft-com:office:powerpoint" xmlns:com="http://schemas.openxmlformats.org/drawingml/2006/compatibility" xmlns:p14="http://schemas.microsoft.com/office/powerpoint/2010/main" xmlns:p15="http://schemas.microsoft.com/office/powerpoint/2012/main" xmlns:ahyp="http://schemas.microsoft.com/office/drawing/2018/hyperlinkcolor" matchingName="Blank" type="blank">
+  <p:cSld name="BLANK">
+    <p:spTree>
+      <p:nvGrpSpPr>
+        <p:cNvPr id="60" name="Shape 60"/>
+        <p:cNvGrpSpPr/>
+        <p:nvPr/>
+      </p:nvGrpSpPr>
+      <p:grpSpPr>
+        <a:xfrm>
+          <a:off x="0" y="0"/>
+          <a:ext cx="0" cy="0"/>
+          <a:chOff x="0" y="0"/>
+          <a:chExt cx="0" cy="0"/>
+        </a:xfrm>
+      </p:grpSpPr>
+      <p:sp>
+        <p:nvSpPr>
+          <p:cNvPr id="61" name="Google Shape;61;p12"/>
+          <p:cNvSpPr txBox="1"/>
+          <p:nvPr>
+            <p:ph idx="12" type="sldNum"/>
+          </p:nvPr>
+        </p:nvSpPr>
+        <p:spPr>
+          <a:xfrm>
+            <a:off x="8472458" y="4663217"/>
+            <a:ext cx="548700" cy="393600"/>
+          </a:xfrm>
+          <a:prstGeom prst="rect">
+            <a:avLst/>
+          </a:prstGeom>
+        </p:spPr>
+        <p:txBody>
+          <a:bodyPr anchorCtr="0" anchor="ctr" bIns="91425" lIns="91425" spcFirstLastPara="1" rIns="91425" wrap="square" tIns="91425">
+            <a:normAutofit/>
+          </a:bodyPr>
+          <a:lstStyle>
+            <a:lvl1pPr lvl="0">
+              <a:buNone/>
+              <a:defRPr/>
+            </a:lvl1pPr>
+            <a:lvl2pPr lvl="1">
+              <a:buNone/>
+              <a:defRPr/>
+            </a:lvl2pPr>
+            <a:lvl3pPr lvl="2">
+              <a:buNone/>
+              <a:defRPr/>
+            </a:lvl3pPr>
+            <a:lvl4pPr lvl="3">
+              <a:buNone/>
+              <a:defRPr/>
+            </a:lvl4pPr>
+            <a:lvl5pPr lvl="4">
+              <a:buNone/>
+              <a:defRPr/>
+            </a:lvl5pPr>
+            <a:lvl6pPr lvl="5">
+              <a:buNone/>
+              <a:defRPr/>
+            </a:lvl6pPr>
+            <a:lvl7pPr lvl="6">
+              <a:buNone/>
+              <a:defRPr/>
+            </a:lvl7pPr>
+            <a:lvl8pPr lvl="7">
+              <a:buNone/>
+              <a:defRPr/>
+            </a:lvl8pPr>
+            <a:lvl9pPr lvl="8">
+              <a:buNone/>
+              <a:defRPr/>
+            </a:lvl9pPr>
+          </a:lstStyle>
+          <a:p>
+            <a:pPr indent="0" lvl="0" marL="0" rtl="0" algn="r">
+              <a:spcBef>
+                <a:spcPts val="0"/>
+              </a:spcBef>
+              <a:spcAft>
+                <a:spcPts val="0"/>
+              </a:spcAft>
+              <a:buNone/>
+            </a:pPr>
+            <a:fld id="{00000000-1234-1234-1234-123412341234}" type="slidenum">
+              <a:rPr lang="es-419"/>
+              <a:t>‹#›</a:t>
+            </a:fld>
+            <a:endParaRPr/>
+          </a:p>
+        </p:txBody>
+      </p:sp>
+    </p:spTree>
+  </p:cSld>
+  <p:clrMapOvr>
+    <a:masterClrMapping/>
+  </p:clrMapOvr>
+</p:sldLayout>
+</file>
+
+<file path=ppt/slideLayouts/slideLayout2.xml><?xml version="1.0" encoding="utf-8"?>
+<p:sldLayout xmlns:a="http://schemas.openxmlformats.org/drawingml/2006/main" xmlns:r="http://schemas.openxmlformats.org/officeDocument/2006/relationships" xmlns:mc="http://schemas.openxmlformats.org/markup-compatibility/2006" xmlns:mv="urn:schemas-microsoft-com:mac:vml" xmlns:p="http://schemas.openxmlformats.org/presentationml/2006/main" xmlns:c="http://schemas.openxmlformats.org/drawingml/2006/chart" xmlns:dgm="http://schemas.openxmlformats.org/drawingml/2006/diagram" xmlns:o="urn:schemas-microsoft-com:office:office" xmlns:v="urn:schemas-microsoft-com:vml" xmlns:pvml="urn:schemas-microsoft-com:office:powerpoint" xmlns:com="http://schemas.openxmlformats.org/drawingml/2006/compatibility" xmlns:p14="http://schemas.microsoft.com/office/powerpoint/2010/main" xmlns:p15="http://schemas.microsoft.com/office/powerpoint/2012/main" xmlns:ahyp="http://schemas.microsoft.com/office/drawing/2018/hyperlinkcolor" matchingName="Section header" type="secHead">
   <p:cSld name="SECTION_HEADER">
     <p:spTree>
       <p:nvGrpSpPr>
-        <p:cNvPr id="1" name="Shape 21"/>
+        <p:cNvPr id="21" name="Shape 21"/>
         <p:cNvGrpSpPr/>
         <p:nvPr/>
       </p:nvGrpSpPr>
@@ -858,12 +2574,12 @@
           </a:ln>
         </p:spPr>
         <p:txBody>
-          <a:bodyPr spcFirstLastPara="1" wrap="square" lIns="91425" tIns="91425" rIns="91425" bIns="91425" anchor="ctr" anchorCtr="0">
+          <a:bodyPr anchorCtr="0" anchor="ctr" bIns="91425" lIns="91425" spcFirstLastPara="1" rIns="91425" wrap="square" tIns="91425">
             <a:noAutofit/>
           </a:bodyPr>
           <a:lstStyle/>
           <a:p>
-            <a:pPr marL="0" lvl="0" indent="0" algn="l" rtl="0">
+            <a:pPr indent="0" lvl="0" marL="0" rtl="0" algn="l">
               <a:spcBef>
                 <a:spcPts val="0"/>
               </a:spcBef>
@@ -872,6 +2588,9 @@
               </a:spcAft>
               <a:buNone/>
             </a:pPr>
+            <a:r>
+              <a:t/>
+            </a:r>
             <a:endParaRPr/>
           </a:p>
         </p:txBody>
@@ -879,9 +2598,7 @@
       <p:sp>
         <p:nvSpPr>
           <p:cNvPr id="23" name="Google Shape;23;p3"/>
-          <p:cNvSpPr txBox="1">
-            <a:spLocks noGrp="1"/>
-          </p:cNvSpPr>
+          <p:cNvSpPr txBox="1"/>
           <p:nvPr>
             <p:ph type="title"/>
           </p:nvPr>
@@ -896,7 +2613,7 @@
           </a:prstGeom>
         </p:spPr>
         <p:txBody>
-          <a:bodyPr spcFirstLastPara="1" wrap="square" lIns="91425" tIns="91425" rIns="91425" bIns="91425" anchor="ctr" anchorCtr="0">
+          <a:bodyPr anchorCtr="0" anchor="ctr" bIns="91425" lIns="91425" spcFirstLastPara="1" rIns="91425" wrap="square" tIns="91425">
             <a:normAutofit/>
           </a:bodyPr>
           <a:lstStyle>
@@ -1000,19 +2717,15 @@
               <a:defRPr/>
             </a:lvl9pPr>
           </a:lstStyle>
-          <a:p>
-            <a:endParaRPr/>
-          </a:p>
+          <a:p/>
         </p:txBody>
       </p:sp>
       <p:sp>
         <p:nvSpPr>
           <p:cNvPr id="24" name="Google Shape;24;p3"/>
-          <p:cNvSpPr txBox="1">
-            <a:spLocks noGrp="1"/>
-          </p:cNvSpPr>
+          <p:cNvSpPr txBox="1"/>
           <p:nvPr>
-            <p:ph type="sldNum" idx="12"/>
+            <p:ph idx="12" type="sldNum"/>
           </p:nvPr>
         </p:nvSpPr>
         <p:spPr>
@@ -1025,7 +2738,7 @@
           </a:prstGeom>
         </p:spPr>
         <p:txBody>
-          <a:bodyPr spcFirstLastPara="1" wrap="square" lIns="91425" tIns="91425" rIns="91425" bIns="91425" anchor="ctr" anchorCtr="0">
+          <a:bodyPr anchorCtr="0" anchor="ctr" bIns="91425" lIns="91425" spcFirstLastPara="1" rIns="91425" wrap="square" tIns="91425">
             <a:normAutofit/>
           </a:bodyPr>
           <a:lstStyle>
@@ -1103,7 +2816,7 @@
             </a:lvl9pPr>
           </a:lstStyle>
           <a:p>
-            <a:pPr marL="0" lvl="0" indent="0" algn="r" rtl="0">
+            <a:pPr indent="0" lvl="0" marL="0" rtl="0" algn="r">
               <a:spcBef>
                 <a:spcPts val="0"/>
               </a:spcBef>
@@ -1128,116 +2841,12 @@
 </p:sldLayout>
 </file>
 
-<file path=ppt/slideLayouts/slideLayout10.xml><?xml version="1.0" encoding="utf-8"?>
-<p:sldLayout xmlns:a="http://schemas.openxmlformats.org/drawingml/2006/main" xmlns:r="http://schemas.openxmlformats.org/officeDocument/2006/relationships" xmlns:p="http://schemas.openxmlformats.org/presentationml/2006/main" matchingName="Blank" type="blank">
-  <p:cSld name="BLANK">
-    <p:spTree>
-      <p:nvGrpSpPr>
-        <p:cNvPr id="1" name="Shape 60"/>
-        <p:cNvGrpSpPr/>
-        <p:nvPr/>
-      </p:nvGrpSpPr>
-      <p:grpSpPr>
-        <a:xfrm>
-          <a:off x="0" y="0"/>
-          <a:ext cx="0" cy="0"/>
-          <a:chOff x="0" y="0"/>
-          <a:chExt cx="0" cy="0"/>
-        </a:xfrm>
-      </p:grpSpPr>
-      <p:sp>
-        <p:nvSpPr>
-          <p:cNvPr id="61" name="Google Shape;61;p12"/>
-          <p:cNvSpPr txBox="1">
-            <a:spLocks noGrp="1"/>
-          </p:cNvSpPr>
-          <p:nvPr>
-            <p:ph type="sldNum" idx="12"/>
-          </p:nvPr>
-        </p:nvSpPr>
-        <p:spPr>
-          <a:xfrm>
-            <a:off x="8472458" y="4663217"/>
-            <a:ext cx="548700" cy="393600"/>
-          </a:xfrm>
-          <a:prstGeom prst="rect">
-            <a:avLst/>
-          </a:prstGeom>
-        </p:spPr>
-        <p:txBody>
-          <a:bodyPr spcFirstLastPara="1" wrap="square" lIns="91425" tIns="91425" rIns="91425" bIns="91425" anchor="ctr" anchorCtr="0">
-            <a:normAutofit/>
-          </a:bodyPr>
-          <a:lstStyle>
-            <a:lvl1pPr lvl="0">
-              <a:buNone/>
-              <a:defRPr/>
-            </a:lvl1pPr>
-            <a:lvl2pPr lvl="1">
-              <a:buNone/>
-              <a:defRPr/>
-            </a:lvl2pPr>
-            <a:lvl3pPr lvl="2">
-              <a:buNone/>
-              <a:defRPr/>
-            </a:lvl3pPr>
-            <a:lvl4pPr lvl="3">
-              <a:buNone/>
-              <a:defRPr/>
-            </a:lvl4pPr>
-            <a:lvl5pPr lvl="4">
-              <a:buNone/>
-              <a:defRPr/>
-            </a:lvl5pPr>
-            <a:lvl6pPr lvl="5">
-              <a:buNone/>
-              <a:defRPr/>
-            </a:lvl6pPr>
-            <a:lvl7pPr lvl="6">
-              <a:buNone/>
-              <a:defRPr/>
-            </a:lvl7pPr>
-            <a:lvl8pPr lvl="7">
-              <a:buNone/>
-              <a:defRPr/>
-            </a:lvl8pPr>
-            <a:lvl9pPr lvl="8">
-              <a:buNone/>
-              <a:defRPr/>
-            </a:lvl9pPr>
-          </a:lstStyle>
-          <a:p>
-            <a:pPr marL="0" lvl="0" indent="0" algn="r" rtl="0">
-              <a:spcBef>
-                <a:spcPts val="0"/>
-              </a:spcBef>
-              <a:spcAft>
-                <a:spcPts val="0"/>
-              </a:spcAft>
-              <a:buNone/>
-            </a:pPr>
-            <a:fld id="{00000000-1234-1234-1234-123412341234}" type="slidenum">
-              <a:rPr lang="es-419"/>
-              <a:t>‹#›</a:t>
-            </a:fld>
-            <a:endParaRPr/>
-          </a:p>
-        </p:txBody>
-      </p:sp>
-    </p:spTree>
-  </p:cSld>
-  <p:clrMapOvr>
-    <a:masterClrMapping/>
-  </p:clrMapOvr>
-</p:sldLayout>
-</file>
-
-<file path=ppt/slideLayouts/slideLayout2.xml><?xml version="1.0" encoding="utf-8"?>
-<p:sldLayout xmlns:a="http://schemas.openxmlformats.org/drawingml/2006/main" xmlns:r="http://schemas.openxmlformats.org/officeDocument/2006/relationships" xmlns:p="http://schemas.openxmlformats.org/presentationml/2006/main" matchingName="Title and body" type="tx">
+<file path=ppt/slideLayouts/slideLayout3.xml><?xml version="1.0" encoding="utf-8"?>
+<p:sldLayout xmlns:a="http://schemas.openxmlformats.org/drawingml/2006/main" xmlns:r="http://schemas.openxmlformats.org/officeDocument/2006/relationships" xmlns:mc="http://schemas.openxmlformats.org/markup-compatibility/2006" xmlns:mv="urn:schemas-microsoft-com:mac:vml" xmlns:p="http://schemas.openxmlformats.org/presentationml/2006/main" xmlns:c="http://schemas.openxmlformats.org/drawingml/2006/chart" xmlns:dgm="http://schemas.openxmlformats.org/drawingml/2006/diagram" xmlns:o="urn:schemas-microsoft-com:office:office" xmlns:v="urn:schemas-microsoft-com:vml" xmlns:pvml="urn:schemas-microsoft-com:office:powerpoint" xmlns:com="http://schemas.openxmlformats.org/drawingml/2006/compatibility" xmlns:p14="http://schemas.microsoft.com/office/powerpoint/2010/main" xmlns:p15="http://schemas.microsoft.com/office/powerpoint/2012/main" xmlns:ahyp="http://schemas.microsoft.com/office/drawing/2018/hyperlinkcolor" matchingName="Title and body" type="tx">
   <p:cSld name="TITLE_AND_BODY">
     <p:spTree>
       <p:nvGrpSpPr>
-        <p:cNvPr id="1" name="Shape 25"/>
+        <p:cNvPr id="25" name="Shape 25"/>
         <p:cNvGrpSpPr/>
         <p:nvPr/>
       </p:nvGrpSpPr>
@@ -1271,12 +2880,12 @@
           </a:ln>
         </p:spPr>
         <p:txBody>
-          <a:bodyPr spcFirstLastPara="1" wrap="square" lIns="91425" tIns="91425" rIns="91425" bIns="91425" anchor="ctr" anchorCtr="0">
+          <a:bodyPr anchorCtr="0" anchor="ctr" bIns="91425" lIns="91425" spcFirstLastPara="1" rIns="91425" wrap="square" tIns="91425">
             <a:noAutofit/>
           </a:bodyPr>
           <a:lstStyle/>
           <a:p>
-            <a:pPr marL="0" lvl="0" indent="0" algn="l" rtl="0">
+            <a:pPr indent="0" lvl="0" marL="0" rtl="0" algn="l">
               <a:spcBef>
                 <a:spcPts val="0"/>
               </a:spcBef>
@@ -1285,6 +2894,9 @@
               </a:spcAft>
               <a:buNone/>
             </a:pPr>
+            <a:r>
+              <a:t/>
+            </a:r>
             <a:endParaRPr/>
           </a:p>
         </p:txBody>
@@ -1292,9 +2904,7 @@
       <p:sp>
         <p:nvSpPr>
           <p:cNvPr id="27" name="Google Shape;27;p4"/>
-          <p:cNvSpPr txBox="1">
-            <a:spLocks noGrp="1"/>
-          </p:cNvSpPr>
+          <p:cNvSpPr txBox="1"/>
           <p:nvPr>
             <p:ph type="title"/>
           </p:nvPr>
@@ -1309,7 +2919,7 @@
           </a:prstGeom>
         </p:spPr>
         <p:txBody>
-          <a:bodyPr spcFirstLastPara="1" wrap="square" lIns="91425" tIns="91425" rIns="91425" bIns="91425" anchor="t" anchorCtr="0">
+          <a:bodyPr anchorCtr="0" anchor="t" bIns="91425" lIns="91425" spcFirstLastPara="1" rIns="91425" wrap="square" tIns="91425">
             <a:normAutofit/>
           </a:bodyPr>
           <a:lstStyle>
@@ -1413,19 +3023,15 @@
               <a:defRPr/>
             </a:lvl9pPr>
           </a:lstStyle>
-          <a:p>
-            <a:endParaRPr/>
-          </a:p>
+          <a:p/>
         </p:txBody>
       </p:sp>
       <p:sp>
         <p:nvSpPr>
           <p:cNvPr id="28" name="Google Shape;28;p4"/>
-          <p:cNvSpPr txBox="1">
-            <a:spLocks noGrp="1"/>
-          </p:cNvSpPr>
+          <p:cNvSpPr txBox="1"/>
           <p:nvPr>
-            <p:ph type="body" idx="1"/>
+            <p:ph idx="1" type="body"/>
           </p:nvPr>
         </p:nvSpPr>
         <p:spPr>
@@ -1438,11 +3044,11 @@
           </a:prstGeom>
         </p:spPr>
         <p:txBody>
-          <a:bodyPr spcFirstLastPara="1" wrap="square" lIns="91425" tIns="91425" rIns="91425" bIns="91425" anchor="t" anchorCtr="0">
+          <a:bodyPr anchorCtr="0" anchor="t" bIns="91425" lIns="91425" spcFirstLastPara="1" rIns="91425" wrap="square" tIns="91425">
             <a:normAutofit/>
           </a:bodyPr>
           <a:lstStyle>
-            <a:lvl1pPr marL="457200" lvl="0" indent="-342900">
+            <a:lvl1pPr indent="-342900" lvl="0" marL="457200">
               <a:spcBef>
                 <a:spcPts val="0"/>
               </a:spcBef>
@@ -1453,7 +3059,7 @@
               <a:buChar char="●"/>
               <a:defRPr/>
             </a:lvl1pPr>
-            <a:lvl2pPr marL="914400" lvl="1" indent="-317500">
+            <a:lvl2pPr indent="-317500" lvl="1" marL="914400">
               <a:spcBef>
                 <a:spcPts val="0"/>
               </a:spcBef>
@@ -1464,7 +3070,7 @@
               <a:buChar char="○"/>
               <a:defRPr/>
             </a:lvl2pPr>
-            <a:lvl3pPr marL="1371600" lvl="2" indent="-317500">
+            <a:lvl3pPr indent="-317500" lvl="2" marL="1371600">
               <a:spcBef>
                 <a:spcPts val="0"/>
               </a:spcBef>
@@ -1475,7 +3081,7 @@
               <a:buChar char="■"/>
               <a:defRPr/>
             </a:lvl3pPr>
-            <a:lvl4pPr marL="1828800" lvl="3" indent="-317500">
+            <a:lvl4pPr indent="-317500" lvl="3" marL="1828800">
               <a:spcBef>
                 <a:spcPts val="0"/>
               </a:spcBef>
@@ -1486,7 +3092,7 @@
               <a:buChar char="●"/>
               <a:defRPr/>
             </a:lvl4pPr>
-            <a:lvl5pPr marL="2286000" lvl="4" indent="-317500">
+            <a:lvl5pPr indent="-317500" lvl="4" marL="2286000">
               <a:spcBef>
                 <a:spcPts val="0"/>
               </a:spcBef>
@@ -1497,7 +3103,7 @@
               <a:buChar char="○"/>
               <a:defRPr/>
             </a:lvl5pPr>
-            <a:lvl6pPr marL="2743200" lvl="5" indent="-317500">
+            <a:lvl6pPr indent="-317500" lvl="5" marL="2743200">
               <a:spcBef>
                 <a:spcPts val="0"/>
               </a:spcBef>
@@ -1508,7 +3114,7 @@
               <a:buChar char="■"/>
               <a:defRPr/>
             </a:lvl6pPr>
-            <a:lvl7pPr marL="3200400" lvl="6" indent="-317500">
+            <a:lvl7pPr indent="-317500" lvl="6" marL="3200400">
               <a:spcBef>
                 <a:spcPts val="0"/>
               </a:spcBef>
@@ -1519,7 +3125,7 @@
               <a:buChar char="●"/>
               <a:defRPr/>
             </a:lvl7pPr>
-            <a:lvl8pPr marL="3657600" lvl="7" indent="-317500">
+            <a:lvl8pPr indent="-317500" lvl="7" marL="3657600">
               <a:spcBef>
                 <a:spcPts val="0"/>
               </a:spcBef>
@@ -1530,7 +3136,7 @@
               <a:buChar char="○"/>
               <a:defRPr/>
             </a:lvl8pPr>
-            <a:lvl9pPr marL="4114800" lvl="8" indent="-317500">
+            <a:lvl9pPr indent="-317500" lvl="8" marL="4114800">
               <a:spcBef>
                 <a:spcPts val="0"/>
               </a:spcBef>
@@ -1542,19 +3148,15 @@
               <a:defRPr/>
             </a:lvl9pPr>
           </a:lstStyle>
-          <a:p>
-            <a:endParaRPr/>
-          </a:p>
+          <a:p/>
         </p:txBody>
       </p:sp>
       <p:sp>
         <p:nvSpPr>
           <p:cNvPr id="29" name="Google Shape;29;p4"/>
-          <p:cNvSpPr txBox="1">
-            <a:spLocks noGrp="1"/>
-          </p:cNvSpPr>
+          <p:cNvSpPr txBox="1"/>
           <p:nvPr>
-            <p:ph type="sldNum" idx="12"/>
+            <p:ph idx="12" type="sldNum"/>
           </p:nvPr>
         </p:nvSpPr>
         <p:spPr>
@@ -1567,7 +3169,7 @@
           </a:prstGeom>
         </p:spPr>
         <p:txBody>
-          <a:bodyPr spcFirstLastPara="1" wrap="square" lIns="91425" tIns="91425" rIns="91425" bIns="91425" anchor="ctr" anchorCtr="0">
+          <a:bodyPr anchorCtr="0" anchor="ctr" bIns="91425" lIns="91425" spcFirstLastPara="1" rIns="91425" wrap="square" tIns="91425">
             <a:normAutofit/>
           </a:bodyPr>
           <a:lstStyle>
@@ -1609,498 +3211,7 @@
             </a:lvl9pPr>
           </a:lstStyle>
           <a:p>
-            <a:pPr marL="0" lvl="0" indent="0" algn="r" rtl="0">
-              <a:spcBef>
-                <a:spcPts val="0"/>
-              </a:spcBef>
-              <a:spcAft>
-                <a:spcPts val="0"/>
-              </a:spcAft>
-              <a:buNone/>
-            </a:pPr>
-            <a:fld id="{00000000-1234-1234-1234-123412341234}" type="slidenum">
-              <a:rPr lang="es-419"/>
-              <a:t>‹#›</a:t>
-            </a:fld>
-            <a:endParaRPr/>
-          </a:p>
-        </p:txBody>
-      </p:sp>
-    </p:spTree>
-  </p:cSld>
-  <p:clrMapOvr>
-    <a:masterClrMapping/>
-  </p:clrMapOvr>
-</p:sldLayout>
-</file>
-
-<file path=ppt/slideLayouts/slideLayout3.xml><?xml version="1.0" encoding="utf-8"?>
-<p:sldLayout xmlns:a="http://schemas.openxmlformats.org/drawingml/2006/main" xmlns:r="http://schemas.openxmlformats.org/officeDocument/2006/relationships" xmlns:p="http://schemas.openxmlformats.org/presentationml/2006/main" matchingName="Title and two columns" type="twoColTx">
-  <p:cSld name="TITLE_AND_TWO_COLUMNS">
-    <p:spTree>
-      <p:nvGrpSpPr>
-        <p:cNvPr id="1" name="Shape 30"/>
-        <p:cNvGrpSpPr/>
-        <p:nvPr/>
-      </p:nvGrpSpPr>
-      <p:grpSpPr>
-        <a:xfrm>
-          <a:off x="0" y="0"/>
-          <a:ext cx="0" cy="0"/>
-          <a:chOff x="0" y="0"/>
-          <a:chExt cx="0" cy="0"/>
-        </a:xfrm>
-      </p:grpSpPr>
-      <p:sp>
-        <p:nvSpPr>
-          <p:cNvPr id="31" name="Google Shape;31;p5"/>
-          <p:cNvSpPr txBox="1">
-            <a:spLocks noGrp="1"/>
-          </p:cNvSpPr>
-          <p:nvPr>
-            <p:ph type="title"/>
-          </p:nvPr>
-        </p:nvSpPr>
-        <p:spPr>
-          <a:xfrm>
-            <a:off x="311700" y="445025"/>
-            <a:ext cx="8520600" cy="707400"/>
-          </a:xfrm>
-          <a:prstGeom prst="rect">
-            <a:avLst/>
-          </a:prstGeom>
-        </p:spPr>
-        <p:txBody>
-          <a:bodyPr spcFirstLastPara="1" wrap="square" lIns="91425" tIns="91425" rIns="91425" bIns="91425" anchor="t" anchorCtr="0">
-            <a:normAutofit/>
-          </a:bodyPr>
-          <a:lstStyle>
-            <a:lvl1pPr lvl="0">
-              <a:spcBef>
-                <a:spcPts val="0"/>
-              </a:spcBef>
-              <a:spcAft>
-                <a:spcPts val="0"/>
-              </a:spcAft>
-              <a:buSzPts val="3600"/>
-              <a:buNone/>
-              <a:defRPr/>
-            </a:lvl1pPr>
-            <a:lvl2pPr lvl="1">
-              <a:spcBef>
-                <a:spcPts val="0"/>
-              </a:spcBef>
-              <a:spcAft>
-                <a:spcPts val="0"/>
-              </a:spcAft>
-              <a:buSzPts val="3600"/>
-              <a:buNone/>
-              <a:defRPr/>
-            </a:lvl2pPr>
-            <a:lvl3pPr lvl="2">
-              <a:spcBef>
-                <a:spcPts val="0"/>
-              </a:spcBef>
-              <a:spcAft>
-                <a:spcPts val="0"/>
-              </a:spcAft>
-              <a:buSzPts val="3600"/>
-              <a:buNone/>
-              <a:defRPr/>
-            </a:lvl3pPr>
-            <a:lvl4pPr lvl="3">
-              <a:spcBef>
-                <a:spcPts val="0"/>
-              </a:spcBef>
-              <a:spcAft>
-                <a:spcPts val="0"/>
-              </a:spcAft>
-              <a:buSzPts val="3600"/>
-              <a:buNone/>
-              <a:defRPr/>
-            </a:lvl4pPr>
-            <a:lvl5pPr lvl="4">
-              <a:spcBef>
-                <a:spcPts val="0"/>
-              </a:spcBef>
-              <a:spcAft>
-                <a:spcPts val="0"/>
-              </a:spcAft>
-              <a:buSzPts val="3600"/>
-              <a:buNone/>
-              <a:defRPr/>
-            </a:lvl5pPr>
-            <a:lvl6pPr lvl="5">
-              <a:spcBef>
-                <a:spcPts val="0"/>
-              </a:spcBef>
-              <a:spcAft>
-                <a:spcPts val="0"/>
-              </a:spcAft>
-              <a:buSzPts val="3600"/>
-              <a:buNone/>
-              <a:defRPr/>
-            </a:lvl6pPr>
-            <a:lvl7pPr lvl="6">
-              <a:spcBef>
-                <a:spcPts val="0"/>
-              </a:spcBef>
-              <a:spcAft>
-                <a:spcPts val="0"/>
-              </a:spcAft>
-              <a:buSzPts val="3600"/>
-              <a:buNone/>
-              <a:defRPr/>
-            </a:lvl7pPr>
-            <a:lvl8pPr lvl="7">
-              <a:spcBef>
-                <a:spcPts val="0"/>
-              </a:spcBef>
-              <a:spcAft>
-                <a:spcPts val="0"/>
-              </a:spcAft>
-              <a:buSzPts val="3600"/>
-              <a:buNone/>
-              <a:defRPr/>
-            </a:lvl8pPr>
-            <a:lvl9pPr lvl="8">
-              <a:spcBef>
-                <a:spcPts val="0"/>
-              </a:spcBef>
-              <a:spcAft>
-                <a:spcPts val="0"/>
-              </a:spcAft>
-              <a:buSzPts val="3600"/>
-              <a:buNone/>
-              <a:defRPr/>
-            </a:lvl9pPr>
-          </a:lstStyle>
-          <a:p>
-            <a:endParaRPr/>
-          </a:p>
-        </p:txBody>
-      </p:sp>
-      <p:sp>
-        <p:nvSpPr>
-          <p:cNvPr id="32" name="Google Shape;32;p5"/>
-          <p:cNvSpPr txBox="1">
-            <a:spLocks noGrp="1"/>
-          </p:cNvSpPr>
-          <p:nvPr>
-            <p:ph type="body" idx="1"/>
-          </p:nvPr>
-        </p:nvSpPr>
-        <p:spPr>
-          <a:xfrm>
-            <a:off x="311700" y="1266175"/>
-            <a:ext cx="3999900" cy="3302700"/>
-          </a:xfrm>
-          <a:prstGeom prst="rect">
-            <a:avLst/>
-          </a:prstGeom>
-        </p:spPr>
-        <p:txBody>
-          <a:bodyPr spcFirstLastPara="1" wrap="square" lIns="91425" tIns="91425" rIns="91425" bIns="91425" anchor="t" anchorCtr="0">
-            <a:normAutofit/>
-          </a:bodyPr>
-          <a:lstStyle>
-            <a:lvl1pPr marL="457200" lvl="0" indent="-317500">
-              <a:spcBef>
-                <a:spcPts val="0"/>
-              </a:spcBef>
-              <a:spcAft>
-                <a:spcPts val="0"/>
-              </a:spcAft>
-              <a:buSzPts val="1400"/>
-              <a:buChar char="●"/>
-              <a:defRPr sz="1400"/>
-            </a:lvl1pPr>
-            <a:lvl2pPr marL="914400" lvl="1" indent="-304800">
-              <a:spcBef>
-                <a:spcPts val="0"/>
-              </a:spcBef>
-              <a:spcAft>
-                <a:spcPts val="0"/>
-              </a:spcAft>
-              <a:buSzPts val="1200"/>
-              <a:buChar char="○"/>
-              <a:defRPr sz="1200"/>
-            </a:lvl2pPr>
-            <a:lvl3pPr marL="1371600" lvl="2" indent="-304800">
-              <a:spcBef>
-                <a:spcPts val="0"/>
-              </a:spcBef>
-              <a:spcAft>
-                <a:spcPts val="0"/>
-              </a:spcAft>
-              <a:buSzPts val="1200"/>
-              <a:buChar char="■"/>
-              <a:defRPr sz="1200"/>
-            </a:lvl3pPr>
-            <a:lvl4pPr marL="1828800" lvl="3" indent="-304800">
-              <a:spcBef>
-                <a:spcPts val="0"/>
-              </a:spcBef>
-              <a:spcAft>
-                <a:spcPts val="0"/>
-              </a:spcAft>
-              <a:buSzPts val="1200"/>
-              <a:buChar char="●"/>
-              <a:defRPr sz="1200"/>
-            </a:lvl4pPr>
-            <a:lvl5pPr marL="2286000" lvl="4" indent="-304800">
-              <a:spcBef>
-                <a:spcPts val="0"/>
-              </a:spcBef>
-              <a:spcAft>
-                <a:spcPts val="0"/>
-              </a:spcAft>
-              <a:buSzPts val="1200"/>
-              <a:buChar char="○"/>
-              <a:defRPr sz="1200"/>
-            </a:lvl5pPr>
-            <a:lvl6pPr marL="2743200" lvl="5" indent="-304800">
-              <a:spcBef>
-                <a:spcPts val="0"/>
-              </a:spcBef>
-              <a:spcAft>
-                <a:spcPts val="0"/>
-              </a:spcAft>
-              <a:buSzPts val="1200"/>
-              <a:buChar char="■"/>
-              <a:defRPr sz="1200"/>
-            </a:lvl6pPr>
-            <a:lvl7pPr marL="3200400" lvl="6" indent="-304800">
-              <a:spcBef>
-                <a:spcPts val="0"/>
-              </a:spcBef>
-              <a:spcAft>
-                <a:spcPts val="0"/>
-              </a:spcAft>
-              <a:buSzPts val="1200"/>
-              <a:buChar char="●"/>
-              <a:defRPr sz="1200"/>
-            </a:lvl7pPr>
-            <a:lvl8pPr marL="3657600" lvl="7" indent="-304800">
-              <a:spcBef>
-                <a:spcPts val="0"/>
-              </a:spcBef>
-              <a:spcAft>
-                <a:spcPts val="0"/>
-              </a:spcAft>
-              <a:buSzPts val="1200"/>
-              <a:buChar char="○"/>
-              <a:defRPr sz="1200"/>
-            </a:lvl8pPr>
-            <a:lvl9pPr marL="4114800" lvl="8" indent="-304800">
-              <a:spcBef>
-                <a:spcPts val="0"/>
-              </a:spcBef>
-              <a:spcAft>
-                <a:spcPts val="0"/>
-              </a:spcAft>
-              <a:buSzPts val="1200"/>
-              <a:buChar char="■"/>
-              <a:defRPr sz="1200"/>
-            </a:lvl9pPr>
-          </a:lstStyle>
-          <a:p>
-            <a:endParaRPr/>
-          </a:p>
-        </p:txBody>
-      </p:sp>
-      <p:sp>
-        <p:nvSpPr>
-          <p:cNvPr id="33" name="Google Shape;33;p5"/>
-          <p:cNvSpPr txBox="1">
-            <a:spLocks noGrp="1"/>
-          </p:cNvSpPr>
-          <p:nvPr>
-            <p:ph type="body" idx="2"/>
-          </p:nvPr>
-        </p:nvSpPr>
-        <p:spPr>
-          <a:xfrm>
-            <a:off x="4832400" y="1266175"/>
-            <a:ext cx="3999900" cy="3302700"/>
-          </a:xfrm>
-          <a:prstGeom prst="rect">
-            <a:avLst/>
-          </a:prstGeom>
-        </p:spPr>
-        <p:txBody>
-          <a:bodyPr spcFirstLastPara="1" wrap="square" lIns="91425" tIns="91425" rIns="91425" bIns="91425" anchor="t" anchorCtr="0">
-            <a:normAutofit/>
-          </a:bodyPr>
-          <a:lstStyle>
-            <a:lvl1pPr marL="457200" lvl="0" indent="-317500">
-              <a:spcBef>
-                <a:spcPts val="0"/>
-              </a:spcBef>
-              <a:spcAft>
-                <a:spcPts val="0"/>
-              </a:spcAft>
-              <a:buSzPts val="1400"/>
-              <a:buChar char="●"/>
-              <a:defRPr sz="1400"/>
-            </a:lvl1pPr>
-            <a:lvl2pPr marL="914400" lvl="1" indent="-304800">
-              <a:spcBef>
-                <a:spcPts val="0"/>
-              </a:spcBef>
-              <a:spcAft>
-                <a:spcPts val="0"/>
-              </a:spcAft>
-              <a:buSzPts val="1200"/>
-              <a:buChar char="○"/>
-              <a:defRPr sz="1200"/>
-            </a:lvl2pPr>
-            <a:lvl3pPr marL="1371600" lvl="2" indent="-304800">
-              <a:spcBef>
-                <a:spcPts val="0"/>
-              </a:spcBef>
-              <a:spcAft>
-                <a:spcPts val="0"/>
-              </a:spcAft>
-              <a:buSzPts val="1200"/>
-              <a:buChar char="■"/>
-              <a:defRPr sz="1200"/>
-            </a:lvl3pPr>
-            <a:lvl4pPr marL="1828800" lvl="3" indent="-304800">
-              <a:spcBef>
-                <a:spcPts val="0"/>
-              </a:spcBef>
-              <a:spcAft>
-                <a:spcPts val="0"/>
-              </a:spcAft>
-              <a:buSzPts val="1200"/>
-              <a:buChar char="●"/>
-              <a:defRPr sz="1200"/>
-            </a:lvl4pPr>
-            <a:lvl5pPr marL="2286000" lvl="4" indent="-304800">
-              <a:spcBef>
-                <a:spcPts val="0"/>
-              </a:spcBef>
-              <a:spcAft>
-                <a:spcPts val="0"/>
-              </a:spcAft>
-              <a:buSzPts val="1200"/>
-              <a:buChar char="○"/>
-              <a:defRPr sz="1200"/>
-            </a:lvl5pPr>
-            <a:lvl6pPr marL="2743200" lvl="5" indent="-304800">
-              <a:spcBef>
-                <a:spcPts val="0"/>
-              </a:spcBef>
-              <a:spcAft>
-                <a:spcPts val="0"/>
-              </a:spcAft>
-              <a:buSzPts val="1200"/>
-              <a:buChar char="■"/>
-              <a:defRPr sz="1200"/>
-            </a:lvl6pPr>
-            <a:lvl7pPr marL="3200400" lvl="6" indent="-304800">
-              <a:spcBef>
-                <a:spcPts val="0"/>
-              </a:spcBef>
-              <a:spcAft>
-                <a:spcPts val="0"/>
-              </a:spcAft>
-              <a:buSzPts val="1200"/>
-              <a:buChar char="●"/>
-              <a:defRPr sz="1200"/>
-            </a:lvl7pPr>
-            <a:lvl8pPr marL="3657600" lvl="7" indent="-304800">
-              <a:spcBef>
-                <a:spcPts val="0"/>
-              </a:spcBef>
-              <a:spcAft>
-                <a:spcPts val="0"/>
-              </a:spcAft>
-              <a:buSzPts val="1200"/>
-              <a:buChar char="○"/>
-              <a:defRPr sz="1200"/>
-            </a:lvl8pPr>
-            <a:lvl9pPr marL="4114800" lvl="8" indent="-304800">
-              <a:spcBef>
-                <a:spcPts val="0"/>
-              </a:spcBef>
-              <a:spcAft>
-                <a:spcPts val="0"/>
-              </a:spcAft>
-              <a:buSzPts val="1200"/>
-              <a:buChar char="■"/>
-              <a:defRPr sz="1200"/>
-            </a:lvl9pPr>
-          </a:lstStyle>
-          <a:p>
-            <a:endParaRPr/>
-          </a:p>
-        </p:txBody>
-      </p:sp>
-      <p:sp>
-        <p:nvSpPr>
-          <p:cNvPr id="34" name="Google Shape;34;p5"/>
-          <p:cNvSpPr txBox="1">
-            <a:spLocks noGrp="1"/>
-          </p:cNvSpPr>
-          <p:nvPr>
-            <p:ph type="sldNum" idx="12"/>
-          </p:nvPr>
-        </p:nvSpPr>
-        <p:spPr>
-          <a:xfrm>
-            <a:off x="8472458" y="4663217"/>
-            <a:ext cx="548700" cy="393600"/>
-          </a:xfrm>
-          <a:prstGeom prst="rect">
-            <a:avLst/>
-          </a:prstGeom>
-        </p:spPr>
-        <p:txBody>
-          <a:bodyPr spcFirstLastPara="1" wrap="square" lIns="91425" tIns="91425" rIns="91425" bIns="91425" anchor="ctr" anchorCtr="0">
-            <a:normAutofit/>
-          </a:bodyPr>
-          <a:lstStyle>
-            <a:lvl1pPr lvl="0">
-              <a:buNone/>
-              <a:defRPr/>
-            </a:lvl1pPr>
-            <a:lvl2pPr lvl="1">
-              <a:buNone/>
-              <a:defRPr/>
-            </a:lvl2pPr>
-            <a:lvl3pPr lvl="2">
-              <a:buNone/>
-              <a:defRPr/>
-            </a:lvl3pPr>
-            <a:lvl4pPr lvl="3">
-              <a:buNone/>
-              <a:defRPr/>
-            </a:lvl4pPr>
-            <a:lvl5pPr lvl="4">
-              <a:buNone/>
-              <a:defRPr/>
-            </a:lvl5pPr>
-            <a:lvl6pPr lvl="5">
-              <a:buNone/>
-              <a:defRPr/>
-            </a:lvl6pPr>
-            <a:lvl7pPr lvl="6">
-              <a:buNone/>
-              <a:defRPr/>
-            </a:lvl7pPr>
-            <a:lvl8pPr lvl="7">
-              <a:buNone/>
-              <a:defRPr/>
-            </a:lvl8pPr>
-            <a:lvl9pPr lvl="8">
-              <a:buNone/>
-              <a:defRPr/>
-            </a:lvl9pPr>
-          </a:lstStyle>
-          <a:p>
-            <a:pPr marL="0" lvl="0" indent="0" algn="r" rtl="0">
+            <a:pPr indent="0" lvl="0" marL="0" rtl="0" algn="r">
               <a:spcBef>
                 <a:spcPts val="0"/>
               </a:spcBef>
@@ -2126,11 +3237,11 @@
 </file>
 
 <file path=ppt/slideLayouts/slideLayout4.xml><?xml version="1.0" encoding="utf-8"?>
-<p:sldLayout xmlns:a="http://schemas.openxmlformats.org/drawingml/2006/main" xmlns:r="http://schemas.openxmlformats.org/officeDocument/2006/relationships" xmlns:p="http://schemas.openxmlformats.org/presentationml/2006/main" matchingName="Title only" type="titleOnly">
-  <p:cSld name="TITLE_ONLY">
+<p:sldLayout xmlns:a="http://schemas.openxmlformats.org/drawingml/2006/main" xmlns:r="http://schemas.openxmlformats.org/officeDocument/2006/relationships" xmlns:mc="http://schemas.openxmlformats.org/markup-compatibility/2006" xmlns:mv="urn:schemas-microsoft-com:mac:vml" xmlns:p="http://schemas.openxmlformats.org/presentationml/2006/main" xmlns:c="http://schemas.openxmlformats.org/drawingml/2006/chart" xmlns:dgm="http://schemas.openxmlformats.org/drawingml/2006/diagram" xmlns:o="urn:schemas-microsoft-com:office:office" xmlns:v="urn:schemas-microsoft-com:vml" xmlns:pvml="urn:schemas-microsoft-com:office:powerpoint" xmlns:com="http://schemas.openxmlformats.org/drawingml/2006/compatibility" xmlns:p14="http://schemas.microsoft.com/office/powerpoint/2010/main" xmlns:p15="http://schemas.microsoft.com/office/powerpoint/2012/main" xmlns:ahyp="http://schemas.microsoft.com/office/drawing/2018/hyperlinkcolor" matchingName="Title and two columns" type="twoColTx">
+  <p:cSld name="TITLE_AND_TWO_COLUMNS">
     <p:spTree>
       <p:nvGrpSpPr>
-        <p:cNvPr id="1" name="Shape 35"/>
+        <p:cNvPr id="30" name="Shape 30"/>
         <p:cNvGrpSpPr/>
         <p:nvPr/>
       </p:nvGrpSpPr>
@@ -2144,10 +3255,8 @@
       </p:grpSpPr>
       <p:sp>
         <p:nvSpPr>
-          <p:cNvPr id="36" name="Google Shape;36;p6"/>
-          <p:cNvSpPr txBox="1">
-            <a:spLocks noGrp="1"/>
-          </p:cNvSpPr>
+          <p:cNvPr id="31" name="Google Shape;31;p5"/>
+          <p:cNvSpPr txBox="1"/>
           <p:nvPr>
             <p:ph type="title"/>
           </p:nvPr>
@@ -2162,7 +3271,7 @@
           </a:prstGeom>
         </p:spPr>
         <p:txBody>
-          <a:bodyPr spcFirstLastPara="1" wrap="square" lIns="91425" tIns="91425" rIns="91425" bIns="91425" anchor="t" anchorCtr="0">
+          <a:bodyPr anchorCtr="0" anchor="t" bIns="91425" lIns="91425" spcFirstLastPara="1" rIns="91425" wrap="square" tIns="91425">
             <a:normAutofit/>
           </a:bodyPr>
           <a:lstStyle>
@@ -2266,19 +3375,265 @@
               <a:defRPr/>
             </a:lvl9pPr>
           </a:lstStyle>
-          <a:p>
-            <a:endParaRPr/>
-          </a:p>
+          <a:p/>
         </p:txBody>
       </p:sp>
       <p:sp>
         <p:nvSpPr>
-          <p:cNvPr id="37" name="Google Shape;37;p6"/>
-          <p:cNvSpPr txBox="1">
-            <a:spLocks noGrp="1"/>
-          </p:cNvSpPr>
+          <p:cNvPr id="32" name="Google Shape;32;p5"/>
+          <p:cNvSpPr txBox="1"/>
           <p:nvPr>
-            <p:ph type="sldNum" idx="12"/>
+            <p:ph idx="1" type="body"/>
+          </p:nvPr>
+        </p:nvSpPr>
+        <p:spPr>
+          <a:xfrm>
+            <a:off x="311700" y="1266175"/>
+            <a:ext cx="3999900" cy="3302700"/>
+          </a:xfrm>
+          <a:prstGeom prst="rect">
+            <a:avLst/>
+          </a:prstGeom>
+        </p:spPr>
+        <p:txBody>
+          <a:bodyPr anchorCtr="0" anchor="t" bIns="91425" lIns="91425" spcFirstLastPara="1" rIns="91425" wrap="square" tIns="91425">
+            <a:normAutofit/>
+          </a:bodyPr>
+          <a:lstStyle>
+            <a:lvl1pPr indent="-317500" lvl="0" marL="457200">
+              <a:spcBef>
+                <a:spcPts val="0"/>
+              </a:spcBef>
+              <a:spcAft>
+                <a:spcPts val="0"/>
+              </a:spcAft>
+              <a:buSzPts val="1400"/>
+              <a:buChar char="●"/>
+              <a:defRPr sz="1400"/>
+            </a:lvl1pPr>
+            <a:lvl2pPr indent="-304800" lvl="1" marL="914400">
+              <a:spcBef>
+                <a:spcPts val="0"/>
+              </a:spcBef>
+              <a:spcAft>
+                <a:spcPts val="0"/>
+              </a:spcAft>
+              <a:buSzPts val="1200"/>
+              <a:buChar char="○"/>
+              <a:defRPr sz="1200"/>
+            </a:lvl2pPr>
+            <a:lvl3pPr indent="-304800" lvl="2" marL="1371600">
+              <a:spcBef>
+                <a:spcPts val="0"/>
+              </a:spcBef>
+              <a:spcAft>
+                <a:spcPts val="0"/>
+              </a:spcAft>
+              <a:buSzPts val="1200"/>
+              <a:buChar char="■"/>
+              <a:defRPr sz="1200"/>
+            </a:lvl3pPr>
+            <a:lvl4pPr indent="-304800" lvl="3" marL="1828800">
+              <a:spcBef>
+                <a:spcPts val="0"/>
+              </a:spcBef>
+              <a:spcAft>
+                <a:spcPts val="0"/>
+              </a:spcAft>
+              <a:buSzPts val="1200"/>
+              <a:buChar char="●"/>
+              <a:defRPr sz="1200"/>
+            </a:lvl4pPr>
+            <a:lvl5pPr indent="-304800" lvl="4" marL="2286000">
+              <a:spcBef>
+                <a:spcPts val="0"/>
+              </a:spcBef>
+              <a:spcAft>
+                <a:spcPts val="0"/>
+              </a:spcAft>
+              <a:buSzPts val="1200"/>
+              <a:buChar char="○"/>
+              <a:defRPr sz="1200"/>
+            </a:lvl5pPr>
+            <a:lvl6pPr indent="-304800" lvl="5" marL="2743200">
+              <a:spcBef>
+                <a:spcPts val="0"/>
+              </a:spcBef>
+              <a:spcAft>
+                <a:spcPts val="0"/>
+              </a:spcAft>
+              <a:buSzPts val="1200"/>
+              <a:buChar char="■"/>
+              <a:defRPr sz="1200"/>
+            </a:lvl6pPr>
+            <a:lvl7pPr indent="-304800" lvl="6" marL="3200400">
+              <a:spcBef>
+                <a:spcPts val="0"/>
+              </a:spcBef>
+              <a:spcAft>
+                <a:spcPts val="0"/>
+              </a:spcAft>
+              <a:buSzPts val="1200"/>
+              <a:buChar char="●"/>
+              <a:defRPr sz="1200"/>
+            </a:lvl7pPr>
+            <a:lvl8pPr indent="-304800" lvl="7" marL="3657600">
+              <a:spcBef>
+                <a:spcPts val="0"/>
+              </a:spcBef>
+              <a:spcAft>
+                <a:spcPts val="0"/>
+              </a:spcAft>
+              <a:buSzPts val="1200"/>
+              <a:buChar char="○"/>
+              <a:defRPr sz="1200"/>
+            </a:lvl8pPr>
+            <a:lvl9pPr indent="-304800" lvl="8" marL="4114800">
+              <a:spcBef>
+                <a:spcPts val="0"/>
+              </a:spcBef>
+              <a:spcAft>
+                <a:spcPts val="0"/>
+              </a:spcAft>
+              <a:buSzPts val="1200"/>
+              <a:buChar char="■"/>
+              <a:defRPr sz="1200"/>
+            </a:lvl9pPr>
+          </a:lstStyle>
+          <a:p/>
+        </p:txBody>
+      </p:sp>
+      <p:sp>
+        <p:nvSpPr>
+          <p:cNvPr id="33" name="Google Shape;33;p5"/>
+          <p:cNvSpPr txBox="1"/>
+          <p:nvPr>
+            <p:ph idx="2" type="body"/>
+          </p:nvPr>
+        </p:nvSpPr>
+        <p:spPr>
+          <a:xfrm>
+            <a:off x="4832400" y="1266175"/>
+            <a:ext cx="3999900" cy="3302700"/>
+          </a:xfrm>
+          <a:prstGeom prst="rect">
+            <a:avLst/>
+          </a:prstGeom>
+        </p:spPr>
+        <p:txBody>
+          <a:bodyPr anchorCtr="0" anchor="t" bIns="91425" lIns="91425" spcFirstLastPara="1" rIns="91425" wrap="square" tIns="91425">
+            <a:normAutofit/>
+          </a:bodyPr>
+          <a:lstStyle>
+            <a:lvl1pPr indent="-317500" lvl="0" marL="457200">
+              <a:spcBef>
+                <a:spcPts val="0"/>
+              </a:spcBef>
+              <a:spcAft>
+                <a:spcPts val="0"/>
+              </a:spcAft>
+              <a:buSzPts val="1400"/>
+              <a:buChar char="●"/>
+              <a:defRPr sz="1400"/>
+            </a:lvl1pPr>
+            <a:lvl2pPr indent="-304800" lvl="1" marL="914400">
+              <a:spcBef>
+                <a:spcPts val="0"/>
+              </a:spcBef>
+              <a:spcAft>
+                <a:spcPts val="0"/>
+              </a:spcAft>
+              <a:buSzPts val="1200"/>
+              <a:buChar char="○"/>
+              <a:defRPr sz="1200"/>
+            </a:lvl2pPr>
+            <a:lvl3pPr indent="-304800" lvl="2" marL="1371600">
+              <a:spcBef>
+                <a:spcPts val="0"/>
+              </a:spcBef>
+              <a:spcAft>
+                <a:spcPts val="0"/>
+              </a:spcAft>
+              <a:buSzPts val="1200"/>
+              <a:buChar char="■"/>
+              <a:defRPr sz="1200"/>
+            </a:lvl3pPr>
+            <a:lvl4pPr indent="-304800" lvl="3" marL="1828800">
+              <a:spcBef>
+                <a:spcPts val="0"/>
+              </a:spcBef>
+              <a:spcAft>
+                <a:spcPts val="0"/>
+              </a:spcAft>
+              <a:buSzPts val="1200"/>
+              <a:buChar char="●"/>
+              <a:defRPr sz="1200"/>
+            </a:lvl4pPr>
+            <a:lvl5pPr indent="-304800" lvl="4" marL="2286000">
+              <a:spcBef>
+                <a:spcPts val="0"/>
+              </a:spcBef>
+              <a:spcAft>
+                <a:spcPts val="0"/>
+              </a:spcAft>
+              <a:buSzPts val="1200"/>
+              <a:buChar char="○"/>
+              <a:defRPr sz="1200"/>
+            </a:lvl5pPr>
+            <a:lvl6pPr indent="-304800" lvl="5" marL="2743200">
+              <a:spcBef>
+                <a:spcPts val="0"/>
+              </a:spcBef>
+              <a:spcAft>
+                <a:spcPts val="0"/>
+              </a:spcAft>
+              <a:buSzPts val="1200"/>
+              <a:buChar char="■"/>
+              <a:defRPr sz="1200"/>
+            </a:lvl6pPr>
+            <a:lvl7pPr indent="-304800" lvl="6" marL="3200400">
+              <a:spcBef>
+                <a:spcPts val="0"/>
+              </a:spcBef>
+              <a:spcAft>
+                <a:spcPts val="0"/>
+              </a:spcAft>
+              <a:buSzPts val="1200"/>
+              <a:buChar char="●"/>
+              <a:defRPr sz="1200"/>
+            </a:lvl7pPr>
+            <a:lvl8pPr indent="-304800" lvl="7" marL="3657600">
+              <a:spcBef>
+                <a:spcPts val="0"/>
+              </a:spcBef>
+              <a:spcAft>
+                <a:spcPts val="0"/>
+              </a:spcAft>
+              <a:buSzPts val="1200"/>
+              <a:buChar char="○"/>
+              <a:defRPr sz="1200"/>
+            </a:lvl8pPr>
+            <a:lvl9pPr indent="-304800" lvl="8" marL="4114800">
+              <a:spcBef>
+                <a:spcPts val="0"/>
+              </a:spcBef>
+              <a:spcAft>
+                <a:spcPts val="0"/>
+              </a:spcAft>
+              <a:buSzPts val="1200"/>
+              <a:buChar char="■"/>
+              <a:defRPr sz="1200"/>
+            </a:lvl9pPr>
+          </a:lstStyle>
+          <a:p/>
+        </p:txBody>
+      </p:sp>
+      <p:sp>
+        <p:nvSpPr>
+          <p:cNvPr id="34" name="Google Shape;34;p5"/>
+          <p:cNvSpPr txBox="1"/>
+          <p:nvPr>
+            <p:ph idx="12" type="sldNum"/>
           </p:nvPr>
         </p:nvSpPr>
         <p:spPr>
@@ -2291,7 +3646,7 @@
           </a:prstGeom>
         </p:spPr>
         <p:txBody>
-          <a:bodyPr spcFirstLastPara="1" wrap="square" lIns="91425" tIns="91425" rIns="91425" bIns="91425" anchor="ctr" anchorCtr="0">
+          <a:bodyPr anchorCtr="0" anchor="ctr" bIns="91425" lIns="91425" spcFirstLastPara="1" rIns="91425" wrap="square" tIns="91425">
             <a:normAutofit/>
           </a:bodyPr>
           <a:lstStyle>
@@ -2333,7 +3688,7 @@
             </a:lvl9pPr>
           </a:lstStyle>
           <a:p>
-            <a:pPr marL="0" lvl="0" indent="0" algn="r" rtl="0">
+            <a:pPr indent="0" lvl="0" marL="0" rtl="0" algn="r">
               <a:spcBef>
                 <a:spcPts val="0"/>
               </a:spcBef>
@@ -2359,11 +3714,11 @@
 </file>
 
 <file path=ppt/slideLayouts/slideLayout5.xml><?xml version="1.0" encoding="utf-8"?>
-<p:sldLayout xmlns:a="http://schemas.openxmlformats.org/drawingml/2006/main" xmlns:r="http://schemas.openxmlformats.org/officeDocument/2006/relationships" xmlns:p="http://schemas.openxmlformats.org/presentationml/2006/main" matchingName="One column text">
-  <p:cSld name="ONE_COLUMN_TEXT">
+<p:sldLayout xmlns:a="http://schemas.openxmlformats.org/drawingml/2006/main" xmlns:r="http://schemas.openxmlformats.org/officeDocument/2006/relationships" xmlns:mc="http://schemas.openxmlformats.org/markup-compatibility/2006" xmlns:mv="urn:schemas-microsoft-com:mac:vml" xmlns:p="http://schemas.openxmlformats.org/presentationml/2006/main" xmlns:c="http://schemas.openxmlformats.org/drawingml/2006/chart" xmlns:dgm="http://schemas.openxmlformats.org/drawingml/2006/diagram" xmlns:o="urn:schemas-microsoft-com:office:office" xmlns:v="urn:schemas-microsoft-com:vml" xmlns:pvml="urn:schemas-microsoft-com:office:powerpoint" xmlns:com="http://schemas.openxmlformats.org/drawingml/2006/compatibility" xmlns:p14="http://schemas.microsoft.com/office/powerpoint/2010/main" xmlns:p15="http://schemas.microsoft.com/office/powerpoint/2012/main" xmlns:ahyp="http://schemas.microsoft.com/office/drawing/2018/hyperlinkcolor" matchingName="Title only" type="titleOnly">
+  <p:cSld name="TITLE_ONLY">
     <p:spTree>
       <p:nvGrpSpPr>
-        <p:cNvPr id="1" name="Shape 38"/>
+        <p:cNvPr id="35" name="Shape 35"/>
         <p:cNvGrpSpPr/>
         <p:nvPr/>
       </p:nvGrpSpPr>
@@ -2377,25 +3732,23 @@
       </p:grpSpPr>
       <p:sp>
         <p:nvSpPr>
-          <p:cNvPr id="39" name="Google Shape;39;p7"/>
-          <p:cNvSpPr txBox="1">
-            <a:spLocks noGrp="1"/>
-          </p:cNvSpPr>
+          <p:cNvPr id="36" name="Google Shape;36;p6"/>
+          <p:cNvSpPr txBox="1"/>
           <p:nvPr>
             <p:ph type="title"/>
           </p:nvPr>
         </p:nvSpPr>
         <p:spPr>
           <a:xfrm>
-            <a:off x="311700" y="555600"/>
-            <a:ext cx="2808000" cy="755700"/>
+            <a:off x="311700" y="445025"/>
+            <a:ext cx="8520600" cy="707400"/>
           </a:xfrm>
           <a:prstGeom prst="rect">
             <a:avLst/>
           </a:prstGeom>
         </p:spPr>
         <p:txBody>
-          <a:bodyPr spcFirstLastPara="1" wrap="square" lIns="91425" tIns="91425" rIns="91425" bIns="91425" anchor="b" anchorCtr="0">
+          <a:bodyPr anchorCtr="0" anchor="t" bIns="91425" lIns="91425" spcFirstLastPara="1" rIns="91425" wrap="square" tIns="91425">
             <a:normAutofit/>
           </a:bodyPr>
           <a:lstStyle>
@@ -2406,9 +3759,9 @@
               <a:spcAft>
                 <a:spcPts val="0"/>
               </a:spcAft>
-              <a:buSzPts val="2400"/>
-              <a:buNone/>
-              <a:defRPr sz="2400"/>
+              <a:buSzPts val="3600"/>
+              <a:buNone/>
+              <a:defRPr/>
             </a:lvl1pPr>
             <a:lvl2pPr lvl="1">
               <a:spcBef>
@@ -2417,9 +3770,9 @@
               <a:spcAft>
                 <a:spcPts val="0"/>
               </a:spcAft>
-              <a:buSzPts val="2400"/>
-              <a:buNone/>
-              <a:defRPr sz="2400"/>
+              <a:buSzPts val="3600"/>
+              <a:buNone/>
+              <a:defRPr/>
             </a:lvl2pPr>
             <a:lvl3pPr lvl="2">
               <a:spcBef>
@@ -2428,9 +3781,9 @@
               <a:spcAft>
                 <a:spcPts val="0"/>
               </a:spcAft>
-              <a:buSzPts val="2400"/>
-              <a:buNone/>
-              <a:defRPr sz="2400"/>
+              <a:buSzPts val="3600"/>
+              <a:buNone/>
+              <a:defRPr/>
             </a:lvl3pPr>
             <a:lvl4pPr lvl="3">
               <a:spcBef>
@@ -2439,9 +3792,9 @@
               <a:spcAft>
                 <a:spcPts val="0"/>
               </a:spcAft>
-              <a:buSzPts val="2400"/>
-              <a:buNone/>
-              <a:defRPr sz="2400"/>
+              <a:buSzPts val="3600"/>
+              <a:buNone/>
+              <a:defRPr/>
             </a:lvl4pPr>
             <a:lvl5pPr lvl="4">
               <a:spcBef>
@@ -2450,9 +3803,9 @@
               <a:spcAft>
                 <a:spcPts val="0"/>
               </a:spcAft>
-              <a:buSzPts val="2400"/>
-              <a:buNone/>
-              <a:defRPr sz="2400"/>
+              <a:buSzPts val="3600"/>
+              <a:buNone/>
+              <a:defRPr/>
             </a:lvl5pPr>
             <a:lvl6pPr lvl="5">
               <a:spcBef>
@@ -2461,9 +3814,9 @@
               <a:spcAft>
                 <a:spcPts val="0"/>
               </a:spcAft>
-              <a:buSzPts val="2400"/>
-              <a:buNone/>
-              <a:defRPr sz="2400"/>
+              <a:buSzPts val="3600"/>
+              <a:buNone/>
+              <a:defRPr/>
             </a:lvl6pPr>
             <a:lvl7pPr lvl="6">
               <a:spcBef>
@@ -2472,9 +3825,9 @@
               <a:spcAft>
                 <a:spcPts val="0"/>
               </a:spcAft>
-              <a:buSzPts val="2400"/>
-              <a:buNone/>
-              <a:defRPr sz="2400"/>
+              <a:buSzPts val="3600"/>
+              <a:buNone/>
+              <a:defRPr/>
             </a:lvl7pPr>
             <a:lvl8pPr lvl="7">
               <a:spcBef>
@@ -2483,9 +3836,9 @@
               <a:spcAft>
                 <a:spcPts val="0"/>
               </a:spcAft>
-              <a:buSzPts val="2400"/>
-              <a:buNone/>
-              <a:defRPr sz="2400"/>
+              <a:buSzPts val="3600"/>
+              <a:buNone/>
+              <a:defRPr/>
             </a:lvl8pPr>
             <a:lvl9pPr lvl="8">
               <a:spcBef>
@@ -2494,153 +3847,20 @@
               <a:spcAft>
                 <a:spcPts val="0"/>
               </a:spcAft>
-              <a:buSzPts val="2400"/>
-              <a:buNone/>
-              <a:defRPr sz="2400"/>
+              <a:buSzPts val="3600"/>
+              <a:buNone/>
+              <a:defRPr/>
             </a:lvl9pPr>
           </a:lstStyle>
-          <a:p>
-            <a:endParaRPr/>
-          </a:p>
+          <a:p/>
         </p:txBody>
       </p:sp>
       <p:sp>
         <p:nvSpPr>
-          <p:cNvPr id="40" name="Google Shape;40;p7"/>
-          <p:cNvSpPr txBox="1">
-            <a:spLocks noGrp="1"/>
-          </p:cNvSpPr>
+          <p:cNvPr id="37" name="Google Shape;37;p6"/>
+          <p:cNvSpPr txBox="1"/>
           <p:nvPr>
-            <p:ph type="body" idx="1"/>
-          </p:nvPr>
-        </p:nvSpPr>
-        <p:spPr>
-          <a:xfrm>
-            <a:off x="311700" y="1389600"/>
-            <a:ext cx="2808000" cy="3179400"/>
-          </a:xfrm>
-          <a:prstGeom prst="rect">
-            <a:avLst/>
-          </a:prstGeom>
-        </p:spPr>
-        <p:txBody>
-          <a:bodyPr spcFirstLastPara="1" wrap="square" lIns="91425" tIns="91425" rIns="91425" bIns="91425" anchor="t" anchorCtr="0">
-            <a:normAutofit/>
-          </a:bodyPr>
-          <a:lstStyle>
-            <a:lvl1pPr marL="457200" lvl="0" indent="-304800">
-              <a:spcBef>
-                <a:spcPts val="0"/>
-              </a:spcBef>
-              <a:spcAft>
-                <a:spcPts val="0"/>
-              </a:spcAft>
-              <a:buSzPts val="1200"/>
-              <a:buChar char="●"/>
-              <a:defRPr sz="1200"/>
-            </a:lvl1pPr>
-            <a:lvl2pPr marL="914400" lvl="1" indent="-304800">
-              <a:spcBef>
-                <a:spcPts val="0"/>
-              </a:spcBef>
-              <a:spcAft>
-                <a:spcPts val="0"/>
-              </a:spcAft>
-              <a:buSzPts val="1200"/>
-              <a:buChar char="○"/>
-              <a:defRPr sz="1200"/>
-            </a:lvl2pPr>
-            <a:lvl3pPr marL="1371600" lvl="2" indent="-304800">
-              <a:spcBef>
-                <a:spcPts val="0"/>
-              </a:spcBef>
-              <a:spcAft>
-                <a:spcPts val="0"/>
-              </a:spcAft>
-              <a:buSzPts val="1200"/>
-              <a:buChar char="■"/>
-              <a:defRPr sz="1200"/>
-            </a:lvl3pPr>
-            <a:lvl4pPr marL="1828800" lvl="3" indent="-304800">
-              <a:spcBef>
-                <a:spcPts val="0"/>
-              </a:spcBef>
-              <a:spcAft>
-                <a:spcPts val="0"/>
-              </a:spcAft>
-              <a:buSzPts val="1200"/>
-              <a:buChar char="●"/>
-              <a:defRPr sz="1200"/>
-            </a:lvl4pPr>
-            <a:lvl5pPr marL="2286000" lvl="4" indent="-304800">
-              <a:spcBef>
-                <a:spcPts val="0"/>
-              </a:spcBef>
-              <a:spcAft>
-                <a:spcPts val="0"/>
-              </a:spcAft>
-              <a:buSzPts val="1200"/>
-              <a:buChar char="○"/>
-              <a:defRPr sz="1200"/>
-            </a:lvl5pPr>
-            <a:lvl6pPr marL="2743200" lvl="5" indent="-304800">
-              <a:spcBef>
-                <a:spcPts val="0"/>
-              </a:spcBef>
-              <a:spcAft>
-                <a:spcPts val="0"/>
-              </a:spcAft>
-              <a:buSzPts val="1200"/>
-              <a:buChar char="■"/>
-              <a:defRPr sz="1200"/>
-            </a:lvl6pPr>
-            <a:lvl7pPr marL="3200400" lvl="6" indent="-304800">
-              <a:spcBef>
-                <a:spcPts val="0"/>
-              </a:spcBef>
-              <a:spcAft>
-                <a:spcPts val="0"/>
-              </a:spcAft>
-              <a:buSzPts val="1200"/>
-              <a:buChar char="●"/>
-              <a:defRPr sz="1200"/>
-            </a:lvl7pPr>
-            <a:lvl8pPr marL="3657600" lvl="7" indent="-304800">
-              <a:spcBef>
-                <a:spcPts val="0"/>
-              </a:spcBef>
-              <a:spcAft>
-                <a:spcPts val="0"/>
-              </a:spcAft>
-              <a:buSzPts val="1200"/>
-              <a:buChar char="○"/>
-              <a:defRPr sz="1200"/>
-            </a:lvl8pPr>
-            <a:lvl9pPr marL="4114800" lvl="8" indent="-304800">
-              <a:spcBef>
-                <a:spcPts val="0"/>
-              </a:spcBef>
-              <a:spcAft>
-                <a:spcPts val="0"/>
-              </a:spcAft>
-              <a:buSzPts val="1200"/>
-              <a:buChar char="■"/>
-              <a:defRPr sz="1200"/>
-            </a:lvl9pPr>
-          </a:lstStyle>
-          <a:p>
-            <a:endParaRPr/>
-          </a:p>
-        </p:txBody>
-      </p:sp>
-      <p:sp>
-        <p:nvSpPr>
-          <p:cNvPr id="41" name="Google Shape;41;p7"/>
-          <p:cNvSpPr txBox="1">
-            <a:spLocks noGrp="1"/>
-          </p:cNvSpPr>
-          <p:nvPr>
-            <p:ph type="sldNum" idx="12"/>
+            <p:ph idx="12" type="sldNum"/>
           </p:nvPr>
         </p:nvSpPr>
         <p:spPr>
@@ -2653,7 +3873,7 @@
           </a:prstGeom>
         </p:spPr>
         <p:txBody>
-          <a:bodyPr spcFirstLastPara="1" wrap="square" lIns="91425" tIns="91425" rIns="91425" bIns="91425" anchor="ctr" anchorCtr="0">
+          <a:bodyPr anchorCtr="0" anchor="ctr" bIns="91425" lIns="91425" spcFirstLastPara="1" rIns="91425" wrap="square" tIns="91425">
             <a:normAutofit/>
           </a:bodyPr>
           <a:lstStyle>
@@ -2695,7 +3915,7 @@
             </a:lvl9pPr>
           </a:lstStyle>
           <a:p>
-            <a:pPr marL="0" lvl="0" indent="0" algn="r" rtl="0">
+            <a:pPr indent="0" lvl="0" marL="0" rtl="0" algn="r">
               <a:spcBef>
                 <a:spcPts val="0"/>
               </a:spcBef>
@@ -2721,19 +3941,11 @@
 </file>
 
 <file path=ppt/slideLayouts/slideLayout6.xml><?xml version="1.0" encoding="utf-8"?>
-<p:sldLayout xmlns:a="http://schemas.openxmlformats.org/drawingml/2006/main" xmlns:r="http://schemas.openxmlformats.org/officeDocument/2006/relationships" xmlns:p="http://schemas.openxmlformats.org/presentationml/2006/main" matchingName="Main point">
-  <p:cSld name="MAIN_POINT">
-    <p:bg>
-      <p:bgPr>
-        <a:solidFill>
-          <a:schemeClr val="accent6"/>
-        </a:solidFill>
-        <a:effectLst/>
-      </p:bgPr>
-    </p:bg>
+<p:sldLayout xmlns:a="http://schemas.openxmlformats.org/drawingml/2006/main" xmlns:r="http://schemas.openxmlformats.org/officeDocument/2006/relationships" xmlns:mc="http://schemas.openxmlformats.org/markup-compatibility/2006" xmlns:mv="urn:schemas-microsoft-com:mac:vml" xmlns:p="http://schemas.openxmlformats.org/presentationml/2006/main" xmlns:c="http://schemas.openxmlformats.org/drawingml/2006/chart" xmlns:dgm="http://schemas.openxmlformats.org/drawingml/2006/diagram" xmlns:o="urn:schemas-microsoft-com:office:office" xmlns:v="urn:schemas-microsoft-com:vml" xmlns:pvml="urn:schemas-microsoft-com:office:powerpoint" xmlns:com="http://schemas.openxmlformats.org/drawingml/2006/compatibility" xmlns:p14="http://schemas.microsoft.com/office/powerpoint/2010/main" xmlns:p15="http://schemas.microsoft.com/office/powerpoint/2012/main" xmlns:ahyp="http://schemas.microsoft.com/office/drawing/2018/hyperlinkcolor" matchingName="One column text">
+  <p:cSld name="ONE_COLUMN_TEXT">
     <p:spTree>
       <p:nvGrpSpPr>
-        <p:cNvPr id="1" name="Shape 42"/>
+        <p:cNvPr id="38" name="Shape 38"/>
         <p:cNvGrpSpPr/>
         <p:nvPr/>
       </p:nvGrpSpPr>
@@ -2747,25 +3959,23 @@
       </p:grpSpPr>
       <p:sp>
         <p:nvSpPr>
-          <p:cNvPr id="43" name="Google Shape;43;p8"/>
-          <p:cNvSpPr txBox="1">
-            <a:spLocks noGrp="1"/>
-          </p:cNvSpPr>
+          <p:cNvPr id="39" name="Google Shape;39;p7"/>
+          <p:cNvSpPr txBox="1"/>
           <p:nvPr>
             <p:ph type="title"/>
           </p:nvPr>
         </p:nvSpPr>
         <p:spPr>
           <a:xfrm>
-            <a:off x="490250" y="526350"/>
-            <a:ext cx="5613600" cy="4090800"/>
+            <a:off x="311700" y="555600"/>
+            <a:ext cx="2808000" cy="755700"/>
           </a:xfrm>
           <a:prstGeom prst="rect">
             <a:avLst/>
           </a:prstGeom>
         </p:spPr>
         <p:txBody>
-          <a:bodyPr spcFirstLastPara="1" wrap="square" lIns="91425" tIns="91425" rIns="91425" bIns="91425" anchor="ctr" anchorCtr="0">
+          <a:bodyPr anchorCtr="0" anchor="b" bIns="91425" lIns="91425" spcFirstLastPara="1" rIns="91425" wrap="square" tIns="91425">
             <a:normAutofit/>
           </a:bodyPr>
           <a:lstStyle>
@@ -2776,16 +3986,9 @@
               <a:spcAft>
                 <a:spcPts val="0"/>
               </a:spcAft>
-              <a:buClr>
-                <a:schemeClr val="dk2"/>
-              </a:buClr>
-              <a:buSzPts val="5400"/>
-              <a:buNone/>
-              <a:defRPr sz="5400" b="0">
-                <a:solidFill>
-                  <a:schemeClr val="dk2"/>
-                </a:solidFill>
-              </a:defRPr>
+              <a:buSzPts val="2400"/>
+              <a:buNone/>
+              <a:defRPr sz="2400"/>
             </a:lvl1pPr>
             <a:lvl2pPr lvl="1">
               <a:spcBef>
@@ -2794,16 +3997,9 @@
               <a:spcAft>
                 <a:spcPts val="0"/>
               </a:spcAft>
-              <a:buClr>
-                <a:schemeClr val="dk2"/>
-              </a:buClr>
-              <a:buSzPts val="5400"/>
-              <a:buNone/>
-              <a:defRPr sz="5400" b="0">
-                <a:solidFill>
-                  <a:schemeClr val="dk2"/>
-                </a:solidFill>
-              </a:defRPr>
+              <a:buSzPts val="2400"/>
+              <a:buNone/>
+              <a:defRPr sz="2400"/>
             </a:lvl2pPr>
             <a:lvl3pPr lvl="2">
               <a:spcBef>
@@ -2812,16 +4008,9 @@
               <a:spcAft>
                 <a:spcPts val="0"/>
               </a:spcAft>
-              <a:buClr>
-                <a:schemeClr val="dk2"/>
-              </a:buClr>
-              <a:buSzPts val="5400"/>
-              <a:buNone/>
-              <a:defRPr sz="5400" b="0">
-                <a:solidFill>
-                  <a:schemeClr val="dk2"/>
-                </a:solidFill>
-              </a:defRPr>
+              <a:buSzPts val="2400"/>
+              <a:buNone/>
+              <a:defRPr sz="2400"/>
             </a:lvl3pPr>
             <a:lvl4pPr lvl="3">
               <a:spcBef>
@@ -2830,16 +4019,9 @@
               <a:spcAft>
                 <a:spcPts val="0"/>
               </a:spcAft>
-              <a:buClr>
-                <a:schemeClr val="dk2"/>
-              </a:buClr>
-              <a:buSzPts val="5400"/>
-              <a:buNone/>
-              <a:defRPr sz="5400" b="0">
-                <a:solidFill>
-                  <a:schemeClr val="dk2"/>
-                </a:solidFill>
-              </a:defRPr>
+              <a:buSzPts val="2400"/>
+              <a:buNone/>
+              <a:defRPr sz="2400"/>
             </a:lvl4pPr>
             <a:lvl5pPr lvl="4">
               <a:spcBef>
@@ -2848,16 +4030,9 @@
               <a:spcAft>
                 <a:spcPts val="0"/>
               </a:spcAft>
-              <a:buClr>
-                <a:schemeClr val="dk2"/>
-              </a:buClr>
-              <a:buSzPts val="5400"/>
-              <a:buNone/>
-              <a:defRPr sz="5400" b="0">
-                <a:solidFill>
-                  <a:schemeClr val="dk2"/>
-                </a:solidFill>
-              </a:defRPr>
+              <a:buSzPts val="2400"/>
+              <a:buNone/>
+              <a:defRPr sz="2400"/>
             </a:lvl5pPr>
             <a:lvl6pPr lvl="5">
               <a:spcBef>
@@ -2866,16 +4041,9 @@
               <a:spcAft>
                 <a:spcPts val="0"/>
               </a:spcAft>
-              <a:buClr>
-                <a:schemeClr val="dk2"/>
-              </a:buClr>
-              <a:buSzPts val="5400"/>
-              <a:buNone/>
-              <a:defRPr sz="5400" b="0">
-                <a:solidFill>
-                  <a:schemeClr val="dk2"/>
-                </a:solidFill>
-              </a:defRPr>
+              <a:buSzPts val="2400"/>
+              <a:buNone/>
+              <a:defRPr sz="2400"/>
             </a:lvl6pPr>
             <a:lvl7pPr lvl="6">
               <a:spcBef>
@@ -2884,16 +4052,9 @@
               <a:spcAft>
                 <a:spcPts val="0"/>
               </a:spcAft>
-              <a:buClr>
-                <a:schemeClr val="dk2"/>
-              </a:buClr>
-              <a:buSzPts val="5400"/>
-              <a:buNone/>
-              <a:defRPr sz="5400" b="0">
-                <a:solidFill>
-                  <a:schemeClr val="dk2"/>
-                </a:solidFill>
-              </a:defRPr>
+              <a:buSzPts val="2400"/>
+              <a:buNone/>
+              <a:defRPr sz="2400"/>
             </a:lvl7pPr>
             <a:lvl8pPr lvl="7">
               <a:spcBef>
@@ -2902,16 +4063,9 @@
               <a:spcAft>
                 <a:spcPts val="0"/>
               </a:spcAft>
-              <a:buClr>
-                <a:schemeClr val="dk2"/>
-              </a:buClr>
-              <a:buSzPts val="5400"/>
-              <a:buNone/>
-              <a:defRPr sz="5400" b="0">
-                <a:solidFill>
-                  <a:schemeClr val="dk2"/>
-                </a:solidFill>
-              </a:defRPr>
+              <a:buSzPts val="2400"/>
+              <a:buNone/>
+              <a:defRPr sz="2400"/>
             </a:lvl8pPr>
             <a:lvl9pPr lvl="8">
               <a:spcBef>
@@ -2920,31 +4074,145 @@
               <a:spcAft>
                 <a:spcPts val="0"/>
               </a:spcAft>
-              <a:buClr>
-                <a:schemeClr val="dk2"/>
-              </a:buClr>
-              <a:buSzPts val="5400"/>
-              <a:buNone/>
-              <a:defRPr sz="5400" b="0">
-                <a:solidFill>
-                  <a:schemeClr val="dk2"/>
-                </a:solidFill>
-              </a:defRPr>
+              <a:buSzPts val="2400"/>
+              <a:buNone/>
+              <a:defRPr sz="2400"/>
             </a:lvl9pPr>
           </a:lstStyle>
-          <a:p>
-            <a:endParaRPr/>
-          </a:p>
+          <a:p/>
         </p:txBody>
       </p:sp>
       <p:sp>
         <p:nvSpPr>
-          <p:cNvPr id="44" name="Google Shape;44;p8"/>
-          <p:cNvSpPr txBox="1">
-            <a:spLocks noGrp="1"/>
-          </p:cNvSpPr>
+          <p:cNvPr id="40" name="Google Shape;40;p7"/>
+          <p:cNvSpPr txBox="1"/>
           <p:nvPr>
-            <p:ph type="sldNum" idx="12"/>
+            <p:ph idx="1" type="body"/>
+          </p:nvPr>
+        </p:nvSpPr>
+        <p:spPr>
+          <a:xfrm>
+            <a:off x="311700" y="1389600"/>
+            <a:ext cx="2808000" cy="3179400"/>
+          </a:xfrm>
+          <a:prstGeom prst="rect">
+            <a:avLst/>
+          </a:prstGeom>
+        </p:spPr>
+        <p:txBody>
+          <a:bodyPr anchorCtr="0" anchor="t" bIns="91425" lIns="91425" spcFirstLastPara="1" rIns="91425" wrap="square" tIns="91425">
+            <a:normAutofit/>
+          </a:bodyPr>
+          <a:lstStyle>
+            <a:lvl1pPr indent="-304800" lvl="0" marL="457200">
+              <a:spcBef>
+                <a:spcPts val="0"/>
+              </a:spcBef>
+              <a:spcAft>
+                <a:spcPts val="0"/>
+              </a:spcAft>
+              <a:buSzPts val="1200"/>
+              <a:buChar char="●"/>
+              <a:defRPr sz="1200"/>
+            </a:lvl1pPr>
+            <a:lvl2pPr indent="-304800" lvl="1" marL="914400">
+              <a:spcBef>
+                <a:spcPts val="0"/>
+              </a:spcBef>
+              <a:spcAft>
+                <a:spcPts val="0"/>
+              </a:spcAft>
+              <a:buSzPts val="1200"/>
+              <a:buChar char="○"/>
+              <a:defRPr sz="1200"/>
+            </a:lvl2pPr>
+            <a:lvl3pPr indent="-304800" lvl="2" marL="1371600">
+              <a:spcBef>
+                <a:spcPts val="0"/>
+              </a:spcBef>
+              <a:spcAft>
+                <a:spcPts val="0"/>
+              </a:spcAft>
+              <a:buSzPts val="1200"/>
+              <a:buChar char="■"/>
+              <a:defRPr sz="1200"/>
+            </a:lvl3pPr>
+            <a:lvl4pPr indent="-304800" lvl="3" marL="1828800">
+              <a:spcBef>
+                <a:spcPts val="0"/>
+              </a:spcBef>
+              <a:spcAft>
+                <a:spcPts val="0"/>
+              </a:spcAft>
+              <a:buSzPts val="1200"/>
+              <a:buChar char="●"/>
+              <a:defRPr sz="1200"/>
+            </a:lvl4pPr>
+            <a:lvl5pPr indent="-304800" lvl="4" marL="2286000">
+              <a:spcBef>
+                <a:spcPts val="0"/>
+              </a:spcBef>
+              <a:spcAft>
+                <a:spcPts val="0"/>
+              </a:spcAft>
+              <a:buSzPts val="1200"/>
+              <a:buChar char="○"/>
+              <a:defRPr sz="1200"/>
+            </a:lvl5pPr>
+            <a:lvl6pPr indent="-304800" lvl="5" marL="2743200">
+              <a:spcBef>
+                <a:spcPts val="0"/>
+              </a:spcBef>
+              <a:spcAft>
+                <a:spcPts val="0"/>
+              </a:spcAft>
+              <a:buSzPts val="1200"/>
+              <a:buChar char="■"/>
+              <a:defRPr sz="1200"/>
+            </a:lvl6pPr>
+            <a:lvl7pPr indent="-304800" lvl="6" marL="3200400">
+              <a:spcBef>
+                <a:spcPts val="0"/>
+              </a:spcBef>
+              <a:spcAft>
+                <a:spcPts val="0"/>
+              </a:spcAft>
+              <a:buSzPts val="1200"/>
+              <a:buChar char="●"/>
+              <a:defRPr sz="1200"/>
+            </a:lvl7pPr>
+            <a:lvl8pPr indent="-304800" lvl="7" marL="3657600">
+              <a:spcBef>
+                <a:spcPts val="0"/>
+              </a:spcBef>
+              <a:spcAft>
+                <a:spcPts val="0"/>
+              </a:spcAft>
+              <a:buSzPts val="1200"/>
+              <a:buChar char="○"/>
+              <a:defRPr sz="1200"/>
+            </a:lvl8pPr>
+            <a:lvl9pPr indent="-304800" lvl="8" marL="4114800">
+              <a:spcBef>
+                <a:spcPts val="0"/>
+              </a:spcBef>
+              <a:spcAft>
+                <a:spcPts val="0"/>
+              </a:spcAft>
+              <a:buSzPts val="1200"/>
+              <a:buChar char="■"/>
+              <a:defRPr sz="1200"/>
+            </a:lvl9pPr>
+          </a:lstStyle>
+          <a:p/>
+        </p:txBody>
+      </p:sp>
+      <p:sp>
+        <p:nvSpPr>
+          <p:cNvPr id="41" name="Google Shape;41;p7"/>
+          <p:cNvSpPr txBox="1"/>
+          <p:nvPr>
+            <p:ph idx="12" type="sldNum"/>
           </p:nvPr>
         </p:nvSpPr>
         <p:spPr>
@@ -2957,7 +4225,7 @@
           </a:prstGeom>
         </p:spPr>
         <p:txBody>
-          <a:bodyPr spcFirstLastPara="1" wrap="square" lIns="91425" tIns="91425" rIns="91425" bIns="91425" anchor="ctr" anchorCtr="0">
+          <a:bodyPr anchorCtr="0" anchor="ctr" bIns="91425" lIns="91425" spcFirstLastPara="1" rIns="91425" wrap="square" tIns="91425">
             <a:normAutofit/>
           </a:bodyPr>
           <a:lstStyle>
@@ -2999,7 +4267,7 @@
             </a:lvl9pPr>
           </a:lstStyle>
           <a:p>
-            <a:pPr marL="0" lvl="0" indent="0" algn="r" rtl="0">
+            <a:pPr indent="0" lvl="0" marL="0" rtl="0" algn="r">
               <a:spcBef>
                 <a:spcPts val="0"/>
               </a:spcBef>
@@ -3025,11 +4293,308 @@
 </file>
 
 <file path=ppt/slideLayouts/slideLayout7.xml><?xml version="1.0" encoding="utf-8"?>
-<p:sldLayout xmlns:a="http://schemas.openxmlformats.org/drawingml/2006/main" xmlns:r="http://schemas.openxmlformats.org/officeDocument/2006/relationships" xmlns:p="http://schemas.openxmlformats.org/presentationml/2006/main" matchingName="Section title and description">
+<p:sldLayout xmlns:a="http://schemas.openxmlformats.org/drawingml/2006/main" xmlns:r="http://schemas.openxmlformats.org/officeDocument/2006/relationships" xmlns:mc="http://schemas.openxmlformats.org/markup-compatibility/2006" xmlns:mv="urn:schemas-microsoft-com:mac:vml" xmlns:p="http://schemas.openxmlformats.org/presentationml/2006/main" xmlns:c="http://schemas.openxmlformats.org/drawingml/2006/chart" xmlns:dgm="http://schemas.openxmlformats.org/drawingml/2006/diagram" xmlns:o="urn:schemas-microsoft-com:office:office" xmlns:v="urn:schemas-microsoft-com:vml" xmlns:pvml="urn:schemas-microsoft-com:office:powerpoint" xmlns:com="http://schemas.openxmlformats.org/drawingml/2006/compatibility" xmlns:p14="http://schemas.microsoft.com/office/powerpoint/2010/main" xmlns:p15="http://schemas.microsoft.com/office/powerpoint/2012/main" xmlns:ahyp="http://schemas.microsoft.com/office/drawing/2018/hyperlinkcolor" matchingName="Main point">
+  <p:cSld name="MAIN_POINT">
+    <p:bg>
+      <p:bgPr>
+        <a:solidFill>
+          <a:schemeClr val="accent6"/>
+        </a:solidFill>
+      </p:bgPr>
+    </p:bg>
+    <p:spTree>
+      <p:nvGrpSpPr>
+        <p:cNvPr id="42" name="Shape 42"/>
+        <p:cNvGrpSpPr/>
+        <p:nvPr/>
+      </p:nvGrpSpPr>
+      <p:grpSpPr>
+        <a:xfrm>
+          <a:off x="0" y="0"/>
+          <a:ext cx="0" cy="0"/>
+          <a:chOff x="0" y="0"/>
+          <a:chExt cx="0" cy="0"/>
+        </a:xfrm>
+      </p:grpSpPr>
+      <p:sp>
+        <p:nvSpPr>
+          <p:cNvPr id="43" name="Google Shape;43;p8"/>
+          <p:cNvSpPr txBox="1"/>
+          <p:nvPr>
+            <p:ph type="title"/>
+          </p:nvPr>
+        </p:nvSpPr>
+        <p:spPr>
+          <a:xfrm>
+            <a:off x="490250" y="526350"/>
+            <a:ext cx="5613600" cy="4090800"/>
+          </a:xfrm>
+          <a:prstGeom prst="rect">
+            <a:avLst/>
+          </a:prstGeom>
+        </p:spPr>
+        <p:txBody>
+          <a:bodyPr anchorCtr="0" anchor="ctr" bIns="91425" lIns="91425" spcFirstLastPara="1" rIns="91425" wrap="square" tIns="91425">
+            <a:normAutofit/>
+          </a:bodyPr>
+          <a:lstStyle>
+            <a:lvl1pPr lvl="0">
+              <a:spcBef>
+                <a:spcPts val="0"/>
+              </a:spcBef>
+              <a:spcAft>
+                <a:spcPts val="0"/>
+              </a:spcAft>
+              <a:buClr>
+                <a:schemeClr val="dk2"/>
+              </a:buClr>
+              <a:buSzPts val="5400"/>
+              <a:buNone/>
+              <a:defRPr b="0" sz="5400">
+                <a:solidFill>
+                  <a:schemeClr val="dk2"/>
+                </a:solidFill>
+              </a:defRPr>
+            </a:lvl1pPr>
+            <a:lvl2pPr lvl="1">
+              <a:spcBef>
+                <a:spcPts val="0"/>
+              </a:spcBef>
+              <a:spcAft>
+                <a:spcPts val="0"/>
+              </a:spcAft>
+              <a:buClr>
+                <a:schemeClr val="dk2"/>
+              </a:buClr>
+              <a:buSzPts val="5400"/>
+              <a:buNone/>
+              <a:defRPr b="0" sz="5400">
+                <a:solidFill>
+                  <a:schemeClr val="dk2"/>
+                </a:solidFill>
+              </a:defRPr>
+            </a:lvl2pPr>
+            <a:lvl3pPr lvl="2">
+              <a:spcBef>
+                <a:spcPts val="0"/>
+              </a:spcBef>
+              <a:spcAft>
+                <a:spcPts val="0"/>
+              </a:spcAft>
+              <a:buClr>
+                <a:schemeClr val="dk2"/>
+              </a:buClr>
+              <a:buSzPts val="5400"/>
+              <a:buNone/>
+              <a:defRPr b="0" sz="5400">
+                <a:solidFill>
+                  <a:schemeClr val="dk2"/>
+                </a:solidFill>
+              </a:defRPr>
+            </a:lvl3pPr>
+            <a:lvl4pPr lvl="3">
+              <a:spcBef>
+                <a:spcPts val="0"/>
+              </a:spcBef>
+              <a:spcAft>
+                <a:spcPts val="0"/>
+              </a:spcAft>
+              <a:buClr>
+                <a:schemeClr val="dk2"/>
+              </a:buClr>
+              <a:buSzPts val="5400"/>
+              <a:buNone/>
+              <a:defRPr b="0" sz="5400">
+                <a:solidFill>
+                  <a:schemeClr val="dk2"/>
+                </a:solidFill>
+              </a:defRPr>
+            </a:lvl4pPr>
+            <a:lvl5pPr lvl="4">
+              <a:spcBef>
+                <a:spcPts val="0"/>
+              </a:spcBef>
+              <a:spcAft>
+                <a:spcPts val="0"/>
+              </a:spcAft>
+              <a:buClr>
+                <a:schemeClr val="dk2"/>
+              </a:buClr>
+              <a:buSzPts val="5400"/>
+              <a:buNone/>
+              <a:defRPr b="0" sz="5400">
+                <a:solidFill>
+                  <a:schemeClr val="dk2"/>
+                </a:solidFill>
+              </a:defRPr>
+            </a:lvl5pPr>
+            <a:lvl6pPr lvl="5">
+              <a:spcBef>
+                <a:spcPts val="0"/>
+              </a:spcBef>
+              <a:spcAft>
+                <a:spcPts val="0"/>
+              </a:spcAft>
+              <a:buClr>
+                <a:schemeClr val="dk2"/>
+              </a:buClr>
+              <a:buSzPts val="5400"/>
+              <a:buNone/>
+              <a:defRPr b="0" sz="5400">
+                <a:solidFill>
+                  <a:schemeClr val="dk2"/>
+                </a:solidFill>
+              </a:defRPr>
+            </a:lvl6pPr>
+            <a:lvl7pPr lvl="6">
+              <a:spcBef>
+                <a:spcPts val="0"/>
+              </a:spcBef>
+              <a:spcAft>
+                <a:spcPts val="0"/>
+              </a:spcAft>
+              <a:buClr>
+                <a:schemeClr val="dk2"/>
+              </a:buClr>
+              <a:buSzPts val="5400"/>
+              <a:buNone/>
+              <a:defRPr b="0" sz="5400">
+                <a:solidFill>
+                  <a:schemeClr val="dk2"/>
+                </a:solidFill>
+              </a:defRPr>
+            </a:lvl7pPr>
+            <a:lvl8pPr lvl="7">
+              <a:spcBef>
+                <a:spcPts val="0"/>
+              </a:spcBef>
+              <a:spcAft>
+                <a:spcPts val="0"/>
+              </a:spcAft>
+              <a:buClr>
+                <a:schemeClr val="dk2"/>
+              </a:buClr>
+              <a:buSzPts val="5400"/>
+              <a:buNone/>
+              <a:defRPr b="0" sz="5400">
+                <a:solidFill>
+                  <a:schemeClr val="dk2"/>
+                </a:solidFill>
+              </a:defRPr>
+            </a:lvl8pPr>
+            <a:lvl9pPr lvl="8">
+              <a:spcBef>
+                <a:spcPts val="0"/>
+              </a:spcBef>
+              <a:spcAft>
+                <a:spcPts val="0"/>
+              </a:spcAft>
+              <a:buClr>
+                <a:schemeClr val="dk2"/>
+              </a:buClr>
+              <a:buSzPts val="5400"/>
+              <a:buNone/>
+              <a:defRPr b="0" sz="5400">
+                <a:solidFill>
+                  <a:schemeClr val="dk2"/>
+                </a:solidFill>
+              </a:defRPr>
+            </a:lvl9pPr>
+          </a:lstStyle>
+          <a:p/>
+        </p:txBody>
+      </p:sp>
+      <p:sp>
+        <p:nvSpPr>
+          <p:cNvPr id="44" name="Google Shape;44;p8"/>
+          <p:cNvSpPr txBox="1"/>
+          <p:nvPr>
+            <p:ph idx="12" type="sldNum"/>
+          </p:nvPr>
+        </p:nvSpPr>
+        <p:spPr>
+          <a:xfrm>
+            <a:off x="8472458" y="4663217"/>
+            <a:ext cx="548700" cy="393600"/>
+          </a:xfrm>
+          <a:prstGeom prst="rect">
+            <a:avLst/>
+          </a:prstGeom>
+        </p:spPr>
+        <p:txBody>
+          <a:bodyPr anchorCtr="0" anchor="ctr" bIns="91425" lIns="91425" spcFirstLastPara="1" rIns="91425" wrap="square" tIns="91425">
+            <a:normAutofit/>
+          </a:bodyPr>
+          <a:lstStyle>
+            <a:lvl1pPr lvl="0">
+              <a:buNone/>
+              <a:defRPr/>
+            </a:lvl1pPr>
+            <a:lvl2pPr lvl="1">
+              <a:buNone/>
+              <a:defRPr/>
+            </a:lvl2pPr>
+            <a:lvl3pPr lvl="2">
+              <a:buNone/>
+              <a:defRPr/>
+            </a:lvl3pPr>
+            <a:lvl4pPr lvl="3">
+              <a:buNone/>
+              <a:defRPr/>
+            </a:lvl4pPr>
+            <a:lvl5pPr lvl="4">
+              <a:buNone/>
+              <a:defRPr/>
+            </a:lvl5pPr>
+            <a:lvl6pPr lvl="5">
+              <a:buNone/>
+              <a:defRPr/>
+            </a:lvl6pPr>
+            <a:lvl7pPr lvl="6">
+              <a:buNone/>
+              <a:defRPr/>
+            </a:lvl7pPr>
+            <a:lvl8pPr lvl="7">
+              <a:buNone/>
+              <a:defRPr/>
+            </a:lvl8pPr>
+            <a:lvl9pPr lvl="8">
+              <a:buNone/>
+              <a:defRPr/>
+            </a:lvl9pPr>
+          </a:lstStyle>
+          <a:p>
+            <a:pPr indent="0" lvl="0" marL="0" rtl="0" algn="r">
+              <a:spcBef>
+                <a:spcPts val="0"/>
+              </a:spcBef>
+              <a:spcAft>
+                <a:spcPts val="0"/>
+              </a:spcAft>
+              <a:buNone/>
+            </a:pPr>
+            <a:fld id="{00000000-1234-1234-1234-123412341234}" type="slidenum">
+              <a:rPr lang="es-419"/>
+              <a:t>‹#›</a:t>
+            </a:fld>
+            <a:endParaRPr/>
+          </a:p>
+        </p:txBody>
+      </p:sp>
+    </p:spTree>
+  </p:cSld>
+  <p:clrMapOvr>
+    <a:masterClrMapping/>
+  </p:clrMapOvr>
+</p:sldLayout>
+</file>
+
+<file path=ppt/slideLayouts/slideLayout8.xml><?xml version="1.0" encoding="utf-8"?>
+<p:sldLayout xmlns:a="http://schemas.openxmlformats.org/drawingml/2006/main" xmlns:r="http://schemas.openxmlformats.org/officeDocument/2006/relationships" xmlns:mc="http://schemas.openxmlformats.org/markup-compatibility/2006" xmlns:mv="urn:schemas-microsoft-com:mac:vml" xmlns:p="http://schemas.openxmlformats.org/presentationml/2006/main" xmlns:c="http://schemas.openxmlformats.org/drawingml/2006/chart" xmlns:dgm="http://schemas.openxmlformats.org/drawingml/2006/diagram" xmlns:o="urn:schemas-microsoft-com:office:office" xmlns:v="urn:schemas-microsoft-com:vml" xmlns:pvml="urn:schemas-microsoft-com:office:powerpoint" xmlns:com="http://schemas.openxmlformats.org/drawingml/2006/compatibility" xmlns:p14="http://schemas.microsoft.com/office/powerpoint/2010/main" xmlns:p15="http://schemas.microsoft.com/office/powerpoint/2012/main" xmlns:ahyp="http://schemas.microsoft.com/office/drawing/2018/hyperlinkcolor" matchingName="Section title and description">
   <p:cSld name="SECTION_TITLE_AND_DESCRIPTION">
     <p:spTree>
       <p:nvGrpSpPr>
-        <p:cNvPr id="1" name="Shape 45"/>
+        <p:cNvPr id="45" name="Shape 45"/>
         <p:cNvGrpSpPr/>
         <p:nvPr/>
       </p:nvGrpSpPr>
@@ -3063,12 +4628,12 @@
           </a:ln>
         </p:spPr>
         <p:txBody>
-          <a:bodyPr spcFirstLastPara="1" wrap="square" lIns="91425" tIns="91425" rIns="91425" bIns="91425" anchor="ctr" anchorCtr="0">
+          <a:bodyPr anchorCtr="0" anchor="ctr" bIns="91425" lIns="91425" spcFirstLastPara="1" rIns="91425" wrap="square" tIns="91425">
             <a:noAutofit/>
           </a:bodyPr>
           <a:lstStyle/>
           <a:p>
-            <a:pPr marL="0" lvl="0" indent="0" algn="l" rtl="0">
+            <a:pPr indent="0" lvl="0" marL="0" rtl="0" algn="l">
               <a:spcBef>
                 <a:spcPts val="0"/>
               </a:spcBef>
@@ -3077,6 +4642,9 @@
               </a:spcAft>
               <a:buNone/>
             </a:pPr>
+            <a:r>
+              <a:t/>
+            </a:r>
             <a:endParaRPr/>
           </a:p>
         </p:txBody>
@@ -3096,23 +4664,21 @@
             <a:avLst/>
           </a:prstGeom>
           <a:noFill/>
-          <a:ln w="19050" cap="flat" cmpd="sng">
+          <a:ln cap="flat" cmpd="sng" w="19050">
             <a:solidFill>
               <a:schemeClr val="lt1"/>
             </a:solidFill>
             <a:prstDash val="solid"/>
             <a:round/>
-            <a:headEnd type="none" w="sm" len="sm"/>
-            <a:tailEnd type="none" w="sm" len="sm"/>
+            <a:headEnd len="sm" w="sm" type="none"/>
+            <a:tailEnd len="sm" w="sm" type="none"/>
           </a:ln>
         </p:spPr>
       </p:cxnSp>
       <p:sp>
         <p:nvSpPr>
           <p:cNvPr id="48" name="Google Shape;48;p9"/>
-          <p:cNvSpPr txBox="1">
-            <a:spLocks noGrp="1"/>
-          </p:cNvSpPr>
+          <p:cNvSpPr txBox="1"/>
           <p:nvPr>
             <p:ph type="title"/>
           </p:nvPr>
@@ -3127,7 +4693,7 @@
           </a:prstGeom>
         </p:spPr>
         <p:txBody>
-          <a:bodyPr spcFirstLastPara="1" wrap="square" lIns="91425" tIns="91425" rIns="91425" bIns="91425" anchor="b" anchorCtr="0">
+          <a:bodyPr anchorCtr="0" anchor="b" bIns="91425" lIns="91425" spcFirstLastPara="1" rIns="91425" wrap="square" tIns="91425">
             <a:normAutofit/>
           </a:bodyPr>
           <a:lstStyle>
@@ -3231,19 +4797,15 @@
               <a:defRPr sz="4200"/>
             </a:lvl9pPr>
           </a:lstStyle>
-          <a:p>
-            <a:endParaRPr/>
-          </a:p>
+          <a:p/>
         </p:txBody>
       </p:sp>
       <p:sp>
         <p:nvSpPr>
           <p:cNvPr id="49" name="Google Shape;49;p9"/>
-          <p:cNvSpPr txBox="1">
-            <a:spLocks noGrp="1"/>
-          </p:cNvSpPr>
+          <p:cNvSpPr txBox="1"/>
           <p:nvPr>
-            <p:ph type="subTitle" idx="1"/>
+            <p:ph idx="1" type="subTitle"/>
           </p:nvPr>
         </p:nvSpPr>
         <p:spPr>
@@ -3256,7 +4818,7 @@
           </a:prstGeom>
         </p:spPr>
         <p:txBody>
-          <a:bodyPr spcFirstLastPara="1" wrap="square" lIns="91425" tIns="91425" rIns="91425" bIns="91425" anchor="t" anchorCtr="0">
+          <a:bodyPr anchorCtr="0" anchor="t" bIns="91425" lIns="91425" spcFirstLastPara="1" rIns="91425" wrap="square" tIns="91425">
             <a:normAutofit/>
           </a:bodyPr>
           <a:lstStyle>
@@ -3387,19 +4949,15 @@
               <a:defRPr sz="2100"/>
             </a:lvl9pPr>
           </a:lstStyle>
-          <a:p>
-            <a:endParaRPr/>
-          </a:p>
+          <a:p/>
         </p:txBody>
       </p:sp>
       <p:sp>
         <p:nvSpPr>
           <p:cNvPr id="50" name="Google Shape;50;p9"/>
-          <p:cNvSpPr txBox="1">
-            <a:spLocks noGrp="1"/>
-          </p:cNvSpPr>
+          <p:cNvSpPr txBox="1"/>
           <p:nvPr>
-            <p:ph type="body" idx="2"/>
+            <p:ph idx="2" type="body"/>
           </p:nvPr>
         </p:nvSpPr>
         <p:spPr>
@@ -3412,11 +4970,11 @@
           </a:prstGeom>
         </p:spPr>
         <p:txBody>
-          <a:bodyPr spcFirstLastPara="1" wrap="square" lIns="91425" tIns="91425" rIns="91425" bIns="91425" anchor="ctr" anchorCtr="0">
+          <a:bodyPr anchorCtr="0" anchor="ctr" bIns="91425" lIns="91425" spcFirstLastPara="1" rIns="91425" wrap="square" tIns="91425">
             <a:normAutofit/>
           </a:bodyPr>
           <a:lstStyle>
-            <a:lvl1pPr marL="457200" lvl="0" indent="-342900">
+            <a:lvl1pPr indent="-342900" lvl="0" marL="457200">
               <a:spcBef>
                 <a:spcPts val="0"/>
               </a:spcBef>
@@ -3434,7 +4992,7 @@
                 </a:solidFill>
               </a:defRPr>
             </a:lvl1pPr>
-            <a:lvl2pPr marL="914400" lvl="1" indent="-317500">
+            <a:lvl2pPr indent="-317500" lvl="1" marL="914400">
               <a:spcBef>
                 <a:spcPts val="0"/>
               </a:spcBef>
@@ -3452,7 +5010,7 @@
                 </a:solidFill>
               </a:defRPr>
             </a:lvl2pPr>
-            <a:lvl3pPr marL="1371600" lvl="2" indent="-317500">
+            <a:lvl3pPr indent="-317500" lvl="2" marL="1371600">
               <a:spcBef>
                 <a:spcPts val="0"/>
               </a:spcBef>
@@ -3470,7 +5028,7 @@
                 </a:solidFill>
               </a:defRPr>
             </a:lvl3pPr>
-            <a:lvl4pPr marL="1828800" lvl="3" indent="-317500">
+            <a:lvl4pPr indent="-317500" lvl="3" marL="1828800">
               <a:spcBef>
                 <a:spcPts val="0"/>
               </a:spcBef>
@@ -3488,7 +5046,7 @@
                 </a:solidFill>
               </a:defRPr>
             </a:lvl4pPr>
-            <a:lvl5pPr marL="2286000" lvl="4" indent="-317500">
+            <a:lvl5pPr indent="-317500" lvl="4" marL="2286000">
               <a:spcBef>
                 <a:spcPts val="0"/>
               </a:spcBef>
@@ -3506,7 +5064,7 @@
                 </a:solidFill>
               </a:defRPr>
             </a:lvl5pPr>
-            <a:lvl6pPr marL="2743200" lvl="5" indent="-317500">
+            <a:lvl6pPr indent="-317500" lvl="5" marL="2743200">
               <a:spcBef>
                 <a:spcPts val="0"/>
               </a:spcBef>
@@ -3524,7 +5082,7 @@
                 </a:solidFill>
               </a:defRPr>
             </a:lvl6pPr>
-            <a:lvl7pPr marL="3200400" lvl="6" indent="-317500">
+            <a:lvl7pPr indent="-317500" lvl="6" marL="3200400">
               <a:spcBef>
                 <a:spcPts val="0"/>
               </a:spcBef>
@@ -3542,7 +5100,7 @@
                 </a:solidFill>
               </a:defRPr>
             </a:lvl7pPr>
-            <a:lvl8pPr marL="3657600" lvl="7" indent="-317500">
+            <a:lvl8pPr indent="-317500" lvl="7" marL="3657600">
               <a:spcBef>
                 <a:spcPts val="0"/>
               </a:spcBef>
@@ -3560,7 +5118,7 @@
                 </a:solidFill>
               </a:defRPr>
             </a:lvl8pPr>
-            <a:lvl9pPr marL="4114800" lvl="8" indent="-317500">
+            <a:lvl9pPr indent="-317500" lvl="8" marL="4114800">
               <a:spcBef>
                 <a:spcPts val="0"/>
               </a:spcBef>
@@ -3579,19 +5137,15 @@
               </a:defRPr>
             </a:lvl9pPr>
           </a:lstStyle>
-          <a:p>
-            <a:endParaRPr/>
-          </a:p>
+          <a:p/>
         </p:txBody>
       </p:sp>
       <p:sp>
         <p:nvSpPr>
           <p:cNvPr id="51" name="Google Shape;51;p9"/>
-          <p:cNvSpPr txBox="1">
-            <a:spLocks noGrp="1"/>
-          </p:cNvSpPr>
+          <p:cNvSpPr txBox="1"/>
           <p:nvPr>
-            <p:ph type="sldNum" idx="12"/>
+            <p:ph idx="12" type="sldNum"/>
           </p:nvPr>
         </p:nvSpPr>
         <p:spPr>
@@ -3604,7 +5158,7 @@
           </a:prstGeom>
         </p:spPr>
         <p:txBody>
-          <a:bodyPr spcFirstLastPara="1" wrap="square" lIns="91425" tIns="91425" rIns="91425" bIns="91425" anchor="ctr" anchorCtr="0">
+          <a:bodyPr anchorCtr="0" anchor="ctr" bIns="91425" lIns="91425" spcFirstLastPara="1" rIns="91425" wrap="square" tIns="91425">
             <a:normAutofit/>
           </a:bodyPr>
           <a:lstStyle>
@@ -3682,161 +5236,7 @@
             </a:lvl9pPr>
           </a:lstStyle>
           <a:p>
-            <a:pPr marL="0" lvl="0" indent="0" algn="r" rtl="0">
-              <a:spcBef>
-                <a:spcPts val="0"/>
-              </a:spcBef>
-              <a:spcAft>
-                <a:spcPts val="0"/>
-              </a:spcAft>
-              <a:buNone/>
-            </a:pPr>
-            <a:fld id="{00000000-1234-1234-1234-123412341234}" type="slidenum">
-              <a:rPr lang="es-419"/>
-              <a:t>‹#›</a:t>
-            </a:fld>
-            <a:endParaRPr/>
-          </a:p>
-        </p:txBody>
-      </p:sp>
-    </p:spTree>
-  </p:cSld>
-  <p:clrMapOvr>
-    <a:masterClrMapping/>
-  </p:clrMapOvr>
-</p:sldLayout>
-</file>
-
-<file path=ppt/slideLayouts/slideLayout8.xml><?xml version="1.0" encoding="utf-8"?>
-<p:sldLayout xmlns:a="http://schemas.openxmlformats.org/drawingml/2006/main" xmlns:r="http://schemas.openxmlformats.org/officeDocument/2006/relationships" xmlns:p="http://schemas.openxmlformats.org/presentationml/2006/main" matchingName="Caption">
-  <p:cSld name="CAPTION_ONLY">
-    <p:spTree>
-      <p:nvGrpSpPr>
-        <p:cNvPr id="1" name="Shape 52"/>
-        <p:cNvGrpSpPr/>
-        <p:nvPr/>
-      </p:nvGrpSpPr>
-      <p:grpSpPr>
-        <a:xfrm>
-          <a:off x="0" y="0"/>
-          <a:ext cx="0" cy="0"/>
-          <a:chOff x="0" y="0"/>
-          <a:chExt cx="0" cy="0"/>
-        </a:xfrm>
-      </p:grpSpPr>
-      <p:sp>
-        <p:nvSpPr>
-          <p:cNvPr id="53" name="Google Shape;53;p10"/>
-          <p:cNvSpPr txBox="1">
-            <a:spLocks noGrp="1"/>
-          </p:cNvSpPr>
-          <p:nvPr>
-            <p:ph type="body" idx="1"/>
-          </p:nvPr>
-        </p:nvSpPr>
-        <p:spPr>
-          <a:xfrm>
-            <a:off x="311700" y="4230725"/>
-            <a:ext cx="5998800" cy="598800"/>
-          </a:xfrm>
-          <a:prstGeom prst="rect">
-            <a:avLst/>
-          </a:prstGeom>
-        </p:spPr>
-        <p:txBody>
-          <a:bodyPr spcFirstLastPara="1" wrap="square" lIns="91425" tIns="91425" rIns="91425" bIns="91425" anchor="ctr" anchorCtr="0">
-            <a:normAutofit/>
-          </a:bodyPr>
-          <a:lstStyle>
-            <a:lvl1pPr marL="457200" lvl="0" indent="-228600">
-              <a:lnSpc>
-                <a:spcPct val="100000"/>
-              </a:lnSpc>
-              <a:spcBef>
-                <a:spcPts val="0"/>
-              </a:spcBef>
-              <a:spcAft>
-                <a:spcPts val="0"/>
-              </a:spcAft>
-              <a:buSzPts val="2400"/>
-              <a:buFont typeface="PT Sans Narrow"/>
-              <a:buNone/>
-              <a:defRPr sz="2400">
-                <a:latin typeface="PT Sans Narrow"/>
-                <a:ea typeface="PT Sans Narrow"/>
-                <a:cs typeface="PT Sans Narrow"/>
-                <a:sym typeface="PT Sans Narrow"/>
-              </a:defRPr>
-            </a:lvl1pPr>
-          </a:lstStyle>
-          <a:p>
-            <a:endParaRPr/>
-          </a:p>
-        </p:txBody>
-      </p:sp>
-      <p:sp>
-        <p:nvSpPr>
-          <p:cNvPr id="54" name="Google Shape;54;p10"/>
-          <p:cNvSpPr txBox="1">
-            <a:spLocks noGrp="1"/>
-          </p:cNvSpPr>
-          <p:nvPr>
-            <p:ph type="sldNum" idx="12"/>
-          </p:nvPr>
-        </p:nvSpPr>
-        <p:spPr>
-          <a:xfrm>
-            <a:off x="8472458" y="4663217"/>
-            <a:ext cx="548700" cy="393600"/>
-          </a:xfrm>
-          <a:prstGeom prst="rect">
-            <a:avLst/>
-          </a:prstGeom>
-        </p:spPr>
-        <p:txBody>
-          <a:bodyPr spcFirstLastPara="1" wrap="square" lIns="91425" tIns="91425" rIns="91425" bIns="91425" anchor="ctr" anchorCtr="0">
-            <a:normAutofit/>
-          </a:bodyPr>
-          <a:lstStyle>
-            <a:lvl1pPr lvl="0">
-              <a:buNone/>
-              <a:defRPr/>
-            </a:lvl1pPr>
-            <a:lvl2pPr lvl="1">
-              <a:buNone/>
-              <a:defRPr/>
-            </a:lvl2pPr>
-            <a:lvl3pPr lvl="2">
-              <a:buNone/>
-              <a:defRPr/>
-            </a:lvl3pPr>
-            <a:lvl4pPr lvl="3">
-              <a:buNone/>
-              <a:defRPr/>
-            </a:lvl4pPr>
-            <a:lvl5pPr lvl="4">
-              <a:buNone/>
-              <a:defRPr/>
-            </a:lvl5pPr>
-            <a:lvl6pPr lvl="5">
-              <a:buNone/>
-              <a:defRPr/>
-            </a:lvl6pPr>
-            <a:lvl7pPr lvl="6">
-              <a:buNone/>
-              <a:defRPr/>
-            </a:lvl7pPr>
-            <a:lvl8pPr lvl="7">
-              <a:buNone/>
-              <a:defRPr/>
-            </a:lvl8pPr>
-            <a:lvl9pPr lvl="8">
-              <a:buNone/>
-              <a:defRPr/>
-            </a:lvl9pPr>
-          </a:lstStyle>
-          <a:p>
-            <a:pPr marL="0" lvl="0" indent="0" algn="r" rtl="0">
+            <a:pPr indent="0" lvl="0" marL="0" rtl="0" algn="r">
               <a:spcBef>
                 <a:spcPts val="0"/>
               </a:spcBef>
@@ -3862,11 +5262,11 @@
 </file>
 
 <file path=ppt/slideLayouts/slideLayout9.xml><?xml version="1.0" encoding="utf-8"?>
-<p:sldLayout xmlns:a="http://schemas.openxmlformats.org/drawingml/2006/main" xmlns:r="http://schemas.openxmlformats.org/officeDocument/2006/relationships" xmlns:p="http://schemas.openxmlformats.org/presentationml/2006/main" matchingName="Big number">
-  <p:cSld name="BIG_NUMBER">
+<p:sldLayout xmlns:a="http://schemas.openxmlformats.org/drawingml/2006/main" xmlns:r="http://schemas.openxmlformats.org/officeDocument/2006/relationships" xmlns:mc="http://schemas.openxmlformats.org/markup-compatibility/2006" xmlns:mv="urn:schemas-microsoft-com:mac:vml" xmlns:p="http://schemas.openxmlformats.org/presentationml/2006/main" xmlns:c="http://schemas.openxmlformats.org/drawingml/2006/chart" xmlns:dgm="http://schemas.openxmlformats.org/drawingml/2006/diagram" xmlns:o="urn:schemas-microsoft-com:office:office" xmlns:v="urn:schemas-microsoft-com:vml" xmlns:pvml="urn:schemas-microsoft-com:office:powerpoint" xmlns:com="http://schemas.openxmlformats.org/drawingml/2006/compatibility" xmlns:p14="http://schemas.microsoft.com/office/powerpoint/2010/main" xmlns:p15="http://schemas.microsoft.com/office/powerpoint/2012/main" xmlns:ahyp="http://schemas.microsoft.com/office/drawing/2018/hyperlinkcolor" matchingName="Caption">
+  <p:cSld name="CAPTION_ONLY">
     <p:spTree>
       <p:nvGrpSpPr>
-        <p:cNvPr id="1" name="Shape 55"/>
+        <p:cNvPr id="52" name="Shape 52"/>
         <p:cNvGrpSpPr/>
         <p:nvPr/>
       </p:nvGrpSpPr>
@@ -3880,375 +5280,56 @@
       </p:grpSpPr>
       <p:sp>
         <p:nvSpPr>
-          <p:cNvPr id="56" name="Google Shape;56;p11"/>
-          <p:cNvSpPr/>
-          <p:nvPr/>
-        </p:nvSpPr>
-        <p:spPr>
-          <a:xfrm>
-            <a:off x="-75" y="5045700"/>
-            <a:ext cx="9144000" cy="97800"/>
-          </a:xfrm>
-          <a:prstGeom prst="rect">
-            <a:avLst/>
-          </a:prstGeom>
-          <a:solidFill>
-            <a:schemeClr val="lt2"/>
-          </a:solidFill>
-          <a:ln>
-            <a:noFill/>
-          </a:ln>
-        </p:spPr>
-        <p:txBody>
-          <a:bodyPr spcFirstLastPara="1" wrap="square" lIns="91425" tIns="91425" rIns="91425" bIns="91425" anchor="ctr" anchorCtr="0">
-            <a:noAutofit/>
-          </a:bodyPr>
-          <a:lstStyle/>
-          <a:p>
-            <a:pPr marL="0" lvl="0" indent="0" algn="l" rtl="0">
-              <a:spcBef>
-                <a:spcPts val="0"/>
-              </a:spcBef>
-              <a:spcAft>
-                <a:spcPts val="0"/>
-              </a:spcAft>
-              <a:buNone/>
-            </a:pPr>
-            <a:endParaRPr/>
-          </a:p>
-        </p:txBody>
-      </p:sp>
-      <p:sp>
-        <p:nvSpPr>
-          <p:cNvPr id="57" name="Google Shape;57;p11"/>
-          <p:cNvSpPr txBox="1">
-            <a:spLocks noGrp="1"/>
-          </p:cNvSpPr>
+          <p:cNvPr id="53" name="Google Shape;53;p10"/>
+          <p:cNvSpPr txBox="1"/>
           <p:nvPr>
-            <p:ph type="title" hasCustomPrompt="1"/>
+            <p:ph idx="1" type="body"/>
           </p:nvPr>
         </p:nvSpPr>
         <p:spPr>
           <a:xfrm>
-            <a:off x="311700" y="1304850"/>
-            <a:ext cx="8520600" cy="1538400"/>
+            <a:off x="311700" y="4230725"/>
+            <a:ext cx="5998800" cy="598800"/>
           </a:xfrm>
           <a:prstGeom prst="rect">
             <a:avLst/>
           </a:prstGeom>
         </p:spPr>
         <p:txBody>
-          <a:bodyPr spcFirstLastPara="1" wrap="square" lIns="91425" tIns="91425" rIns="91425" bIns="91425" anchor="ctr" anchorCtr="0">
+          <a:bodyPr anchorCtr="0" anchor="ctr" bIns="91425" lIns="91425" spcFirstLastPara="1" rIns="91425" wrap="square" tIns="91425">
             <a:normAutofit/>
           </a:bodyPr>
           <a:lstStyle>
-            <a:lvl1pPr lvl="0" algn="ctr">
-              <a:spcBef>
-                <a:spcPts val="0"/>
-              </a:spcBef>
-              <a:spcAft>
-                <a:spcPts val="0"/>
-              </a:spcAft>
-              <a:buClr>
-                <a:schemeClr val="accent3"/>
-              </a:buClr>
-              <a:buSzPts val="13000"/>
-              <a:buNone/>
-              <a:defRPr sz="13000">
-                <a:solidFill>
-                  <a:schemeClr val="accent3"/>
-                </a:solidFill>
+            <a:lvl1pPr indent="-228600" lvl="0" marL="457200">
+              <a:lnSpc>
+                <a:spcPct val="100000"/>
+              </a:lnSpc>
+              <a:spcBef>
+                <a:spcPts val="0"/>
+              </a:spcBef>
+              <a:spcAft>
+                <a:spcPts val="0"/>
+              </a:spcAft>
+              <a:buSzPts val="2400"/>
+              <a:buFont typeface="PT Sans Narrow"/>
+              <a:buNone/>
+              <a:defRPr sz="2400">
+                <a:latin typeface="PT Sans Narrow"/>
+                <a:ea typeface="PT Sans Narrow"/>
+                <a:cs typeface="PT Sans Narrow"/>
+                <a:sym typeface="PT Sans Narrow"/>
               </a:defRPr>
             </a:lvl1pPr>
-            <a:lvl2pPr lvl="1" algn="ctr">
-              <a:spcBef>
-                <a:spcPts val="0"/>
-              </a:spcBef>
-              <a:spcAft>
-                <a:spcPts val="0"/>
-              </a:spcAft>
-              <a:buClr>
-                <a:schemeClr val="accent3"/>
-              </a:buClr>
-              <a:buSzPts val="13000"/>
-              <a:buNone/>
-              <a:defRPr sz="13000">
-                <a:solidFill>
-                  <a:schemeClr val="accent3"/>
-                </a:solidFill>
-              </a:defRPr>
-            </a:lvl2pPr>
-            <a:lvl3pPr lvl="2" algn="ctr">
-              <a:spcBef>
-                <a:spcPts val="0"/>
-              </a:spcBef>
-              <a:spcAft>
-                <a:spcPts val="0"/>
-              </a:spcAft>
-              <a:buClr>
-                <a:schemeClr val="accent3"/>
-              </a:buClr>
-              <a:buSzPts val="13000"/>
-              <a:buNone/>
-              <a:defRPr sz="13000">
-                <a:solidFill>
-                  <a:schemeClr val="accent3"/>
-                </a:solidFill>
-              </a:defRPr>
-            </a:lvl3pPr>
-            <a:lvl4pPr lvl="3" algn="ctr">
-              <a:spcBef>
-                <a:spcPts val="0"/>
-              </a:spcBef>
-              <a:spcAft>
-                <a:spcPts val="0"/>
-              </a:spcAft>
-              <a:buClr>
-                <a:schemeClr val="accent3"/>
-              </a:buClr>
-              <a:buSzPts val="13000"/>
-              <a:buNone/>
-              <a:defRPr sz="13000">
-                <a:solidFill>
-                  <a:schemeClr val="accent3"/>
-                </a:solidFill>
-              </a:defRPr>
-            </a:lvl4pPr>
-            <a:lvl5pPr lvl="4" algn="ctr">
-              <a:spcBef>
-                <a:spcPts val="0"/>
-              </a:spcBef>
-              <a:spcAft>
-                <a:spcPts val="0"/>
-              </a:spcAft>
-              <a:buClr>
-                <a:schemeClr val="accent3"/>
-              </a:buClr>
-              <a:buSzPts val="13000"/>
-              <a:buNone/>
-              <a:defRPr sz="13000">
-                <a:solidFill>
-                  <a:schemeClr val="accent3"/>
-                </a:solidFill>
-              </a:defRPr>
-            </a:lvl5pPr>
-            <a:lvl6pPr lvl="5" algn="ctr">
-              <a:spcBef>
-                <a:spcPts val="0"/>
-              </a:spcBef>
-              <a:spcAft>
-                <a:spcPts val="0"/>
-              </a:spcAft>
-              <a:buClr>
-                <a:schemeClr val="accent3"/>
-              </a:buClr>
-              <a:buSzPts val="13000"/>
-              <a:buNone/>
-              <a:defRPr sz="13000">
-                <a:solidFill>
-                  <a:schemeClr val="accent3"/>
-                </a:solidFill>
-              </a:defRPr>
-            </a:lvl6pPr>
-            <a:lvl7pPr lvl="6" algn="ctr">
-              <a:spcBef>
-                <a:spcPts val="0"/>
-              </a:spcBef>
-              <a:spcAft>
-                <a:spcPts val="0"/>
-              </a:spcAft>
-              <a:buClr>
-                <a:schemeClr val="accent3"/>
-              </a:buClr>
-              <a:buSzPts val="13000"/>
-              <a:buNone/>
-              <a:defRPr sz="13000">
-                <a:solidFill>
-                  <a:schemeClr val="accent3"/>
-                </a:solidFill>
-              </a:defRPr>
-            </a:lvl7pPr>
-            <a:lvl8pPr lvl="7" algn="ctr">
-              <a:spcBef>
-                <a:spcPts val="0"/>
-              </a:spcBef>
-              <a:spcAft>
-                <a:spcPts val="0"/>
-              </a:spcAft>
-              <a:buClr>
-                <a:schemeClr val="accent3"/>
-              </a:buClr>
-              <a:buSzPts val="13000"/>
-              <a:buNone/>
-              <a:defRPr sz="13000">
-                <a:solidFill>
-                  <a:schemeClr val="accent3"/>
-                </a:solidFill>
-              </a:defRPr>
-            </a:lvl8pPr>
-            <a:lvl9pPr lvl="8" algn="ctr">
-              <a:spcBef>
-                <a:spcPts val="0"/>
-              </a:spcBef>
-              <a:spcAft>
-                <a:spcPts val="0"/>
-              </a:spcAft>
-              <a:buClr>
-                <a:schemeClr val="accent3"/>
-              </a:buClr>
-              <a:buSzPts val="13000"/>
-              <a:buNone/>
-              <a:defRPr sz="13000">
-                <a:solidFill>
-                  <a:schemeClr val="accent3"/>
-                </a:solidFill>
-              </a:defRPr>
-            </a:lvl9pPr>
           </a:lstStyle>
-          <a:p>
-            <a:r>
-              <a:t>xx%</a:t>
-            </a:r>
-          </a:p>
+          <a:p/>
         </p:txBody>
       </p:sp>
       <p:sp>
         <p:nvSpPr>
-          <p:cNvPr id="58" name="Google Shape;58;p11"/>
-          <p:cNvSpPr txBox="1">
-            <a:spLocks noGrp="1"/>
-          </p:cNvSpPr>
+          <p:cNvPr id="54" name="Google Shape;54;p10"/>
+          <p:cNvSpPr txBox="1"/>
           <p:nvPr>
-            <p:ph type="body" idx="1"/>
-          </p:nvPr>
-        </p:nvSpPr>
-        <p:spPr>
-          <a:xfrm>
-            <a:off x="311700" y="2995650"/>
-            <a:ext cx="8520600" cy="1071600"/>
-          </a:xfrm>
-          <a:prstGeom prst="rect">
-            <a:avLst/>
-          </a:prstGeom>
-        </p:spPr>
-        <p:txBody>
-          <a:bodyPr spcFirstLastPara="1" wrap="square" lIns="91425" tIns="91425" rIns="91425" bIns="91425" anchor="t" anchorCtr="0">
-            <a:normAutofit/>
-          </a:bodyPr>
-          <a:lstStyle>
-            <a:lvl1pPr marL="457200" lvl="0" indent="-342900" algn="ctr">
-              <a:spcBef>
-                <a:spcPts val="0"/>
-              </a:spcBef>
-              <a:spcAft>
-                <a:spcPts val="0"/>
-              </a:spcAft>
-              <a:buSzPts val="1800"/>
-              <a:buChar char="●"/>
-              <a:defRPr/>
-            </a:lvl1pPr>
-            <a:lvl2pPr marL="914400" lvl="1" indent="-317500" algn="ctr">
-              <a:spcBef>
-                <a:spcPts val="0"/>
-              </a:spcBef>
-              <a:spcAft>
-                <a:spcPts val="0"/>
-              </a:spcAft>
-              <a:buSzPts val="1400"/>
-              <a:buChar char="○"/>
-              <a:defRPr/>
-            </a:lvl2pPr>
-            <a:lvl3pPr marL="1371600" lvl="2" indent="-317500" algn="ctr">
-              <a:spcBef>
-                <a:spcPts val="0"/>
-              </a:spcBef>
-              <a:spcAft>
-                <a:spcPts val="0"/>
-              </a:spcAft>
-              <a:buSzPts val="1400"/>
-              <a:buChar char="■"/>
-              <a:defRPr/>
-            </a:lvl3pPr>
-            <a:lvl4pPr marL="1828800" lvl="3" indent="-317500" algn="ctr">
-              <a:spcBef>
-                <a:spcPts val="0"/>
-              </a:spcBef>
-              <a:spcAft>
-                <a:spcPts val="0"/>
-              </a:spcAft>
-              <a:buSzPts val="1400"/>
-              <a:buChar char="●"/>
-              <a:defRPr/>
-            </a:lvl4pPr>
-            <a:lvl5pPr marL="2286000" lvl="4" indent="-317500" algn="ctr">
-              <a:spcBef>
-                <a:spcPts val="0"/>
-              </a:spcBef>
-              <a:spcAft>
-                <a:spcPts val="0"/>
-              </a:spcAft>
-              <a:buSzPts val="1400"/>
-              <a:buChar char="○"/>
-              <a:defRPr/>
-            </a:lvl5pPr>
-            <a:lvl6pPr marL="2743200" lvl="5" indent="-317500" algn="ctr">
-              <a:spcBef>
-                <a:spcPts val="0"/>
-              </a:spcBef>
-              <a:spcAft>
-                <a:spcPts val="0"/>
-              </a:spcAft>
-              <a:buSzPts val="1400"/>
-              <a:buChar char="■"/>
-              <a:defRPr/>
-            </a:lvl6pPr>
-            <a:lvl7pPr marL="3200400" lvl="6" indent="-317500" algn="ctr">
-              <a:spcBef>
-                <a:spcPts val="0"/>
-              </a:spcBef>
-              <a:spcAft>
-                <a:spcPts val="0"/>
-              </a:spcAft>
-              <a:buSzPts val="1400"/>
-              <a:buChar char="●"/>
-              <a:defRPr/>
-            </a:lvl7pPr>
-            <a:lvl8pPr marL="3657600" lvl="7" indent="-317500" algn="ctr">
-              <a:spcBef>
-                <a:spcPts val="0"/>
-              </a:spcBef>
-              <a:spcAft>
-                <a:spcPts val="0"/>
-              </a:spcAft>
-              <a:buSzPts val="1400"/>
-              <a:buChar char="○"/>
-              <a:defRPr/>
-            </a:lvl8pPr>
-            <a:lvl9pPr marL="4114800" lvl="8" indent="-317500" algn="ctr">
-              <a:spcBef>
-                <a:spcPts val="0"/>
-              </a:spcBef>
-              <a:spcAft>
-                <a:spcPts val="0"/>
-              </a:spcAft>
-              <a:buSzPts val="1400"/>
-              <a:buChar char="■"/>
-              <a:defRPr/>
-            </a:lvl9pPr>
-          </a:lstStyle>
-          <a:p>
-            <a:endParaRPr/>
-          </a:p>
-        </p:txBody>
-      </p:sp>
-      <p:sp>
-        <p:nvSpPr>
-          <p:cNvPr id="59" name="Google Shape;59;p11"/>
-          <p:cNvSpPr txBox="1">
-            <a:spLocks noGrp="1"/>
-          </p:cNvSpPr>
-          <p:nvPr>
-            <p:ph type="sldNum" idx="12"/>
+            <p:ph idx="12" type="sldNum"/>
           </p:nvPr>
         </p:nvSpPr>
         <p:spPr>
@@ -4261,7 +5342,7 @@
           </a:prstGeom>
         </p:spPr>
         <p:txBody>
-          <a:bodyPr spcFirstLastPara="1" wrap="square" lIns="91425" tIns="91425" rIns="91425" bIns="91425" anchor="ctr" anchorCtr="0">
+          <a:bodyPr anchorCtr="0" anchor="ctr" bIns="91425" lIns="91425" spcFirstLastPara="1" rIns="91425" wrap="square" tIns="91425">
             <a:normAutofit/>
           </a:bodyPr>
           <a:lstStyle>
@@ -4303,7 +5384,7 @@
             </a:lvl9pPr>
           </a:lstStyle>
           <a:p>
-            <a:pPr marL="0" lvl="0" indent="0" algn="r" rtl="0">
+            <a:pPr indent="0" lvl="0" marL="0" rtl="0" algn="r">
               <a:spcBef>
                 <a:spcPts val="0"/>
               </a:spcBef>
@@ -4329,19 +5410,18 @@
 </file>
 
 <file path=ppt/slideMasters/slideMaster1.xml><?xml version="1.0" encoding="utf-8"?>
-<p:sldMaster xmlns:a="http://schemas.openxmlformats.org/drawingml/2006/main" xmlns:r="http://schemas.openxmlformats.org/officeDocument/2006/relationships" xmlns:p="http://schemas.openxmlformats.org/presentationml/2006/main">
+<p:sldMaster xmlns:a="http://schemas.openxmlformats.org/drawingml/2006/main" xmlns:r="http://schemas.openxmlformats.org/officeDocument/2006/relationships" xmlns:mc="http://schemas.openxmlformats.org/markup-compatibility/2006" xmlns:mv="urn:schemas-microsoft-com:mac:vml" xmlns:p="http://schemas.openxmlformats.org/presentationml/2006/main" xmlns:c="http://schemas.openxmlformats.org/drawingml/2006/chart" xmlns:dgm="http://schemas.openxmlformats.org/drawingml/2006/diagram" xmlns:o="urn:schemas-microsoft-com:office:office" xmlns:v="urn:schemas-microsoft-com:vml" xmlns:pvml="urn:schemas-microsoft-com:office:powerpoint" xmlns:com="http://schemas.openxmlformats.org/drawingml/2006/compatibility" xmlns:p14="http://schemas.microsoft.com/office/powerpoint/2010/main" xmlns:p15="http://schemas.microsoft.com/office/powerpoint/2012/main" xmlns:ahyp="http://schemas.microsoft.com/office/drawing/2018/hyperlinkcolor">
   <p:cSld name="tropic">
     <p:bg>
       <p:bgPr>
         <a:solidFill>
           <a:schemeClr val="lt1"/>
         </a:solidFill>
-        <a:effectLst/>
       </p:bgPr>
     </p:bg>
     <p:spTree>
       <p:nvGrpSpPr>
-        <p:cNvPr id="1" name="Shape 5"/>
+        <p:cNvPr id="5" name="Shape 5"/>
         <p:cNvGrpSpPr/>
         <p:nvPr/>
       </p:nvGrpSpPr>
@@ -4356,9 +5436,7 @@
       <p:sp>
         <p:nvSpPr>
           <p:cNvPr id="6" name="Google Shape;6;p1"/>
-          <p:cNvSpPr txBox="1">
-            <a:spLocks noGrp="1"/>
-          </p:cNvSpPr>
+          <p:cNvSpPr txBox="1"/>
           <p:nvPr>
             <p:ph type="title"/>
           </p:nvPr>
@@ -4377,7 +5455,7 @@
           </a:ln>
         </p:spPr>
         <p:txBody>
-          <a:bodyPr spcFirstLastPara="1" wrap="square" lIns="91425" tIns="91425" rIns="91425" bIns="91425" anchor="t" anchorCtr="0">
+          <a:bodyPr anchorCtr="0" anchor="t" bIns="91425" lIns="91425" spcFirstLastPara="1" rIns="91425" wrap="square" tIns="91425">
             <a:normAutofit/>
           </a:bodyPr>
           <a:lstStyle>
@@ -4394,7 +5472,7 @@
               <a:buSzPts val="3600"/>
               <a:buFont typeface="PT Sans Narrow"/>
               <a:buNone/>
-              <a:defRPr sz="3600" b="1">
+              <a:defRPr b="1" sz="3600">
                 <a:solidFill>
                   <a:schemeClr val="accent1"/>
                 </a:solidFill>
@@ -4417,7 +5495,7 @@
               <a:buSzPts val="3600"/>
               <a:buFont typeface="PT Sans Narrow"/>
               <a:buNone/>
-              <a:defRPr sz="3600" b="1">
+              <a:defRPr b="1" sz="3600">
                 <a:solidFill>
                   <a:schemeClr val="accent1"/>
                 </a:solidFill>
@@ -4440,7 +5518,7 @@
               <a:buSzPts val="3600"/>
               <a:buFont typeface="PT Sans Narrow"/>
               <a:buNone/>
-              <a:defRPr sz="3600" b="1">
+              <a:defRPr b="1" sz="3600">
                 <a:solidFill>
                   <a:schemeClr val="accent1"/>
                 </a:solidFill>
@@ -4463,7 +5541,7 @@
               <a:buSzPts val="3600"/>
               <a:buFont typeface="PT Sans Narrow"/>
               <a:buNone/>
-              <a:defRPr sz="3600" b="1">
+              <a:defRPr b="1" sz="3600">
                 <a:solidFill>
                   <a:schemeClr val="accent1"/>
                 </a:solidFill>
@@ -4486,7 +5564,7 @@
               <a:buSzPts val="3600"/>
               <a:buFont typeface="PT Sans Narrow"/>
               <a:buNone/>
-              <a:defRPr sz="3600" b="1">
+              <a:defRPr b="1" sz="3600">
                 <a:solidFill>
                   <a:schemeClr val="accent1"/>
                 </a:solidFill>
@@ -4509,7 +5587,7 @@
               <a:buSzPts val="3600"/>
               <a:buFont typeface="PT Sans Narrow"/>
               <a:buNone/>
-              <a:defRPr sz="3600" b="1">
+              <a:defRPr b="1" sz="3600">
                 <a:solidFill>
                   <a:schemeClr val="accent1"/>
                 </a:solidFill>
@@ -4532,7 +5610,7 @@
               <a:buSzPts val="3600"/>
               <a:buFont typeface="PT Sans Narrow"/>
               <a:buNone/>
-              <a:defRPr sz="3600" b="1">
+              <a:defRPr b="1" sz="3600">
                 <a:solidFill>
                   <a:schemeClr val="accent1"/>
                 </a:solidFill>
@@ -4555,7 +5633,7 @@
               <a:buSzPts val="3600"/>
               <a:buFont typeface="PT Sans Narrow"/>
               <a:buNone/>
-              <a:defRPr sz="3600" b="1">
+              <a:defRPr b="1" sz="3600">
                 <a:solidFill>
                   <a:schemeClr val="accent1"/>
                 </a:solidFill>
@@ -4578,7 +5656,7 @@
               <a:buSzPts val="3600"/>
               <a:buFont typeface="PT Sans Narrow"/>
               <a:buNone/>
-              <a:defRPr sz="3600" b="1">
+              <a:defRPr b="1" sz="3600">
                 <a:solidFill>
                   <a:schemeClr val="accent1"/>
                 </a:solidFill>
@@ -4589,19 +5667,15 @@
               </a:defRPr>
             </a:lvl9pPr>
           </a:lstStyle>
-          <a:p>
-            <a:endParaRPr/>
-          </a:p>
+          <a:p/>
         </p:txBody>
       </p:sp>
       <p:sp>
         <p:nvSpPr>
           <p:cNvPr id="7" name="Google Shape;7;p1"/>
-          <p:cNvSpPr txBox="1">
-            <a:spLocks noGrp="1"/>
-          </p:cNvSpPr>
+          <p:cNvSpPr txBox="1"/>
           <p:nvPr>
-            <p:ph type="body" idx="1"/>
+            <p:ph idx="1" type="body"/>
           </p:nvPr>
         </p:nvSpPr>
         <p:spPr>
@@ -4618,11 +5692,11 @@
           </a:ln>
         </p:spPr>
         <p:txBody>
-          <a:bodyPr spcFirstLastPara="1" wrap="square" lIns="91425" tIns="91425" rIns="91425" bIns="91425" anchor="t" anchorCtr="0">
+          <a:bodyPr anchorCtr="0" anchor="t" bIns="91425" lIns="91425" spcFirstLastPara="1" rIns="91425" wrap="square" tIns="91425">
             <a:normAutofit/>
           </a:bodyPr>
           <a:lstStyle>
-            <a:lvl1pPr marL="457200" lvl="0" indent="-342900">
+            <a:lvl1pPr indent="-342900" lvl="0" marL="457200">
               <a:lnSpc>
                 <a:spcPct val="115000"/>
               </a:lnSpc>
@@ -4648,7 +5722,7 @@
                 <a:sym typeface="Open Sans"/>
               </a:defRPr>
             </a:lvl1pPr>
-            <a:lvl2pPr marL="914400" lvl="1" indent="-317500">
+            <a:lvl2pPr indent="-317500" lvl="1" marL="914400">
               <a:lnSpc>
                 <a:spcPct val="115000"/>
               </a:lnSpc>
@@ -4674,7 +5748,7 @@
                 <a:sym typeface="Open Sans"/>
               </a:defRPr>
             </a:lvl2pPr>
-            <a:lvl3pPr marL="1371600" lvl="2" indent="-317500">
+            <a:lvl3pPr indent="-317500" lvl="2" marL="1371600">
               <a:lnSpc>
                 <a:spcPct val="115000"/>
               </a:lnSpc>
@@ -4700,7 +5774,7 @@
                 <a:sym typeface="Open Sans"/>
               </a:defRPr>
             </a:lvl3pPr>
-            <a:lvl4pPr marL="1828800" lvl="3" indent="-317500">
+            <a:lvl4pPr indent="-317500" lvl="3" marL="1828800">
               <a:lnSpc>
                 <a:spcPct val="115000"/>
               </a:lnSpc>
@@ -4726,7 +5800,7 @@
                 <a:sym typeface="Open Sans"/>
               </a:defRPr>
             </a:lvl4pPr>
-            <a:lvl5pPr marL="2286000" lvl="4" indent="-317500">
+            <a:lvl5pPr indent="-317500" lvl="4" marL="2286000">
               <a:lnSpc>
                 <a:spcPct val="115000"/>
               </a:lnSpc>
@@ -4752,7 +5826,7 @@
                 <a:sym typeface="Open Sans"/>
               </a:defRPr>
             </a:lvl5pPr>
-            <a:lvl6pPr marL="2743200" lvl="5" indent="-317500">
+            <a:lvl6pPr indent="-317500" lvl="5" marL="2743200">
               <a:lnSpc>
                 <a:spcPct val="115000"/>
               </a:lnSpc>
@@ -4778,7 +5852,7 @@
                 <a:sym typeface="Open Sans"/>
               </a:defRPr>
             </a:lvl6pPr>
-            <a:lvl7pPr marL="3200400" lvl="6" indent="-317500">
+            <a:lvl7pPr indent="-317500" lvl="6" marL="3200400">
               <a:lnSpc>
                 <a:spcPct val="115000"/>
               </a:lnSpc>
@@ -4804,7 +5878,7 @@
                 <a:sym typeface="Open Sans"/>
               </a:defRPr>
             </a:lvl7pPr>
-            <a:lvl8pPr marL="3657600" lvl="7" indent="-317500">
+            <a:lvl8pPr indent="-317500" lvl="7" marL="3657600">
               <a:lnSpc>
                 <a:spcPct val="115000"/>
               </a:lnSpc>
@@ -4830,7 +5904,7 @@
                 <a:sym typeface="Open Sans"/>
               </a:defRPr>
             </a:lvl8pPr>
-            <a:lvl9pPr marL="4114800" lvl="8" indent="-317500">
+            <a:lvl9pPr indent="-317500" lvl="8" marL="4114800">
               <a:lnSpc>
                 <a:spcPct val="115000"/>
               </a:lnSpc>
@@ -4857,19 +5931,15 @@
               </a:defRPr>
             </a:lvl9pPr>
           </a:lstStyle>
-          <a:p>
-            <a:endParaRPr/>
-          </a:p>
+          <a:p/>
         </p:txBody>
       </p:sp>
       <p:sp>
         <p:nvSpPr>
           <p:cNvPr id="8" name="Google Shape;8;p1"/>
-          <p:cNvSpPr txBox="1">
-            <a:spLocks noGrp="1"/>
-          </p:cNvSpPr>
+          <p:cNvSpPr txBox="1"/>
           <p:nvPr>
-            <p:ph type="sldNum" idx="12"/>
+            <p:ph idx="12" type="sldNum"/>
           </p:nvPr>
         </p:nvSpPr>
         <p:spPr>
@@ -4886,7 +5956,7 @@
           </a:ln>
         </p:spPr>
         <p:txBody>
-          <a:bodyPr spcFirstLastPara="1" wrap="square" lIns="91425" tIns="91425" rIns="91425" bIns="91425" anchor="ctr" anchorCtr="0">
+          <a:bodyPr anchorCtr="0" anchor="ctr" bIns="91425" lIns="91425" spcFirstLastPara="1" rIns="91425" wrap="square" tIns="91425">
             <a:normAutofit/>
           </a:bodyPr>
           <a:lstStyle>
@@ -5000,7 +6070,7 @@
             </a:lvl9pPr>
           </a:lstStyle>
           <a:p>
-            <a:pPr marL="0" lvl="0" indent="0" algn="r" rtl="0">
+            <a:pPr indent="0" lvl="0" marL="0" rtl="0" algn="r">
               <a:spcBef>
                 <a:spcPts val="0"/>
               </a:spcBef>
@@ -5019,23 +6089,24 @@
       </p:sp>
     </p:spTree>
   </p:cSld>
-  <p:clrMap bg1="lt1" tx1="dk1" bg2="dk2" tx2="lt2" accent1="accent1" accent2="accent2" accent3="accent3" accent4="accent4" accent5="accent5" accent6="accent6" hlink="hlink" folHlink="folHlink"/>
+  <p:clrMap accent1="accent1" accent2="accent2" accent3="accent3" accent4="accent4" accent5="accent5" accent6="accent6" bg1="lt1" bg2="dk2" tx1="dk1" tx2="lt2" folHlink="folHlink" hlink="hlink"/>
   <p:sldLayoutIdLst>
-    <p:sldLayoutId id="2147483649" r:id="rId1"/>
-    <p:sldLayoutId id="2147483650" r:id="rId2"/>
-    <p:sldLayoutId id="2147483651" r:id="rId3"/>
-    <p:sldLayoutId id="2147483652" r:id="rId4"/>
-    <p:sldLayoutId id="2147483653" r:id="rId5"/>
-    <p:sldLayoutId id="2147483654" r:id="rId6"/>
-    <p:sldLayoutId id="2147483655" r:id="rId7"/>
-    <p:sldLayoutId id="2147483656" r:id="rId8"/>
-    <p:sldLayoutId id="2147483657" r:id="rId9"/>
-    <p:sldLayoutId id="2147483658" r:id="rId10"/>
+    <p:sldLayoutId id="2147483648" r:id="rId1"/>
+    <p:sldLayoutId id="2147483649" r:id="rId2"/>
+    <p:sldLayoutId id="2147483650" r:id="rId3"/>
+    <p:sldLayoutId id="2147483651" r:id="rId4"/>
+    <p:sldLayoutId id="2147483652" r:id="rId5"/>
+    <p:sldLayoutId id="2147483653" r:id="rId6"/>
+    <p:sldLayoutId id="2147483654" r:id="rId7"/>
+    <p:sldLayoutId id="2147483655" r:id="rId8"/>
+    <p:sldLayoutId id="2147483656" r:id="rId9"/>
+    <p:sldLayoutId id="2147483657" r:id="rId10"/>
+    <p:sldLayoutId id="2147483658" r:id="rId11"/>
   </p:sldLayoutIdLst>
-  <p:hf sldNum="0" hdr="0" ftr="0" dt="0"/>
+  <p:hf dt="0" ftr="0" hdr="0" sldNum="0"/>
   <p:txStyles>
     <p:titleStyle>
-      <a:defPPr marR="0" lvl="0" algn="l" rtl="0">
+      <a:defPPr lvl="0" marR="0" rtl="0" algn="l">
         <a:lnSpc>
           <a:spcPct val="100000"/>
         </a:lnSpc>
@@ -5046,7 +6117,7 @@
           <a:spcPts val="0"/>
         </a:spcAft>
       </a:defPPr>
-      <a:lvl1pPr marR="0" lvl="0" algn="l" rtl="0">
+      <a:lvl1pPr lvl="0" marR="0" rtl="0" algn="l">
         <a:lnSpc>
           <a:spcPct val="100000"/>
         </a:lnSpc>
@@ -5060,7 +6131,7 @@
           <a:srgbClr val="000000"/>
         </a:buClr>
         <a:buFont typeface="Arial"/>
-        <a:defRPr sz="1400" b="0" i="0" u="none" strike="noStrike" cap="none">
+        <a:defRPr b="0" i="0" sz="1400" u="none" cap="none" strike="noStrike">
           <a:solidFill>
             <a:srgbClr val="000000"/>
           </a:solidFill>
@@ -5070,7 +6141,7 @@
           <a:sym typeface="Arial"/>
         </a:defRPr>
       </a:lvl1pPr>
-      <a:lvl2pPr marR="0" lvl="1" algn="l" rtl="0">
+      <a:lvl2pPr lvl="1" marR="0" rtl="0" algn="l">
         <a:lnSpc>
           <a:spcPct val="100000"/>
         </a:lnSpc>
@@ -5084,7 +6155,7 @@
           <a:srgbClr val="000000"/>
         </a:buClr>
         <a:buFont typeface="Arial"/>
-        <a:defRPr sz="1400" b="0" i="0" u="none" strike="noStrike" cap="none">
+        <a:defRPr b="0" i="0" sz="1400" u="none" cap="none" strike="noStrike">
           <a:solidFill>
             <a:srgbClr val="000000"/>
           </a:solidFill>
@@ -5094,7 +6165,7 @@
           <a:sym typeface="Arial"/>
         </a:defRPr>
       </a:lvl2pPr>
-      <a:lvl3pPr marR="0" lvl="2" algn="l" rtl="0">
+      <a:lvl3pPr lvl="2" marR="0" rtl="0" algn="l">
         <a:lnSpc>
           <a:spcPct val="100000"/>
         </a:lnSpc>
@@ -5108,7 +6179,7 @@
           <a:srgbClr val="000000"/>
         </a:buClr>
         <a:buFont typeface="Arial"/>
-        <a:defRPr sz="1400" b="0" i="0" u="none" strike="noStrike" cap="none">
+        <a:defRPr b="0" i="0" sz="1400" u="none" cap="none" strike="noStrike">
           <a:solidFill>
             <a:srgbClr val="000000"/>
           </a:solidFill>
@@ -5118,7 +6189,7 @@
           <a:sym typeface="Arial"/>
         </a:defRPr>
       </a:lvl3pPr>
-      <a:lvl4pPr marR="0" lvl="3" algn="l" rtl="0">
+      <a:lvl4pPr lvl="3" marR="0" rtl="0" algn="l">
         <a:lnSpc>
           <a:spcPct val="100000"/>
         </a:lnSpc>
@@ -5132,7 +6203,7 @@
           <a:srgbClr val="000000"/>
         </a:buClr>
         <a:buFont typeface="Arial"/>
-        <a:defRPr sz="1400" b="0" i="0" u="none" strike="noStrike" cap="none">
+        <a:defRPr b="0" i="0" sz="1400" u="none" cap="none" strike="noStrike">
           <a:solidFill>
             <a:srgbClr val="000000"/>
           </a:solidFill>
@@ -5142,7 +6213,7 @@
           <a:sym typeface="Arial"/>
         </a:defRPr>
       </a:lvl4pPr>
-      <a:lvl5pPr marR="0" lvl="4" algn="l" rtl="0">
+      <a:lvl5pPr lvl="4" marR="0" rtl="0" algn="l">
         <a:lnSpc>
           <a:spcPct val="100000"/>
         </a:lnSpc>
@@ -5156,7 +6227,7 @@
           <a:srgbClr val="000000"/>
         </a:buClr>
         <a:buFont typeface="Arial"/>
-        <a:defRPr sz="1400" b="0" i="0" u="none" strike="noStrike" cap="none">
+        <a:defRPr b="0" i="0" sz="1400" u="none" cap="none" strike="noStrike">
           <a:solidFill>
             <a:srgbClr val="000000"/>
           </a:solidFill>
@@ -5166,7 +6237,7 @@
           <a:sym typeface="Arial"/>
         </a:defRPr>
       </a:lvl5pPr>
-      <a:lvl6pPr marR="0" lvl="5" algn="l" rtl="0">
+      <a:lvl6pPr lvl="5" marR="0" rtl="0" algn="l">
         <a:lnSpc>
           <a:spcPct val="100000"/>
         </a:lnSpc>
@@ -5180,7 +6251,7 @@
           <a:srgbClr val="000000"/>
         </a:buClr>
         <a:buFont typeface="Arial"/>
-        <a:defRPr sz="1400" b="0" i="0" u="none" strike="noStrike" cap="none">
+        <a:defRPr b="0" i="0" sz="1400" u="none" cap="none" strike="noStrike">
           <a:solidFill>
             <a:srgbClr val="000000"/>
           </a:solidFill>
@@ -5190,7 +6261,7 @@
           <a:sym typeface="Arial"/>
         </a:defRPr>
       </a:lvl6pPr>
-      <a:lvl7pPr marR="0" lvl="6" algn="l" rtl="0">
+      <a:lvl7pPr lvl="6" marR="0" rtl="0" algn="l">
         <a:lnSpc>
           <a:spcPct val="100000"/>
         </a:lnSpc>
@@ -5204,7 +6275,7 @@
           <a:srgbClr val="000000"/>
         </a:buClr>
         <a:buFont typeface="Arial"/>
-        <a:defRPr sz="1400" b="0" i="0" u="none" strike="noStrike" cap="none">
+        <a:defRPr b="0" i="0" sz="1400" u="none" cap="none" strike="noStrike">
           <a:solidFill>
             <a:srgbClr val="000000"/>
           </a:solidFill>
@@ -5214,7 +6285,7 @@
           <a:sym typeface="Arial"/>
         </a:defRPr>
       </a:lvl7pPr>
-      <a:lvl8pPr marR="0" lvl="7" algn="l" rtl="0">
+      <a:lvl8pPr lvl="7" marR="0" rtl="0" algn="l">
         <a:lnSpc>
           <a:spcPct val="100000"/>
         </a:lnSpc>
@@ -5228,7 +6299,7 @@
           <a:srgbClr val="000000"/>
         </a:buClr>
         <a:buFont typeface="Arial"/>
-        <a:defRPr sz="1400" b="0" i="0" u="none" strike="noStrike" cap="none">
+        <a:defRPr b="0" i="0" sz="1400" u="none" cap="none" strike="noStrike">
           <a:solidFill>
             <a:srgbClr val="000000"/>
           </a:solidFill>
@@ -5238,7 +6309,7 @@
           <a:sym typeface="Arial"/>
         </a:defRPr>
       </a:lvl8pPr>
-      <a:lvl9pPr marR="0" lvl="8" algn="l" rtl="0">
+      <a:lvl9pPr lvl="8" marR="0" rtl="0" algn="l">
         <a:lnSpc>
           <a:spcPct val="100000"/>
         </a:lnSpc>
@@ -5252,7 +6323,7 @@
           <a:srgbClr val="000000"/>
         </a:buClr>
         <a:buFont typeface="Arial"/>
-        <a:defRPr sz="1400" b="0" i="0" u="none" strike="noStrike" cap="none">
+        <a:defRPr b="0" i="0" sz="1400" u="none" cap="none" strike="noStrike">
           <a:solidFill>
             <a:srgbClr val="000000"/>
           </a:solidFill>
@@ -5264,7 +6335,7 @@
       </a:lvl9pPr>
     </p:titleStyle>
     <p:bodyStyle>
-      <a:defPPr marR="0" lvl="0" algn="l" rtl="0">
+      <a:defPPr lvl="0" marR="0" rtl="0" algn="l">
         <a:lnSpc>
           <a:spcPct val="100000"/>
         </a:lnSpc>
@@ -5275,7 +6346,7 @@
           <a:spcPts val="0"/>
         </a:spcAft>
       </a:defPPr>
-      <a:lvl1pPr marR="0" lvl="0" algn="l" rtl="0">
+      <a:lvl1pPr lvl="0" marR="0" rtl="0" algn="l">
         <a:lnSpc>
           <a:spcPct val="100000"/>
         </a:lnSpc>
@@ -5289,7 +6360,7 @@
           <a:srgbClr val="000000"/>
         </a:buClr>
         <a:buFont typeface="Arial"/>
-        <a:defRPr sz="1400" b="0" i="0" u="none" strike="noStrike" cap="none">
+        <a:defRPr b="0" i="0" sz="1400" u="none" cap="none" strike="noStrike">
           <a:solidFill>
             <a:srgbClr val="000000"/>
           </a:solidFill>
@@ -5299,7 +6370,7 @@
           <a:sym typeface="Arial"/>
         </a:defRPr>
       </a:lvl1pPr>
-      <a:lvl2pPr marR="0" lvl="1" algn="l" rtl="0">
+      <a:lvl2pPr lvl="1" marR="0" rtl="0" algn="l">
         <a:lnSpc>
           <a:spcPct val="100000"/>
         </a:lnSpc>
@@ -5313,7 +6384,7 @@
           <a:srgbClr val="000000"/>
         </a:buClr>
         <a:buFont typeface="Arial"/>
-        <a:defRPr sz="1400" b="0" i="0" u="none" strike="noStrike" cap="none">
+        <a:defRPr b="0" i="0" sz="1400" u="none" cap="none" strike="noStrike">
           <a:solidFill>
             <a:srgbClr val="000000"/>
           </a:solidFill>
@@ -5323,7 +6394,7 @@
           <a:sym typeface="Arial"/>
         </a:defRPr>
       </a:lvl2pPr>
-      <a:lvl3pPr marR="0" lvl="2" algn="l" rtl="0">
+      <a:lvl3pPr lvl="2" marR="0" rtl="0" algn="l">
         <a:lnSpc>
           <a:spcPct val="100000"/>
         </a:lnSpc>
@@ -5337,7 +6408,7 @@
           <a:srgbClr val="000000"/>
         </a:buClr>
         <a:buFont typeface="Arial"/>
-        <a:defRPr sz="1400" b="0" i="0" u="none" strike="noStrike" cap="none">
+        <a:defRPr b="0" i="0" sz="1400" u="none" cap="none" strike="noStrike">
           <a:solidFill>
             <a:srgbClr val="000000"/>
           </a:solidFill>
@@ -5347,7 +6418,7 @@
           <a:sym typeface="Arial"/>
         </a:defRPr>
       </a:lvl3pPr>
-      <a:lvl4pPr marR="0" lvl="3" algn="l" rtl="0">
+      <a:lvl4pPr lvl="3" marR="0" rtl="0" algn="l">
         <a:lnSpc>
           <a:spcPct val="100000"/>
         </a:lnSpc>
@@ -5361,7 +6432,7 @@
           <a:srgbClr val="000000"/>
         </a:buClr>
         <a:buFont typeface="Arial"/>
-        <a:defRPr sz="1400" b="0" i="0" u="none" strike="noStrike" cap="none">
+        <a:defRPr b="0" i="0" sz="1400" u="none" cap="none" strike="noStrike">
           <a:solidFill>
             <a:srgbClr val="000000"/>
           </a:solidFill>
@@ -5371,7 +6442,7 @@
           <a:sym typeface="Arial"/>
         </a:defRPr>
       </a:lvl4pPr>
-      <a:lvl5pPr marR="0" lvl="4" algn="l" rtl="0">
+      <a:lvl5pPr lvl="4" marR="0" rtl="0" algn="l">
         <a:lnSpc>
           <a:spcPct val="100000"/>
         </a:lnSpc>
@@ -5385,7 +6456,7 @@
           <a:srgbClr val="000000"/>
         </a:buClr>
         <a:buFont typeface="Arial"/>
-        <a:defRPr sz="1400" b="0" i="0" u="none" strike="noStrike" cap="none">
+        <a:defRPr b="0" i="0" sz="1400" u="none" cap="none" strike="noStrike">
           <a:solidFill>
             <a:srgbClr val="000000"/>
           </a:solidFill>
@@ -5395,7 +6466,7 @@
           <a:sym typeface="Arial"/>
         </a:defRPr>
       </a:lvl5pPr>
-      <a:lvl6pPr marR="0" lvl="5" algn="l" rtl="0">
+      <a:lvl6pPr lvl="5" marR="0" rtl="0" algn="l">
         <a:lnSpc>
           <a:spcPct val="100000"/>
         </a:lnSpc>
@@ -5409,7 +6480,7 @@
           <a:srgbClr val="000000"/>
         </a:buClr>
         <a:buFont typeface="Arial"/>
-        <a:defRPr sz="1400" b="0" i="0" u="none" strike="noStrike" cap="none">
+        <a:defRPr b="0" i="0" sz="1400" u="none" cap="none" strike="noStrike">
           <a:solidFill>
             <a:srgbClr val="000000"/>
           </a:solidFill>
@@ -5419,7 +6490,7 @@
           <a:sym typeface="Arial"/>
         </a:defRPr>
       </a:lvl6pPr>
-      <a:lvl7pPr marR="0" lvl="6" algn="l" rtl="0">
+      <a:lvl7pPr lvl="6" marR="0" rtl="0" algn="l">
         <a:lnSpc>
           <a:spcPct val="100000"/>
         </a:lnSpc>
@@ -5433,7 +6504,7 @@
           <a:srgbClr val="000000"/>
         </a:buClr>
         <a:buFont typeface="Arial"/>
-        <a:defRPr sz="1400" b="0" i="0" u="none" strike="noStrike" cap="none">
+        <a:defRPr b="0" i="0" sz="1400" u="none" cap="none" strike="noStrike">
           <a:solidFill>
             <a:srgbClr val="000000"/>
           </a:solidFill>
@@ -5443,7 +6514,7 @@
           <a:sym typeface="Arial"/>
         </a:defRPr>
       </a:lvl7pPr>
-      <a:lvl8pPr marR="0" lvl="7" algn="l" rtl="0">
+      <a:lvl8pPr lvl="7" marR="0" rtl="0" algn="l">
         <a:lnSpc>
           <a:spcPct val="100000"/>
         </a:lnSpc>
@@ -5457,7 +6528,7 @@
           <a:srgbClr val="000000"/>
         </a:buClr>
         <a:buFont typeface="Arial"/>
-        <a:defRPr sz="1400" b="0" i="0" u="none" strike="noStrike" cap="none">
+        <a:defRPr b="0" i="0" sz="1400" u="none" cap="none" strike="noStrike">
           <a:solidFill>
             <a:srgbClr val="000000"/>
           </a:solidFill>
@@ -5467,7 +6538,7 @@
           <a:sym typeface="Arial"/>
         </a:defRPr>
       </a:lvl8pPr>
-      <a:lvl9pPr marR="0" lvl="8" algn="l" rtl="0">
+      <a:lvl9pPr lvl="8" marR="0" rtl="0" algn="l">
         <a:lnSpc>
           <a:spcPct val="100000"/>
         </a:lnSpc>
@@ -5481,7 +6552,7 @@
           <a:srgbClr val="000000"/>
         </a:buClr>
         <a:buFont typeface="Arial"/>
-        <a:defRPr sz="1400" b="0" i="0" u="none" strike="noStrike" cap="none">
+        <a:defRPr b="0" i="0" sz="1400" u="none" cap="none" strike="noStrike">
           <a:solidFill>
             <a:srgbClr val="000000"/>
           </a:solidFill>
@@ -5493,7 +6564,7 @@
       </a:lvl9pPr>
     </p:bodyStyle>
     <p:otherStyle>
-      <a:defPPr marR="0" lvl="0" algn="l" rtl="0">
+      <a:defPPr lvl="0" marR="0" rtl="0" algn="l">
         <a:lnSpc>
           <a:spcPct val="100000"/>
         </a:lnSpc>
@@ -5504,7 +6575,7 @@
           <a:spcPts val="0"/>
         </a:spcAft>
       </a:defPPr>
-      <a:lvl1pPr marR="0" lvl="0" algn="l" rtl="0">
+      <a:lvl1pPr lvl="0" marR="0" rtl="0" algn="l">
         <a:lnSpc>
           <a:spcPct val="100000"/>
         </a:lnSpc>
@@ -5518,7 +6589,7 @@
           <a:srgbClr val="000000"/>
         </a:buClr>
         <a:buFont typeface="Arial"/>
-        <a:defRPr sz="1400" b="0" i="0" u="none" strike="noStrike" cap="none">
+        <a:defRPr b="0" i="0" sz="1400" u="none" cap="none" strike="noStrike">
           <a:solidFill>
             <a:srgbClr val="000000"/>
           </a:solidFill>
@@ -5528,7 +6599,7 @@
           <a:sym typeface="Arial"/>
         </a:defRPr>
       </a:lvl1pPr>
-      <a:lvl2pPr marR="0" lvl="1" algn="l" rtl="0">
+      <a:lvl2pPr lvl="1" marR="0" rtl="0" algn="l">
         <a:lnSpc>
           <a:spcPct val="100000"/>
         </a:lnSpc>
@@ -5542,7 +6613,7 @@
           <a:srgbClr val="000000"/>
         </a:buClr>
         <a:buFont typeface="Arial"/>
-        <a:defRPr sz="1400" b="0" i="0" u="none" strike="noStrike" cap="none">
+        <a:defRPr b="0" i="0" sz="1400" u="none" cap="none" strike="noStrike">
           <a:solidFill>
             <a:srgbClr val="000000"/>
           </a:solidFill>
@@ -5552,7 +6623,7 @@
           <a:sym typeface="Arial"/>
         </a:defRPr>
       </a:lvl2pPr>
-      <a:lvl3pPr marR="0" lvl="2" algn="l" rtl="0">
+      <a:lvl3pPr lvl="2" marR="0" rtl="0" algn="l">
         <a:lnSpc>
           <a:spcPct val="100000"/>
         </a:lnSpc>
@@ -5566,7 +6637,7 @@
           <a:srgbClr val="000000"/>
         </a:buClr>
         <a:buFont typeface="Arial"/>
-        <a:defRPr sz="1400" b="0" i="0" u="none" strike="noStrike" cap="none">
+        <a:defRPr b="0" i="0" sz="1400" u="none" cap="none" strike="noStrike">
           <a:solidFill>
             <a:srgbClr val="000000"/>
           </a:solidFill>
@@ -5576,7 +6647,7 @@
           <a:sym typeface="Arial"/>
         </a:defRPr>
       </a:lvl3pPr>
-      <a:lvl4pPr marR="0" lvl="3" algn="l" rtl="0">
+      <a:lvl4pPr lvl="3" marR="0" rtl="0" algn="l">
         <a:lnSpc>
           <a:spcPct val="100000"/>
         </a:lnSpc>
@@ -5590,7 +6661,7 @@
           <a:srgbClr val="000000"/>
         </a:buClr>
         <a:buFont typeface="Arial"/>
-        <a:defRPr sz="1400" b="0" i="0" u="none" strike="noStrike" cap="none">
+        <a:defRPr b="0" i="0" sz="1400" u="none" cap="none" strike="noStrike">
           <a:solidFill>
             <a:srgbClr val="000000"/>
           </a:solidFill>
@@ -5600,7 +6671,7 @@
           <a:sym typeface="Arial"/>
         </a:defRPr>
       </a:lvl4pPr>
-      <a:lvl5pPr marR="0" lvl="4" algn="l" rtl="0">
+      <a:lvl5pPr lvl="4" marR="0" rtl="0" algn="l">
         <a:lnSpc>
           <a:spcPct val="100000"/>
         </a:lnSpc>
@@ -5614,7 +6685,7 @@
           <a:srgbClr val="000000"/>
         </a:buClr>
         <a:buFont typeface="Arial"/>
-        <a:defRPr sz="1400" b="0" i="0" u="none" strike="noStrike" cap="none">
+        <a:defRPr b="0" i="0" sz="1400" u="none" cap="none" strike="noStrike">
           <a:solidFill>
             <a:srgbClr val="000000"/>
           </a:solidFill>
@@ -5624,7 +6695,7 @@
           <a:sym typeface="Arial"/>
         </a:defRPr>
       </a:lvl5pPr>
-      <a:lvl6pPr marR="0" lvl="5" algn="l" rtl="0">
+      <a:lvl6pPr lvl="5" marR="0" rtl="0" algn="l">
         <a:lnSpc>
           <a:spcPct val="100000"/>
         </a:lnSpc>
@@ -5638,7 +6709,7 @@
           <a:srgbClr val="000000"/>
         </a:buClr>
         <a:buFont typeface="Arial"/>
-        <a:defRPr sz="1400" b="0" i="0" u="none" strike="noStrike" cap="none">
+        <a:defRPr b="0" i="0" sz="1400" u="none" cap="none" strike="noStrike">
           <a:solidFill>
             <a:srgbClr val="000000"/>
           </a:solidFill>
@@ -5648,7 +6719,7 @@
           <a:sym typeface="Arial"/>
         </a:defRPr>
       </a:lvl6pPr>
-      <a:lvl7pPr marR="0" lvl="6" algn="l" rtl="0">
+      <a:lvl7pPr lvl="6" marR="0" rtl="0" algn="l">
         <a:lnSpc>
           <a:spcPct val="100000"/>
         </a:lnSpc>
@@ -5662,7 +6733,7 @@
           <a:srgbClr val="000000"/>
         </a:buClr>
         <a:buFont typeface="Arial"/>
-        <a:defRPr sz="1400" b="0" i="0" u="none" strike="noStrike" cap="none">
+        <a:defRPr b="0" i="0" sz="1400" u="none" cap="none" strike="noStrike">
           <a:solidFill>
             <a:srgbClr val="000000"/>
           </a:solidFill>
@@ -5672,7 +6743,7 @@
           <a:sym typeface="Arial"/>
         </a:defRPr>
       </a:lvl7pPr>
-      <a:lvl8pPr marR="0" lvl="7" algn="l" rtl="0">
+      <a:lvl8pPr lvl="7" marR="0" rtl="0" algn="l">
         <a:lnSpc>
           <a:spcPct val="100000"/>
         </a:lnSpc>
@@ -5686,7 +6757,7 @@
           <a:srgbClr val="000000"/>
         </a:buClr>
         <a:buFont typeface="Arial"/>
-        <a:defRPr sz="1400" b="0" i="0" u="none" strike="noStrike" cap="none">
+        <a:defRPr b="0" i="0" sz="1400" u="none" cap="none" strike="noStrike">
           <a:solidFill>
             <a:srgbClr val="000000"/>
           </a:solidFill>
@@ -5696,7 +6767,7 @@
           <a:sym typeface="Arial"/>
         </a:defRPr>
       </a:lvl8pPr>
-      <a:lvl9pPr marR="0" lvl="8" algn="l" rtl="0">
+      <a:lvl9pPr lvl="8" marR="0" rtl="0" algn="l">
         <a:lnSpc>
           <a:spcPct val="100000"/>
         </a:lnSpc>
@@ -5710,7 +6781,7 @@
           <a:srgbClr val="000000"/>
         </a:buClr>
         <a:buFont typeface="Arial"/>
-        <a:defRPr sz="1400" b="0" i="0" u="none" strike="noStrike" cap="none">
+        <a:defRPr b="0" i="0" sz="1400" u="none" cap="none" strike="noStrike">
           <a:solidFill>
             <a:srgbClr val="000000"/>
           </a:solidFill>
@@ -5726,11 +6797,11 @@
 </file>
 
 <file path=ppt/slides/slide1.xml><?xml version="1.0" encoding="utf-8"?>
-<p:sld xmlns:a="http://schemas.openxmlformats.org/drawingml/2006/main" xmlns:r="http://schemas.openxmlformats.org/officeDocument/2006/relationships" xmlns:p="http://schemas.openxmlformats.org/presentationml/2006/main">
+<p:sld xmlns:a="http://schemas.openxmlformats.org/drawingml/2006/main" xmlns:r="http://schemas.openxmlformats.org/officeDocument/2006/relationships" xmlns:mc="http://schemas.openxmlformats.org/markup-compatibility/2006" xmlns:mv="urn:schemas-microsoft-com:mac:vml" xmlns:p="http://schemas.openxmlformats.org/presentationml/2006/main" xmlns:c="http://schemas.openxmlformats.org/drawingml/2006/chart" xmlns:dgm="http://schemas.openxmlformats.org/drawingml/2006/diagram" xmlns:o="urn:schemas-microsoft-com:office:office" xmlns:v="urn:schemas-microsoft-com:vml" xmlns:pvml="urn:schemas-microsoft-com:office:powerpoint" xmlns:com="http://schemas.openxmlformats.org/drawingml/2006/compatibility" xmlns:p14="http://schemas.microsoft.com/office/powerpoint/2010/main" xmlns:p15="http://schemas.microsoft.com/office/powerpoint/2012/main" xmlns:ahyp="http://schemas.microsoft.com/office/drawing/2018/hyperlinkcolor">
   <p:cSld>
     <p:spTree>
       <p:nvGrpSpPr>
-        <p:cNvPr id="1" name="Shape 91"/>
+        <p:cNvPr id="65" name="Shape 65"/>
         <p:cNvGrpSpPr/>
         <p:nvPr/>
       </p:nvGrpSpPr>
@@ -5744,10 +6815,193 @@
       </p:grpSpPr>
       <p:sp>
         <p:nvSpPr>
-          <p:cNvPr id="92" name="Google Shape;92;p17"/>
-          <p:cNvSpPr txBox="1">
-            <a:spLocks noGrp="1"/>
-          </p:cNvSpPr>
+          <p:cNvPr id="66" name="Google Shape;66;p13"/>
+          <p:cNvSpPr txBox="1"/>
+          <p:nvPr>
+            <p:ph type="ctrTitle"/>
+          </p:nvPr>
+        </p:nvSpPr>
+        <p:spPr>
+          <a:xfrm>
+            <a:off x="1004150" y="1751764"/>
+            <a:ext cx="7136700" cy="1022400"/>
+          </a:xfrm>
+          <a:prstGeom prst="rect">
+            <a:avLst/>
+          </a:prstGeom>
+        </p:spPr>
+        <p:txBody>
+          <a:bodyPr anchorCtr="0" anchor="b" bIns="91425" lIns="91425" spcFirstLastPara="1" rIns="91425" wrap="square" tIns="91425">
+            <a:normAutofit fontScale="90000"/>
+          </a:bodyPr>
+          <a:lstStyle/>
+          <a:p>
+            <a:pPr indent="0" lvl="0" marL="0" rtl="0" algn="ctr">
+              <a:spcBef>
+                <a:spcPts val="0"/>
+              </a:spcBef>
+              <a:spcAft>
+                <a:spcPts val="0"/>
+              </a:spcAft>
+              <a:buNone/>
+            </a:pPr>
+            <a:r>
+              <a:rPr lang="es-419"/>
+              <a:t>Trabajo Final Herramientas Computacionales</a:t>
+            </a:r>
+            <a:endParaRPr/>
+          </a:p>
+        </p:txBody>
+      </p:sp>
+      <p:sp>
+        <p:nvSpPr>
+          <p:cNvPr id="67" name="Google Shape;67;p13"/>
+          <p:cNvSpPr txBox="1"/>
+          <p:nvPr>
+            <p:ph idx="1" type="subTitle"/>
+          </p:nvPr>
+        </p:nvSpPr>
+        <p:spPr>
+          <a:xfrm>
+            <a:off x="2041950" y="2774175"/>
+            <a:ext cx="5104200" cy="1022400"/>
+          </a:xfrm>
+          <a:prstGeom prst="rect">
+            <a:avLst/>
+          </a:prstGeom>
+        </p:spPr>
+        <p:txBody>
+          <a:bodyPr anchorCtr="0" anchor="t" bIns="91425" lIns="91425" spcFirstLastPara="1" rIns="91425" wrap="square" tIns="91425">
+            <a:normAutofit fontScale="47500" lnSpcReduction="20000"/>
+          </a:bodyPr>
+          <a:lstStyle/>
+          <a:p>
+            <a:pPr indent="0" lvl="0" marL="0" rtl="0" algn="ctr">
+              <a:spcBef>
+                <a:spcPts val="0"/>
+              </a:spcBef>
+              <a:spcAft>
+                <a:spcPts val="0"/>
+              </a:spcAft>
+              <a:buNone/>
+            </a:pPr>
+            <a:r>
+              <a:rPr lang="es-419"/>
+              <a:t>Salette Noemi A01246619</a:t>
+            </a:r>
+            <a:endParaRPr/>
+          </a:p>
+          <a:p>
+            <a:pPr indent="0" lvl="0" marL="0" rtl="0" algn="ctr">
+              <a:spcBef>
+                <a:spcPts val="0"/>
+              </a:spcBef>
+              <a:spcAft>
+                <a:spcPts val="0"/>
+              </a:spcAft>
+              <a:buNone/>
+            </a:pPr>
+            <a:r>
+              <a:rPr lang="es-419"/>
+              <a:t>Miguel Ramirez A00828311</a:t>
+            </a:r>
+            <a:endParaRPr/>
+          </a:p>
+          <a:p>
+            <a:pPr indent="0" lvl="0" marL="0" rtl="0" algn="ctr">
+              <a:spcBef>
+                <a:spcPts val="0"/>
+              </a:spcBef>
+              <a:spcAft>
+                <a:spcPts val="0"/>
+              </a:spcAft>
+              <a:buNone/>
+            </a:pPr>
+            <a:r>
+              <a:rPr lang="es-419"/>
+              <a:t>Mónica Trueba A00827999</a:t>
+            </a:r>
+            <a:endParaRPr/>
+          </a:p>
+          <a:p>
+            <a:pPr indent="0" lvl="0" marL="0" rtl="0" algn="ctr">
+              <a:spcBef>
+                <a:spcPts val="0"/>
+              </a:spcBef>
+              <a:spcAft>
+                <a:spcPts val="0"/>
+              </a:spcAft>
+              <a:buNone/>
+            </a:pPr>
+            <a:r>
+              <a:rPr lang="es-419"/>
+              <a:t>Armando Martínez A00830032</a:t>
+            </a:r>
+            <a:endParaRPr/>
+          </a:p>
+          <a:p>
+            <a:pPr indent="0" lvl="0" marL="0" rtl="0" algn="ctr">
+              <a:spcBef>
+                <a:spcPts val="0"/>
+              </a:spcBef>
+              <a:spcAft>
+                <a:spcPts val="0"/>
+              </a:spcAft>
+              <a:buNone/>
+            </a:pPr>
+            <a:r>
+              <a:rPr lang="es-419"/>
+              <a:t>Héctor Marín A00827714</a:t>
+            </a:r>
+            <a:endParaRPr/>
+          </a:p>
+          <a:p>
+            <a:pPr indent="0" lvl="0" marL="0" rtl="0" algn="ctr">
+              <a:spcBef>
+                <a:spcPts val="0"/>
+              </a:spcBef>
+              <a:spcAft>
+                <a:spcPts val="0"/>
+              </a:spcAft>
+              <a:buNone/>
+            </a:pPr>
+            <a:r>
+              <a:rPr lang="es-419"/>
+              <a:t>Sebastián Sánchez A00827175</a:t>
+            </a:r>
+            <a:endParaRPr/>
+          </a:p>
+        </p:txBody>
+      </p:sp>
+    </p:spTree>
+  </p:cSld>
+  <p:clrMapOvr>
+    <a:masterClrMapping/>
+  </p:clrMapOvr>
+</p:sld>
+</file>
+
+<file path=ppt/slides/slide2.xml><?xml version="1.0" encoding="utf-8"?>
+<p:sld xmlns:a="http://schemas.openxmlformats.org/drawingml/2006/main" xmlns:r="http://schemas.openxmlformats.org/officeDocument/2006/relationships" xmlns:mc="http://schemas.openxmlformats.org/markup-compatibility/2006" xmlns:mv="urn:schemas-microsoft-com:mac:vml" xmlns:p="http://schemas.openxmlformats.org/presentationml/2006/main" xmlns:c="http://schemas.openxmlformats.org/drawingml/2006/chart" xmlns:dgm="http://schemas.openxmlformats.org/drawingml/2006/diagram" xmlns:o="urn:schemas-microsoft-com:office:office" xmlns:v="urn:schemas-microsoft-com:vml" xmlns:pvml="urn:schemas-microsoft-com:office:powerpoint" xmlns:com="http://schemas.openxmlformats.org/drawingml/2006/compatibility" xmlns:p14="http://schemas.microsoft.com/office/powerpoint/2010/main" xmlns:p15="http://schemas.microsoft.com/office/powerpoint/2012/main" xmlns:ahyp="http://schemas.microsoft.com/office/drawing/2018/hyperlinkcolor">
+  <p:cSld>
+    <p:spTree>
+      <p:nvGrpSpPr>
+        <p:cNvPr id="71" name="Shape 71"/>
+        <p:cNvGrpSpPr/>
+        <p:nvPr/>
+      </p:nvGrpSpPr>
+      <p:grpSpPr>
+        <a:xfrm>
+          <a:off x="0" y="0"/>
+          <a:ext cx="0" cy="0"/>
+          <a:chOff x="0" y="0"/>
+          <a:chExt cx="0" cy="0"/>
+        </a:xfrm>
+      </p:grpSpPr>
+      <p:sp>
+        <p:nvSpPr>
+          <p:cNvPr id="72" name="Google Shape;72;p14"/>
+          <p:cNvSpPr txBox="1"/>
           <p:nvPr>
             <p:ph type="title"/>
           </p:nvPr>
@@ -5762,12 +7016,696 @@
           </a:prstGeom>
         </p:spPr>
         <p:txBody>
-          <a:bodyPr spcFirstLastPara="1" wrap="square" lIns="91425" tIns="91425" rIns="91425" bIns="91425" anchor="t" anchorCtr="0">
+          <a:bodyPr anchorCtr="0" anchor="t" bIns="91425" lIns="91425" spcFirstLastPara="1" rIns="91425" wrap="square" tIns="91425">
             <a:normAutofit fontScale="90000"/>
           </a:bodyPr>
           <a:lstStyle/>
           <a:p>
-            <a:pPr marL="0" lvl="0" indent="0" algn="l" rtl="0">
+            <a:pPr indent="0" lvl="0" marL="0" rtl="0" algn="l">
+              <a:spcBef>
+                <a:spcPts val="0"/>
+              </a:spcBef>
+              <a:spcAft>
+                <a:spcPts val="0"/>
+              </a:spcAft>
+              <a:buNone/>
+            </a:pPr>
+            <a:r>
+              <a:rPr lang="es-419"/>
+              <a:t>Problemática</a:t>
+            </a:r>
+            <a:endParaRPr/>
+          </a:p>
+        </p:txBody>
+      </p:sp>
+      <p:sp>
+        <p:nvSpPr>
+          <p:cNvPr id="73" name="Google Shape;73;p14"/>
+          <p:cNvSpPr txBox="1"/>
+          <p:nvPr>
+            <p:ph idx="1" type="body"/>
+          </p:nvPr>
+        </p:nvSpPr>
+        <p:spPr>
+          <a:xfrm>
+            <a:off x="311700" y="1266325"/>
+            <a:ext cx="8520600" cy="3302700"/>
+          </a:xfrm>
+          <a:prstGeom prst="rect">
+            <a:avLst/>
+          </a:prstGeom>
+        </p:spPr>
+        <p:txBody>
+          <a:bodyPr anchorCtr="0" anchor="t" bIns="91425" lIns="91425" spcFirstLastPara="1" rIns="91425" wrap="square" tIns="91425">
+            <a:normAutofit/>
+          </a:bodyPr>
+          <a:lstStyle/>
+          <a:p>
+            <a:pPr indent="0" lvl="0" marL="0" rtl="0" algn="just">
+              <a:spcBef>
+                <a:spcPts val="0"/>
+              </a:spcBef>
+              <a:spcAft>
+                <a:spcPts val="1200"/>
+              </a:spcAft>
+              <a:buNone/>
+            </a:pPr>
+            <a:r>
+              <a:rPr lang="es-419"/>
+              <a:t>En el mundo agrícola y en el dia a dia una gran cantidad de agua es desperdiciada al regar las plantas, esto se debe a que como seres humanos no podemos determinar de una manera precisa cuando la humedad del suelo </a:t>
+            </a:r>
+            <a:r>
+              <a:rPr lang="es-419"/>
+              <a:t>está</a:t>
+            </a:r>
+            <a:r>
+              <a:rPr lang="es-419"/>
+              <a:t> dentro de los </a:t>
+            </a:r>
+            <a:r>
+              <a:rPr lang="es-419"/>
+              <a:t>parámetros</a:t>
+            </a:r>
+            <a:r>
+              <a:rPr lang="es-419"/>
+              <a:t> correctos para que las plantas </a:t>
+            </a:r>
+            <a:r>
+              <a:rPr lang="es-419"/>
+              <a:t>estén</a:t>
+            </a:r>
+            <a:r>
+              <a:rPr lang="es-419"/>
+              <a:t> saludables. El problema que surge es que si se usa mucha agua hay desperdicio pero si se usa muy poca hay riesgo de que las plantas mueran.</a:t>
+            </a:r>
+            <a:endParaRPr/>
+          </a:p>
+        </p:txBody>
+      </p:sp>
+    </p:spTree>
+  </p:cSld>
+  <p:clrMapOvr>
+    <a:masterClrMapping/>
+  </p:clrMapOvr>
+</p:sld>
+</file>
+
+<file path=ppt/slides/slide3.xml><?xml version="1.0" encoding="utf-8"?>
+<p:sld xmlns:a="http://schemas.openxmlformats.org/drawingml/2006/main" xmlns:r="http://schemas.openxmlformats.org/officeDocument/2006/relationships" xmlns:mc="http://schemas.openxmlformats.org/markup-compatibility/2006" xmlns:mv="urn:schemas-microsoft-com:mac:vml" xmlns:p="http://schemas.openxmlformats.org/presentationml/2006/main" xmlns:c="http://schemas.openxmlformats.org/drawingml/2006/chart" xmlns:dgm="http://schemas.openxmlformats.org/drawingml/2006/diagram" xmlns:o="urn:schemas-microsoft-com:office:office" xmlns:v="urn:schemas-microsoft-com:vml" xmlns:pvml="urn:schemas-microsoft-com:office:powerpoint" xmlns:com="http://schemas.openxmlformats.org/drawingml/2006/compatibility" xmlns:p14="http://schemas.microsoft.com/office/powerpoint/2010/main" xmlns:p15="http://schemas.microsoft.com/office/powerpoint/2012/main" xmlns:ahyp="http://schemas.microsoft.com/office/drawing/2018/hyperlinkcolor">
+  <p:cSld>
+    <p:spTree>
+      <p:nvGrpSpPr>
+        <p:cNvPr id="77" name="Shape 77"/>
+        <p:cNvGrpSpPr/>
+        <p:nvPr/>
+      </p:nvGrpSpPr>
+      <p:grpSpPr>
+        <a:xfrm>
+          <a:off x="0" y="0"/>
+          <a:ext cx="0" cy="0"/>
+          <a:chOff x="0" y="0"/>
+          <a:chExt cx="0" cy="0"/>
+        </a:xfrm>
+      </p:grpSpPr>
+      <p:sp>
+        <p:nvSpPr>
+          <p:cNvPr id="78" name="Google Shape;78;p15"/>
+          <p:cNvSpPr txBox="1"/>
+          <p:nvPr>
+            <p:ph type="title"/>
+          </p:nvPr>
+        </p:nvSpPr>
+        <p:spPr>
+          <a:xfrm>
+            <a:off x="311700" y="445025"/>
+            <a:ext cx="8520600" cy="707400"/>
+          </a:xfrm>
+          <a:prstGeom prst="rect">
+            <a:avLst/>
+          </a:prstGeom>
+        </p:spPr>
+        <p:txBody>
+          <a:bodyPr anchorCtr="0" anchor="t" bIns="91425" lIns="91425" spcFirstLastPara="1" rIns="91425" wrap="square" tIns="91425">
+            <a:normAutofit fontScale="90000"/>
+          </a:bodyPr>
+          <a:lstStyle/>
+          <a:p>
+            <a:pPr indent="0" lvl="0" marL="0" rtl="0" algn="l">
+              <a:spcBef>
+                <a:spcPts val="0"/>
+              </a:spcBef>
+              <a:spcAft>
+                <a:spcPts val="0"/>
+              </a:spcAft>
+              <a:buNone/>
+            </a:pPr>
+            <a:r>
+              <a:rPr lang="es-419"/>
+              <a:t>Propuesta</a:t>
+            </a:r>
+            <a:endParaRPr/>
+          </a:p>
+        </p:txBody>
+      </p:sp>
+      <p:sp>
+        <p:nvSpPr>
+          <p:cNvPr id="79" name="Google Shape;79;p15"/>
+          <p:cNvSpPr txBox="1"/>
+          <p:nvPr>
+            <p:ph idx="1" type="body"/>
+          </p:nvPr>
+        </p:nvSpPr>
+        <p:spPr>
+          <a:xfrm>
+            <a:off x="311700" y="1266325"/>
+            <a:ext cx="8520600" cy="3302700"/>
+          </a:xfrm>
+          <a:prstGeom prst="rect">
+            <a:avLst/>
+          </a:prstGeom>
+        </p:spPr>
+        <p:txBody>
+          <a:bodyPr anchorCtr="0" anchor="t" bIns="91425" lIns="91425" spcFirstLastPara="1" rIns="91425" wrap="square" tIns="91425">
+            <a:normAutofit/>
+          </a:bodyPr>
+          <a:lstStyle/>
+          <a:p>
+            <a:pPr indent="0" lvl="0" marL="0" rtl="0" algn="just">
+              <a:spcBef>
+                <a:spcPts val="0"/>
+              </a:spcBef>
+              <a:spcAft>
+                <a:spcPts val="1200"/>
+              </a:spcAft>
+              <a:buNone/>
+            </a:pPr>
+            <a:r>
+              <a:rPr lang="es-419"/>
+              <a:t>Crear un sistema de riego que detecte cuándo es necesario regar según la humedad del suelo, utilizando sensores que </a:t>
+            </a:r>
+            <a:r>
+              <a:rPr lang="es-419"/>
+              <a:t>recojan</a:t>
+            </a:r>
+            <a:r>
+              <a:rPr lang="es-419"/>
+              <a:t> y </a:t>
+            </a:r>
+            <a:r>
+              <a:rPr lang="es-419"/>
+              <a:t>envíen</a:t>
+            </a:r>
+            <a:r>
+              <a:rPr lang="es-419"/>
+              <a:t> esta información, y activen actuadores que enciendan el sistema.</a:t>
+            </a:r>
+            <a:endParaRPr/>
+          </a:p>
+        </p:txBody>
+      </p:sp>
+      <p:pic>
+        <p:nvPicPr>
+          <p:cNvPr id="80" name="Google Shape;80;p15"/>
+          <p:cNvPicPr preferRelativeResize="0"/>
+          <p:nvPr/>
+        </p:nvPicPr>
+        <p:blipFill>
+          <a:blip r:embed="rId3">
+            <a:alphaModFix/>
+          </a:blip>
+          <a:stretch>
+            <a:fillRect/>
+          </a:stretch>
+        </p:blipFill>
+        <p:spPr>
+          <a:xfrm>
+            <a:off x="1131075" y="2963525"/>
+            <a:ext cx="1911950" cy="1911950"/>
+          </a:xfrm>
+          <a:prstGeom prst="rect">
+            <a:avLst/>
+          </a:prstGeom>
+          <a:noFill/>
+          <a:ln>
+            <a:noFill/>
+          </a:ln>
+        </p:spPr>
+      </p:pic>
+      <p:pic>
+        <p:nvPicPr>
+          <p:cNvPr id="81" name="Google Shape;81;p15"/>
+          <p:cNvPicPr preferRelativeResize="0"/>
+          <p:nvPr/>
+        </p:nvPicPr>
+        <p:blipFill>
+          <a:blip r:embed="rId4">
+            <a:alphaModFix/>
+          </a:blip>
+          <a:stretch>
+            <a:fillRect/>
+          </a:stretch>
+        </p:blipFill>
+        <p:spPr>
+          <a:xfrm>
+            <a:off x="5599950" y="2908987"/>
+            <a:ext cx="2021025" cy="2021025"/>
+          </a:xfrm>
+          <a:prstGeom prst="rect">
+            <a:avLst/>
+          </a:prstGeom>
+          <a:noFill/>
+          <a:ln>
+            <a:noFill/>
+          </a:ln>
+        </p:spPr>
+      </p:pic>
+    </p:spTree>
+  </p:cSld>
+  <p:clrMapOvr>
+    <a:masterClrMapping/>
+  </p:clrMapOvr>
+</p:sld>
+</file>
+
+<file path=ppt/slides/slide4.xml><?xml version="1.0" encoding="utf-8"?>
+<p:sld xmlns:a="http://schemas.openxmlformats.org/drawingml/2006/main" xmlns:r="http://schemas.openxmlformats.org/officeDocument/2006/relationships" xmlns:mc="http://schemas.openxmlformats.org/markup-compatibility/2006" xmlns:mv="urn:schemas-microsoft-com:mac:vml" xmlns:p="http://schemas.openxmlformats.org/presentationml/2006/main" xmlns:c="http://schemas.openxmlformats.org/drawingml/2006/chart" xmlns:dgm="http://schemas.openxmlformats.org/drawingml/2006/diagram" xmlns:o="urn:schemas-microsoft-com:office:office" xmlns:v="urn:schemas-microsoft-com:vml" xmlns:pvml="urn:schemas-microsoft-com:office:powerpoint" xmlns:com="http://schemas.openxmlformats.org/drawingml/2006/compatibility" xmlns:p14="http://schemas.microsoft.com/office/powerpoint/2010/main" xmlns:p15="http://schemas.microsoft.com/office/powerpoint/2012/main" xmlns:ahyp="http://schemas.microsoft.com/office/drawing/2018/hyperlinkcolor">
+  <p:cSld>
+    <p:spTree>
+      <p:nvGrpSpPr>
+        <p:cNvPr id="85" name="Shape 85"/>
+        <p:cNvGrpSpPr/>
+        <p:nvPr/>
+      </p:nvGrpSpPr>
+      <p:grpSpPr>
+        <a:xfrm>
+          <a:off x="0" y="0"/>
+          <a:ext cx="0" cy="0"/>
+          <a:chOff x="0" y="0"/>
+          <a:chExt cx="0" cy="0"/>
+        </a:xfrm>
+      </p:grpSpPr>
+      <p:sp>
+        <p:nvSpPr>
+          <p:cNvPr id="86" name="Google Shape;86;p16"/>
+          <p:cNvSpPr txBox="1"/>
+          <p:nvPr>
+            <p:ph type="title"/>
+          </p:nvPr>
+        </p:nvSpPr>
+        <p:spPr>
+          <a:xfrm>
+            <a:off x="311700" y="445025"/>
+            <a:ext cx="8520600" cy="707400"/>
+          </a:xfrm>
+          <a:prstGeom prst="rect">
+            <a:avLst/>
+          </a:prstGeom>
+        </p:spPr>
+        <p:txBody>
+          <a:bodyPr anchorCtr="0" anchor="t" bIns="91425" lIns="91425" spcFirstLastPara="1" rIns="91425" wrap="square" tIns="91425">
+            <a:normAutofit fontScale="90000"/>
+          </a:bodyPr>
+          <a:lstStyle/>
+          <a:p>
+            <a:pPr indent="0" lvl="0" marL="0" rtl="0" algn="l">
+              <a:spcBef>
+                <a:spcPts val="0"/>
+              </a:spcBef>
+              <a:spcAft>
+                <a:spcPts val="0"/>
+              </a:spcAft>
+              <a:buNone/>
+            </a:pPr>
+            <a:r>
+              <a:rPr lang="es-419"/>
+              <a:t>¿Cómo </a:t>
+            </a:r>
+            <a:r>
+              <a:rPr lang="es-419"/>
+              <a:t>funciona</a:t>
+            </a:r>
+            <a:r>
+              <a:rPr lang="es-419"/>
+              <a:t>? (Conexión)</a:t>
+            </a:r>
+            <a:endParaRPr/>
+          </a:p>
+        </p:txBody>
+      </p:sp>
+      <p:sp>
+        <p:nvSpPr>
+          <p:cNvPr id="87" name="Google Shape;87;p16"/>
+          <p:cNvSpPr txBox="1"/>
+          <p:nvPr>
+            <p:ph idx="1" type="body"/>
+          </p:nvPr>
+        </p:nvSpPr>
+        <p:spPr>
+          <a:xfrm>
+            <a:off x="311700" y="1223875"/>
+            <a:ext cx="8520600" cy="3302700"/>
+          </a:xfrm>
+          <a:prstGeom prst="rect">
+            <a:avLst/>
+          </a:prstGeom>
+        </p:spPr>
+        <p:txBody>
+          <a:bodyPr anchorCtr="0" anchor="t" bIns="91425" lIns="91425" spcFirstLastPara="1" rIns="91425" wrap="square" tIns="91425">
+            <a:normAutofit/>
+          </a:bodyPr>
+          <a:lstStyle/>
+          <a:p>
+            <a:pPr indent="0" lvl="0" marL="0" rtl="0" algn="just">
+              <a:spcBef>
+                <a:spcPts val="0"/>
+              </a:spcBef>
+              <a:spcAft>
+                <a:spcPts val="1200"/>
+              </a:spcAft>
+              <a:buNone/>
+            </a:pPr>
+            <a:r>
+              <a:rPr lang="es-419"/>
+              <a:t>Se colocarán sensores de humedad a una distancia óptima que pueda recoger todos los datos del suelo, dichos sensores serán conectados a un microprocesador (si se tiene en casa y es pequeño puede ser un arduino, si es algo masivo se puede usar algo más potente) que mandará la información hacia la red.</a:t>
+            </a:r>
+            <a:endParaRPr/>
+          </a:p>
+        </p:txBody>
+      </p:sp>
+      <p:pic>
+        <p:nvPicPr>
+          <p:cNvPr id="88" name="Google Shape;88;p16"/>
+          <p:cNvPicPr preferRelativeResize="0"/>
+          <p:nvPr/>
+        </p:nvPicPr>
+        <p:blipFill>
+          <a:blip r:embed="rId3">
+            <a:alphaModFix/>
+          </a:blip>
+          <a:stretch>
+            <a:fillRect/>
+          </a:stretch>
+        </p:blipFill>
+        <p:spPr>
+          <a:xfrm>
+            <a:off x="2367898" y="2877298"/>
+            <a:ext cx="2164275" cy="1440225"/>
+          </a:xfrm>
+          <a:prstGeom prst="rect">
+            <a:avLst/>
+          </a:prstGeom>
+          <a:noFill/>
+          <a:ln>
+            <a:noFill/>
+          </a:ln>
+        </p:spPr>
+      </p:pic>
+      <p:pic>
+        <p:nvPicPr>
+          <p:cNvPr id="89" name="Google Shape;89;p16"/>
+          <p:cNvPicPr preferRelativeResize="0"/>
+          <p:nvPr/>
+        </p:nvPicPr>
+        <p:blipFill>
+          <a:blip r:embed="rId4">
+            <a:alphaModFix/>
+          </a:blip>
+          <a:stretch>
+            <a:fillRect/>
+          </a:stretch>
+        </p:blipFill>
+        <p:spPr>
+          <a:xfrm>
+            <a:off x="6176149" y="3019374"/>
+            <a:ext cx="1156075" cy="1156075"/>
+          </a:xfrm>
+          <a:prstGeom prst="rect">
+            <a:avLst/>
+          </a:prstGeom>
+          <a:noFill/>
+          <a:ln>
+            <a:noFill/>
+          </a:ln>
+        </p:spPr>
+      </p:pic>
+      <p:sp>
+        <p:nvSpPr>
+          <p:cNvPr id="90" name="Google Shape;90;p16"/>
+          <p:cNvSpPr txBox="1"/>
+          <p:nvPr/>
+        </p:nvSpPr>
+        <p:spPr>
+          <a:xfrm>
+            <a:off x="2461388" y="4396600"/>
+            <a:ext cx="1977300" cy="354000"/>
+          </a:xfrm>
+          <a:prstGeom prst="rect">
+            <a:avLst/>
+          </a:prstGeom>
+          <a:noFill/>
+          <a:ln>
+            <a:noFill/>
+          </a:ln>
+        </p:spPr>
+        <p:txBody>
+          <a:bodyPr anchorCtr="0" anchor="t" bIns="91425" lIns="91425" spcFirstLastPara="1" rIns="91425" wrap="square" tIns="91425">
+            <a:spAutoFit/>
+          </a:bodyPr>
+          <a:lstStyle/>
+          <a:p>
+            <a:pPr indent="0" lvl="0" marL="0" rtl="0" algn="ctr">
+              <a:spcBef>
+                <a:spcPts val="0"/>
+              </a:spcBef>
+              <a:spcAft>
+                <a:spcPts val="0"/>
+              </a:spcAft>
+              <a:buNone/>
+            </a:pPr>
+            <a:r>
+              <a:rPr b="1" lang="es-419" sz="1100">
+                <a:latin typeface="Lato"/>
+                <a:ea typeface="Lato"/>
+                <a:cs typeface="Lato"/>
+                <a:sym typeface="Lato"/>
+              </a:rPr>
+              <a:t>Arduino UNO</a:t>
+            </a:r>
+            <a:endParaRPr b="1" sz="1100">
+              <a:latin typeface="Lato"/>
+              <a:ea typeface="Lato"/>
+              <a:cs typeface="Lato"/>
+              <a:sym typeface="Lato"/>
+            </a:endParaRPr>
+          </a:p>
+        </p:txBody>
+      </p:sp>
+      <p:sp>
+        <p:nvSpPr>
+          <p:cNvPr id="91" name="Google Shape;91;p16"/>
+          <p:cNvSpPr txBox="1"/>
+          <p:nvPr/>
+        </p:nvSpPr>
+        <p:spPr>
+          <a:xfrm>
+            <a:off x="5765525" y="4317525"/>
+            <a:ext cx="1977300" cy="354000"/>
+          </a:xfrm>
+          <a:prstGeom prst="rect">
+            <a:avLst/>
+          </a:prstGeom>
+          <a:noFill/>
+          <a:ln>
+            <a:noFill/>
+          </a:ln>
+        </p:spPr>
+        <p:txBody>
+          <a:bodyPr anchorCtr="0" anchor="t" bIns="91425" lIns="91425" spcFirstLastPara="1" rIns="91425" wrap="square" tIns="91425">
+            <a:spAutoFit/>
+          </a:bodyPr>
+          <a:lstStyle/>
+          <a:p>
+            <a:pPr indent="0" lvl="0" marL="0" rtl="0" algn="ctr">
+              <a:spcBef>
+                <a:spcPts val="0"/>
+              </a:spcBef>
+              <a:spcAft>
+                <a:spcPts val="0"/>
+              </a:spcAft>
+              <a:buNone/>
+            </a:pPr>
+            <a:r>
+              <a:rPr b="1" lang="es-419" sz="1100">
+                <a:latin typeface="Lato"/>
+                <a:ea typeface="Lato"/>
+                <a:cs typeface="Lato"/>
+                <a:sym typeface="Lato"/>
+              </a:rPr>
+              <a:t>Sensor humedad</a:t>
+            </a:r>
+            <a:endParaRPr b="1" sz="1100">
+              <a:latin typeface="Lato"/>
+              <a:ea typeface="Lato"/>
+              <a:cs typeface="Lato"/>
+              <a:sym typeface="Lato"/>
+            </a:endParaRPr>
+          </a:p>
+        </p:txBody>
+      </p:sp>
+    </p:spTree>
+  </p:cSld>
+  <p:clrMapOvr>
+    <a:masterClrMapping/>
+  </p:clrMapOvr>
+</p:sld>
+</file>
+
+<file path=ppt/slides/slide5.xml><?xml version="1.0" encoding="utf-8"?>
+<p:sld xmlns:a="http://schemas.openxmlformats.org/drawingml/2006/main" xmlns:r="http://schemas.openxmlformats.org/officeDocument/2006/relationships" xmlns:mc="http://schemas.openxmlformats.org/markup-compatibility/2006" xmlns:mv="urn:schemas-microsoft-com:mac:vml" xmlns:p="http://schemas.openxmlformats.org/presentationml/2006/main" xmlns:c="http://schemas.openxmlformats.org/drawingml/2006/chart" xmlns:dgm="http://schemas.openxmlformats.org/drawingml/2006/diagram" xmlns:o="urn:schemas-microsoft-com:office:office" xmlns:v="urn:schemas-microsoft-com:vml" xmlns:pvml="urn:schemas-microsoft-com:office:powerpoint" xmlns:com="http://schemas.openxmlformats.org/drawingml/2006/compatibility" xmlns:p14="http://schemas.microsoft.com/office/powerpoint/2010/main" xmlns:p15="http://schemas.microsoft.com/office/powerpoint/2012/main" xmlns:ahyp="http://schemas.microsoft.com/office/drawing/2018/hyperlinkcolor">
+  <p:cSld>
+    <p:spTree>
+      <p:nvGrpSpPr>
+        <p:cNvPr id="95" name="Shape 95"/>
+        <p:cNvGrpSpPr/>
+        <p:nvPr/>
+      </p:nvGrpSpPr>
+      <p:grpSpPr>
+        <a:xfrm>
+          <a:off x="0" y="0"/>
+          <a:ext cx="0" cy="0"/>
+          <a:chOff x="0" y="0"/>
+          <a:chExt cx="0" cy="0"/>
+        </a:xfrm>
+      </p:grpSpPr>
+      <p:sp>
+        <p:nvSpPr>
+          <p:cNvPr id="96" name="Google Shape;96;p17"/>
+          <p:cNvSpPr txBox="1"/>
+          <p:nvPr>
+            <p:ph type="title"/>
+          </p:nvPr>
+        </p:nvSpPr>
+        <p:spPr>
+          <a:xfrm>
+            <a:off x="311700" y="445025"/>
+            <a:ext cx="8520600" cy="707400"/>
+          </a:xfrm>
+          <a:prstGeom prst="rect">
+            <a:avLst/>
+          </a:prstGeom>
+        </p:spPr>
+        <p:txBody>
+          <a:bodyPr anchorCtr="0" anchor="t" bIns="91425" lIns="91425" spcFirstLastPara="1" rIns="91425" wrap="square" tIns="91425">
+            <a:normAutofit fontScale="90000"/>
+          </a:bodyPr>
+          <a:lstStyle/>
+          <a:p>
+            <a:pPr indent="0" lvl="0" marL="0" rtl="0" algn="l">
+              <a:spcBef>
+                <a:spcPts val="0"/>
+              </a:spcBef>
+              <a:spcAft>
+                <a:spcPts val="0"/>
+              </a:spcAft>
+              <a:buNone/>
+            </a:pPr>
+            <a:r>
+              <a:rPr lang="es-419"/>
+              <a:t>¿Cómo funciona? (Activación)</a:t>
+            </a:r>
+            <a:endParaRPr/>
+          </a:p>
+        </p:txBody>
+      </p:sp>
+      <p:sp>
+        <p:nvSpPr>
+          <p:cNvPr id="97" name="Google Shape;97;p17"/>
+          <p:cNvSpPr txBox="1"/>
+          <p:nvPr>
+            <p:ph idx="1" type="body"/>
+          </p:nvPr>
+        </p:nvSpPr>
+        <p:spPr>
+          <a:xfrm>
+            <a:off x="311700" y="1266325"/>
+            <a:ext cx="8520600" cy="3302700"/>
+          </a:xfrm>
+          <a:prstGeom prst="rect">
+            <a:avLst/>
+          </a:prstGeom>
+        </p:spPr>
+        <p:txBody>
+          <a:bodyPr anchorCtr="0" anchor="t" bIns="91425" lIns="91425" spcFirstLastPara="1" rIns="91425" wrap="square" tIns="91425">
+            <a:normAutofit/>
+          </a:bodyPr>
+          <a:lstStyle/>
+          <a:p>
+            <a:pPr indent="0" lvl="0" marL="0" rtl="0" algn="just">
+              <a:spcBef>
+                <a:spcPts val="0"/>
+              </a:spcBef>
+              <a:spcAft>
+                <a:spcPts val="1200"/>
+              </a:spcAft>
+              <a:buNone/>
+            </a:pPr>
+            <a:r>
+              <a:rPr lang="es-419"/>
+              <a:t>Teniendo los datos en la red y la configuración del programa en el microprocesador, se tomará la decisión de activar el sistema de riego a través de los aspersores por un tiempo determinado (el requerido) y de nueva cuenta se estará tomando la lectura de la humedad hasta que el sistema necesite ser usado de nuevo.</a:t>
+            </a:r>
+            <a:endParaRPr/>
+          </a:p>
+        </p:txBody>
+      </p:sp>
+    </p:spTree>
+  </p:cSld>
+  <p:clrMapOvr>
+    <a:masterClrMapping/>
+  </p:clrMapOvr>
+</p:sld>
+</file>
+
+<file path=ppt/slides/slide6.xml><?xml version="1.0" encoding="utf-8"?>
+<p:sld xmlns:a="http://schemas.openxmlformats.org/drawingml/2006/main" xmlns:r="http://schemas.openxmlformats.org/officeDocument/2006/relationships" xmlns:mc="http://schemas.openxmlformats.org/markup-compatibility/2006" xmlns:mv="urn:schemas-microsoft-com:mac:vml" xmlns:p="http://schemas.openxmlformats.org/presentationml/2006/main" xmlns:c="http://schemas.openxmlformats.org/drawingml/2006/chart" xmlns:dgm="http://schemas.openxmlformats.org/drawingml/2006/diagram" xmlns:o="urn:schemas-microsoft-com:office:office" xmlns:v="urn:schemas-microsoft-com:vml" xmlns:pvml="urn:schemas-microsoft-com:office:powerpoint" xmlns:com="http://schemas.openxmlformats.org/drawingml/2006/compatibility" xmlns:p14="http://schemas.microsoft.com/office/powerpoint/2010/main" xmlns:p15="http://schemas.microsoft.com/office/powerpoint/2012/main" xmlns:ahyp="http://schemas.microsoft.com/office/drawing/2018/hyperlinkcolor">
+  <p:cSld>
+    <p:spTree>
+      <p:nvGrpSpPr>
+        <p:cNvPr id="101" name="Shape 101"/>
+        <p:cNvGrpSpPr/>
+        <p:nvPr/>
+      </p:nvGrpSpPr>
+      <p:grpSpPr>
+        <a:xfrm>
+          <a:off x="0" y="0"/>
+          <a:ext cx="0" cy="0"/>
+          <a:chOff x="0" y="0"/>
+          <a:chExt cx="0" cy="0"/>
+        </a:xfrm>
+      </p:grpSpPr>
+      <p:sp>
+        <p:nvSpPr>
+          <p:cNvPr id="102" name="Google Shape;102;p18"/>
+          <p:cNvSpPr txBox="1"/>
+          <p:nvPr>
+            <p:ph type="title"/>
+          </p:nvPr>
+        </p:nvSpPr>
+        <p:spPr>
+          <a:xfrm>
+            <a:off x="311700" y="445025"/>
+            <a:ext cx="8520600" cy="707400"/>
+          </a:xfrm>
+          <a:prstGeom prst="rect">
+            <a:avLst/>
+          </a:prstGeom>
+        </p:spPr>
+        <p:txBody>
+          <a:bodyPr anchorCtr="0" anchor="t" bIns="91425" lIns="91425" spcFirstLastPara="1" rIns="91425" wrap="square" tIns="91425">
+            <a:normAutofit fontScale="90000"/>
+          </a:bodyPr>
+          <a:lstStyle/>
+          <a:p>
+            <a:pPr indent="0" lvl="0" marL="0" rtl="0" algn="l">
               <a:spcBef>
                 <a:spcPts val="0"/>
               </a:spcBef>
@@ -5786,12 +7724,10 @@
       </p:sp>
       <p:sp>
         <p:nvSpPr>
-          <p:cNvPr id="93" name="Google Shape;93;p17"/>
-          <p:cNvSpPr txBox="1">
-            <a:spLocks noGrp="1"/>
-          </p:cNvSpPr>
+          <p:cNvPr id="103" name="Google Shape;103;p18"/>
+          <p:cNvSpPr txBox="1"/>
           <p:nvPr>
-            <p:ph type="body" idx="1"/>
+            <p:ph idx="1" type="body"/>
           </p:nvPr>
         </p:nvSpPr>
         <p:spPr>
@@ -5804,12 +7740,12 @@
           </a:prstGeom>
         </p:spPr>
         <p:txBody>
-          <a:bodyPr spcFirstLastPara="1" wrap="square" lIns="91425" tIns="91425" rIns="91425" bIns="91425" anchor="t" anchorCtr="0">
+          <a:bodyPr anchorCtr="0" anchor="t" bIns="91425" lIns="91425" spcFirstLastPara="1" rIns="91425" wrap="square" tIns="91425">
             <a:normAutofit lnSpcReduction="10000"/>
           </a:bodyPr>
           <a:lstStyle/>
           <a:p>
-            <a:pPr marL="0" lvl="0" indent="0" algn="just" rtl="0">
+            <a:pPr indent="0" lvl="0" marL="0" rtl="0" algn="just">
               <a:spcBef>
                 <a:spcPts val="0"/>
               </a:spcBef>
@@ -5825,7 +7761,7 @@
             <a:endParaRPr/>
           </a:p>
           <a:p>
-            <a:pPr marL="0" lvl="0" indent="0" algn="just" rtl="0">
+            <a:pPr indent="0" lvl="0" marL="0" rtl="0" algn="just">
               <a:spcBef>
                 <a:spcPts val="1200"/>
               </a:spcBef>
@@ -5850,8 +7786,461 @@
 </p:sld>
 </file>
 
+<file path=ppt/slides/slide7.xml><?xml version="1.0" encoding="utf-8"?>
+<p:sld xmlns:a="http://schemas.openxmlformats.org/drawingml/2006/main" xmlns:r="http://schemas.openxmlformats.org/officeDocument/2006/relationships" xmlns:mc="http://schemas.openxmlformats.org/markup-compatibility/2006" xmlns:mv="urn:schemas-microsoft-com:mac:vml" xmlns:p="http://schemas.openxmlformats.org/presentationml/2006/main" xmlns:c="http://schemas.openxmlformats.org/drawingml/2006/chart" xmlns:dgm="http://schemas.openxmlformats.org/drawingml/2006/diagram" xmlns:o="urn:schemas-microsoft-com:office:office" xmlns:v="urn:schemas-microsoft-com:vml" xmlns:pvml="urn:schemas-microsoft-com:office:powerpoint" xmlns:com="http://schemas.openxmlformats.org/drawingml/2006/compatibility" xmlns:p14="http://schemas.microsoft.com/office/powerpoint/2010/main" xmlns:p15="http://schemas.microsoft.com/office/powerpoint/2012/main" xmlns:ahyp="http://schemas.microsoft.com/office/drawing/2018/hyperlinkcolor">
+  <p:cSld>
+    <p:spTree>
+      <p:nvGrpSpPr>
+        <p:cNvPr id="107" name="Shape 107"/>
+        <p:cNvGrpSpPr/>
+        <p:nvPr/>
+      </p:nvGrpSpPr>
+      <p:grpSpPr>
+        <a:xfrm>
+          <a:off x="0" y="0"/>
+          <a:ext cx="0" cy="0"/>
+          <a:chOff x="0" y="0"/>
+          <a:chExt cx="0" cy="0"/>
+        </a:xfrm>
+      </p:grpSpPr>
+      <p:sp>
+        <p:nvSpPr>
+          <p:cNvPr id="108" name="Google Shape;108;p19"/>
+          <p:cNvSpPr txBox="1"/>
+          <p:nvPr>
+            <p:ph type="title"/>
+          </p:nvPr>
+        </p:nvSpPr>
+        <p:spPr>
+          <a:xfrm>
+            <a:off x="311700" y="445025"/>
+            <a:ext cx="8520600" cy="707400"/>
+          </a:xfrm>
+          <a:prstGeom prst="rect">
+            <a:avLst/>
+          </a:prstGeom>
+        </p:spPr>
+        <p:txBody>
+          <a:bodyPr anchorCtr="0" anchor="t" bIns="91425" lIns="91425" spcFirstLastPara="1" rIns="91425" wrap="square" tIns="91425">
+            <a:normAutofit fontScale="90000"/>
+          </a:bodyPr>
+          <a:lstStyle/>
+          <a:p>
+            <a:pPr indent="0" lvl="0" marL="0" rtl="0" algn="l">
+              <a:spcBef>
+                <a:spcPts val="0"/>
+              </a:spcBef>
+              <a:spcAft>
+                <a:spcPts val="0"/>
+              </a:spcAft>
+              <a:buNone/>
+            </a:pPr>
+            <a:r>
+              <a:rPr lang="es-419"/>
+              <a:t>Conclusiones</a:t>
+            </a:r>
+            <a:endParaRPr/>
+          </a:p>
+        </p:txBody>
+      </p:sp>
+      <p:sp>
+        <p:nvSpPr>
+          <p:cNvPr id="109" name="Google Shape;109;p19"/>
+          <p:cNvSpPr txBox="1"/>
+          <p:nvPr>
+            <p:ph idx="1" type="body"/>
+          </p:nvPr>
+        </p:nvSpPr>
+        <p:spPr>
+          <a:xfrm>
+            <a:off x="311700" y="1266325"/>
+            <a:ext cx="8520600" cy="2944800"/>
+          </a:xfrm>
+          <a:prstGeom prst="rect">
+            <a:avLst/>
+          </a:prstGeom>
+        </p:spPr>
+        <p:txBody>
+          <a:bodyPr anchorCtr="0" anchor="t" bIns="91425" lIns="91425" spcFirstLastPara="1" rIns="91425" wrap="square" tIns="91425">
+            <a:normAutofit lnSpcReduction="10000"/>
+          </a:bodyPr>
+          <a:lstStyle/>
+          <a:p>
+            <a:pPr indent="0" lvl="0" marL="0" rtl="0" algn="ctr">
+              <a:spcBef>
+                <a:spcPts val="0"/>
+              </a:spcBef>
+              <a:spcAft>
+                <a:spcPts val="0"/>
+              </a:spcAft>
+              <a:buNone/>
+            </a:pPr>
+            <a:r>
+              <a:rPr lang="es-419"/>
+              <a:t>El desperdicio de agua tanto al nivel consumidor como al nivel de las grandes empresas representa cada vez más una de las mayores problemáticas medioambientales. La única forma de combatir el desabasto es aprovechar el recurso al máximo, evitar cualquier desperdicio y limitarse a utilizar sólo aquello estrictamente necesario. A través del Internet of Things podemos lograr la optimización de este recurso al proteger las zonas agrícolas sin descuidar sus necesidades mientras simultáneamente se evita el desperdicio del agua. </a:t>
+            </a:r>
+            <a:endParaRPr/>
+          </a:p>
+          <a:p>
+            <a:pPr indent="0" lvl="0" marL="0" rtl="0" algn="l">
+              <a:spcBef>
+                <a:spcPts val="1200"/>
+              </a:spcBef>
+              <a:spcAft>
+                <a:spcPts val="1200"/>
+              </a:spcAft>
+              <a:buNone/>
+            </a:pPr>
+            <a:r>
+              <a:t/>
+            </a:r>
+            <a:endParaRPr/>
+          </a:p>
+        </p:txBody>
+      </p:sp>
+      <p:pic>
+        <p:nvPicPr>
+          <p:cNvPr id="110" name="Google Shape;110;p19"/>
+          <p:cNvPicPr preferRelativeResize="0"/>
+          <p:nvPr/>
+        </p:nvPicPr>
+        <p:blipFill rotWithShape="1">
+          <a:blip r:embed="rId3">
+            <a:alphaModFix/>
+          </a:blip>
+          <a:srcRect b="18133" l="20485" r="19616" t="7027"/>
+          <a:stretch/>
+        </p:blipFill>
+        <p:spPr>
+          <a:xfrm rot="-476243">
+            <a:off x="2785250" y="3481125"/>
+            <a:ext cx="1073275" cy="1446575"/>
+          </a:xfrm>
+          <a:prstGeom prst="rect">
+            <a:avLst/>
+          </a:prstGeom>
+          <a:noFill/>
+          <a:ln>
+            <a:noFill/>
+          </a:ln>
+        </p:spPr>
+      </p:pic>
+      <p:pic>
+        <p:nvPicPr>
+          <p:cNvPr id="111" name="Google Shape;111;p19"/>
+          <p:cNvPicPr preferRelativeResize="0"/>
+          <p:nvPr/>
+        </p:nvPicPr>
+        <p:blipFill rotWithShape="1">
+          <a:blip r:embed="rId4">
+            <a:alphaModFix/>
+          </a:blip>
+          <a:srcRect b="0" l="3235" r="3245" t="0"/>
+          <a:stretch/>
+        </p:blipFill>
+        <p:spPr>
+          <a:xfrm rot="563284">
+            <a:off x="4044228" y="3692220"/>
+            <a:ext cx="1193245" cy="1213462"/>
+          </a:xfrm>
+          <a:prstGeom prst="rect">
+            <a:avLst/>
+          </a:prstGeom>
+          <a:noFill/>
+          <a:ln>
+            <a:noFill/>
+          </a:ln>
+        </p:spPr>
+      </p:pic>
+    </p:spTree>
+  </p:cSld>
+  <p:clrMapOvr>
+    <a:masterClrMapping/>
+  </p:clrMapOvr>
+</p:sld>
+</file>
+
 <file path=ppt/theme/theme1.xml><?xml version="1.0" encoding="utf-8"?>
-<a:theme xmlns:a="http://schemas.openxmlformats.org/drawingml/2006/main" name="Tropic">
+<a:theme xmlns:a="http://schemas.openxmlformats.org/drawingml/2006/main" xmlns:r="http://schemas.openxmlformats.org/officeDocument/2006/relationships">
+  <a:themeElements>
+    <a:clrScheme name="Default">
+      <a:dk1>
+        <a:srgbClr val="000000"/>
+      </a:dk1>
+      <a:lt1>
+        <a:srgbClr val="FFFFFF"/>
+      </a:lt1>
+      <a:dk2>
+        <a:srgbClr val="158158"/>
+      </a:dk2>
+      <a:lt2>
+        <a:srgbClr val="F3F3F3"/>
+      </a:lt2>
+      <a:accent1>
+        <a:srgbClr val="058DC7"/>
+      </a:accent1>
+      <a:accent2>
+        <a:srgbClr val="50B432"/>
+      </a:accent2>
+      <a:accent3>
+        <a:srgbClr val="ED561B"/>
+      </a:accent3>
+      <a:accent4>
+        <a:srgbClr val="EDEF00"/>
+      </a:accent4>
+      <a:accent5>
+        <a:srgbClr val="24CBE5"/>
+      </a:accent5>
+      <a:accent6>
+        <a:srgbClr val="64E572"/>
+      </a:accent6>
+      <a:hlink>
+        <a:srgbClr val="2200CC"/>
+      </a:hlink>
+      <a:folHlink>
+        <a:srgbClr val="551A8B"/>
+      </a:folHlink>
+    </a:clrScheme>
+    <a:fontScheme name="Office">
+      <a:majorFont>
+        <a:latin typeface="Arial"/>
+        <a:ea typeface=""/>
+        <a:cs typeface=""/>
+        <a:font script="Jpan" typeface="ＭＳ Ｐゴシック"/>
+        <a:font script="Hang" typeface="맑은 고딕"/>
+        <a:font script="Hans" typeface="宋体"/>
+        <a:font script="Hant" typeface="新細明體"/>
+        <a:font script="Arab" typeface="Times New Roman"/>
+        <a:font script="Hebr" typeface="Times New Roman"/>
+        <a:font script="Thai" typeface="Angsana New"/>
+        <a:font script="Ethi" typeface="Nyala"/>
+        <a:font script="Beng" typeface="Vrinda"/>
+        <a:font script="Gujr" typeface="Shruti"/>
+        <a:font script="Khmr" typeface="MoolBoran"/>
+        <a:font script="Knda" typeface="Tunga"/>
+        <a:font script="Guru" typeface="Raavi"/>
+        <a:font script="Cans" typeface="Euphemia"/>
+        <a:font script="Cher" typeface="Plantagenet Cherokee"/>
+        <a:font script="Yiii" typeface="Microsoft Yi Baiti"/>
+        <a:font script="Tibt" typeface="Microsoft Himalaya"/>
+        <a:font script="Thaa" typeface="MV Boli"/>
+        <a:font script="Deva" typeface="Mangal"/>
+        <a:font script="Telu" typeface="Gautami"/>
+        <a:font script="Taml" typeface="Latha"/>
+        <a:font script="Syrc" typeface="Estrangelo Edessa"/>
+        <a:font script="Orya" typeface="Kalinga"/>
+        <a:font script="Mlym" typeface="Kartika"/>
+        <a:font script="Laoo" typeface="DokChampa"/>
+        <a:font script="Sinh" typeface="Iskoola Pota"/>
+        <a:font script="Mong" typeface="Mongolian Baiti"/>
+        <a:font script="Viet" typeface="Times New Roman"/>
+        <a:font script="Uigh" typeface="Microsoft Uighur"/>
+        <a:font script="Geor" typeface="Sylfaen"/>
+      </a:majorFont>
+      <a:minorFont>
+        <a:latin typeface="Arial"/>
+        <a:ea typeface=""/>
+        <a:cs typeface=""/>
+        <a:font script="Jpan" typeface="ＭＳ Ｐゴシック"/>
+        <a:font script="Hang" typeface="맑은 고딕"/>
+        <a:font script="Hans" typeface="宋体"/>
+        <a:font script="Hant" typeface="新細明體"/>
+        <a:font script="Arab" typeface="Arial"/>
+        <a:font script="Hebr" typeface="Arial"/>
+        <a:font script="Thai" typeface="Cordia New"/>
+        <a:font script="Ethi" typeface="Nyala"/>
+        <a:font script="Beng" typeface="Vrinda"/>
+        <a:font script="Gujr" typeface="Shruti"/>
+        <a:font script="Khmr" typeface="DaunPenh"/>
+        <a:font script="Knda" typeface="Tunga"/>
+        <a:font script="Guru" typeface="Raavi"/>
+        <a:font script="Cans" typeface="Euphemia"/>
+        <a:font script="Cher" typeface="Plantagenet Cherokee"/>
+        <a:font script="Yiii" typeface="Microsoft Yi Baiti"/>
+        <a:font script="Tibt" typeface="Microsoft Himalaya"/>
+        <a:font script="Thaa" typeface="MV Boli"/>
+        <a:font script="Deva" typeface="Mangal"/>
+        <a:font script="Telu" typeface="Gautami"/>
+        <a:font script="Taml" typeface="Latha"/>
+        <a:font script="Syrc" typeface="Estrangelo Edessa"/>
+        <a:font script="Orya" typeface="Kalinga"/>
+        <a:font script="Mlym" typeface="Kartika"/>
+        <a:font script="Laoo" typeface="DokChampa"/>
+        <a:font script="Sinh" typeface="Iskoola Pota"/>
+        <a:font script="Mong" typeface="Mongolian Baiti"/>
+        <a:font script="Viet" typeface="Arial"/>
+        <a:font script="Uigh" typeface="Microsoft Uighur"/>
+        <a:font script="Geor" typeface="Sylfaen"/>
+      </a:minorFont>
+    </a:fontScheme>
+    <a:fmtScheme name="Office">
+      <a:fillStyleLst>
+        <a:solidFill>
+          <a:schemeClr val="phClr"/>
+        </a:solidFill>
+        <a:gradFill rotWithShape="1">
+          <a:gsLst>
+            <a:gs pos="0">
+              <a:schemeClr val="phClr">
+                <a:tint val="50000"/>
+                <a:satMod val="300000"/>
+              </a:schemeClr>
+            </a:gs>
+            <a:gs pos="35000">
+              <a:schemeClr val="phClr">
+                <a:tint val="37000"/>
+                <a:satMod val="300000"/>
+              </a:schemeClr>
+            </a:gs>
+            <a:gs pos="100000">
+              <a:schemeClr val="phClr">
+                <a:tint val="15000"/>
+                <a:satMod val="350000"/>
+              </a:schemeClr>
+            </a:gs>
+          </a:gsLst>
+          <a:lin ang="16200000" scaled="1"/>
+        </a:gradFill>
+        <a:gradFill rotWithShape="1">
+          <a:gsLst>
+            <a:gs pos="0">
+              <a:schemeClr val="phClr">
+                <a:tint val="100000"/>
+                <a:shade val="100000"/>
+                <a:satMod val="130000"/>
+              </a:schemeClr>
+            </a:gs>
+            <a:gs pos="100000">
+              <a:schemeClr val="phClr">
+                <a:tint val="50000"/>
+                <a:shade val="100000"/>
+                <a:satMod val="350000"/>
+              </a:schemeClr>
+            </a:gs>
+          </a:gsLst>
+          <a:lin ang="16200000" scaled="0"/>
+        </a:gradFill>
+      </a:fillStyleLst>
+      <a:lnStyleLst>
+        <a:ln w="9525" cap="flat" cmpd="sng" algn="ctr">
+          <a:solidFill>
+            <a:schemeClr val="phClr">
+              <a:shade val="95000"/>
+              <a:satMod val="105000"/>
+            </a:schemeClr>
+          </a:solidFill>
+          <a:prstDash val="solid"/>
+        </a:ln>
+        <a:ln w="25400" cap="flat" cmpd="sng" algn="ctr">
+          <a:solidFill>
+            <a:schemeClr val="phClr"/>
+          </a:solidFill>
+          <a:prstDash val="solid"/>
+        </a:ln>
+        <a:ln w="38100" cap="flat" cmpd="sng" algn="ctr">
+          <a:solidFill>
+            <a:schemeClr val="phClr"/>
+          </a:solidFill>
+          <a:prstDash val="solid"/>
+        </a:ln>
+      </a:lnStyleLst>
+      <a:effectStyleLst>
+        <a:effectStyle>
+          <a:effectLst>
+            <a:outerShdw blurRad="40000" dist="20000" dir="5400000" rotWithShape="0">
+              <a:srgbClr val="000000">
+                <a:alpha val="38000"/>
+              </a:srgbClr>
+            </a:outerShdw>
+          </a:effectLst>
+        </a:effectStyle>
+        <a:effectStyle>
+          <a:effectLst>
+            <a:outerShdw blurRad="40000" dist="23000" dir="5400000" rotWithShape="0">
+              <a:srgbClr val="000000">
+                <a:alpha val="35000"/>
+              </a:srgbClr>
+            </a:outerShdw>
+          </a:effectLst>
+        </a:effectStyle>
+        <a:effectStyle>
+          <a:effectLst>
+            <a:outerShdw blurRad="40000" dist="23000" dir="5400000" rotWithShape="0">
+              <a:srgbClr val="000000">
+                <a:alpha val="35000"/>
+              </a:srgbClr>
+            </a:outerShdw>
+          </a:effectLst>
+          <a:scene3d>
+            <a:camera prst="orthographicFront">
+              <a:rot lat="0" lon="0" rev="0"/>
+            </a:camera>
+            <a:lightRig rig="threePt" dir="t">
+              <a:rot lat="0" lon="0" rev="1200000"/>
+            </a:lightRig>
+          </a:scene3d>
+          <a:sp3d>
+            <a:bevelT w="63500" h="25400"/>
+          </a:sp3d>
+        </a:effectStyle>
+      </a:effectStyleLst>
+      <a:bgFillStyleLst>
+        <a:solidFill>
+          <a:schemeClr val="phClr"/>
+        </a:solidFill>
+        <a:gradFill rotWithShape="1">
+          <a:gsLst>
+            <a:gs pos="0">
+              <a:schemeClr val="phClr">
+                <a:tint val="40000"/>
+                <a:satMod val="350000"/>
+              </a:schemeClr>
+            </a:gs>
+            <a:gs pos="40000">
+              <a:schemeClr val="phClr">
+                <a:tint val="45000"/>
+                <a:shade val="99000"/>
+                <a:satMod val="350000"/>
+              </a:schemeClr>
+            </a:gs>
+            <a:gs pos="100000">
+              <a:schemeClr val="phClr">
+                <a:shade val="20000"/>
+                <a:satMod val="255000"/>
+              </a:schemeClr>
+            </a:gs>
+          </a:gsLst>
+          <a:path path="circle">
+            <a:fillToRect l="50000" t="-80000" r="50000" b="180000"/>
+          </a:path>
+        </a:gradFill>
+        <a:gradFill rotWithShape="1">
+          <a:gsLst>
+            <a:gs pos="0">
+              <a:schemeClr val="phClr">
+                <a:tint val="80000"/>
+                <a:satMod val="300000"/>
+              </a:schemeClr>
+            </a:gs>
+            <a:gs pos="100000">
+              <a:schemeClr val="phClr">
+                <a:shade val="30000"/>
+                <a:satMod val="200000"/>
+              </a:schemeClr>
+            </a:gs>
+          </a:gsLst>
+          <a:path path="circle">
+            <a:fillToRect l="50000" t="50000" r="50000" b="50000"/>
+          </a:path>
+        </a:gradFill>
+      </a:bgFillStyleLst>
+    </a:fmtScheme>
+  </a:themeElements>
+</a:theme>
+</file>
+
+<file path=ppt/theme/theme2.xml><?xml version="1.0" encoding="utf-8"?>
+<a:theme xmlns:a="http://schemas.openxmlformats.org/drawingml/2006/main" xmlns:r="http://schemas.openxmlformats.org/officeDocument/2006/relationships" name="Tropic">
   <a:themeElements>
     <a:clrScheme name="Tropic">
       <a:dk1>
@@ -6126,288 +8515,5 @@
       </a:bgFillStyleLst>
     </a:fmtScheme>
   </a:themeElements>
-  <a:objectDefaults/>
-  <a:extraClrSchemeLst/>
-</a:theme>
-</file>
-
-<file path=ppt/theme/theme2.xml><?xml version="1.0" encoding="utf-8"?>
-<a:theme xmlns:a="http://schemas.openxmlformats.org/drawingml/2006/main">
-  <a:themeElements>
-    <a:clrScheme name="Default">
-      <a:dk1>
-        <a:srgbClr val="000000"/>
-      </a:dk1>
-      <a:lt1>
-        <a:srgbClr val="FFFFFF"/>
-      </a:lt1>
-      <a:dk2>
-        <a:srgbClr val="158158"/>
-      </a:dk2>
-      <a:lt2>
-        <a:srgbClr val="F3F3F3"/>
-      </a:lt2>
-      <a:accent1>
-        <a:srgbClr val="058DC7"/>
-      </a:accent1>
-      <a:accent2>
-        <a:srgbClr val="50B432"/>
-      </a:accent2>
-      <a:accent3>
-        <a:srgbClr val="ED561B"/>
-      </a:accent3>
-      <a:accent4>
-        <a:srgbClr val="EDEF00"/>
-      </a:accent4>
-      <a:accent5>
-        <a:srgbClr val="24CBE5"/>
-      </a:accent5>
-      <a:accent6>
-        <a:srgbClr val="64E572"/>
-      </a:accent6>
-      <a:hlink>
-        <a:srgbClr val="2200CC"/>
-      </a:hlink>
-      <a:folHlink>
-        <a:srgbClr val="551A8B"/>
-      </a:folHlink>
-    </a:clrScheme>
-    <a:fontScheme name="Office">
-      <a:majorFont>
-        <a:latin typeface="Arial"/>
-        <a:ea typeface=""/>
-        <a:cs typeface=""/>
-        <a:font script="Jpan" typeface="ＭＳ Ｐゴシック"/>
-        <a:font script="Hang" typeface="맑은 고딕"/>
-        <a:font script="Hans" typeface="宋体"/>
-        <a:font script="Hant" typeface="新細明體"/>
-        <a:font script="Arab" typeface="Times New Roman"/>
-        <a:font script="Hebr" typeface="Times New Roman"/>
-        <a:font script="Thai" typeface="Angsana New"/>
-        <a:font script="Ethi" typeface="Nyala"/>
-        <a:font script="Beng" typeface="Vrinda"/>
-        <a:font script="Gujr" typeface="Shruti"/>
-        <a:font script="Khmr" typeface="MoolBoran"/>
-        <a:font script="Knda" typeface="Tunga"/>
-        <a:font script="Guru" typeface="Raavi"/>
-        <a:font script="Cans" typeface="Euphemia"/>
-        <a:font script="Cher" typeface="Plantagenet Cherokee"/>
-        <a:font script="Yiii" typeface="Microsoft Yi Baiti"/>
-        <a:font script="Tibt" typeface="Microsoft Himalaya"/>
-        <a:font script="Thaa" typeface="MV Boli"/>
-        <a:font script="Deva" typeface="Mangal"/>
-        <a:font script="Telu" typeface="Gautami"/>
-        <a:font script="Taml" typeface="Latha"/>
-        <a:font script="Syrc" typeface="Estrangelo Edessa"/>
-        <a:font script="Orya" typeface="Kalinga"/>
-        <a:font script="Mlym" typeface="Kartika"/>
-        <a:font script="Laoo" typeface="DokChampa"/>
-        <a:font script="Sinh" typeface="Iskoola Pota"/>
-        <a:font script="Mong" typeface="Mongolian Baiti"/>
-        <a:font script="Viet" typeface="Times New Roman"/>
-        <a:font script="Uigh" typeface="Microsoft Uighur"/>
-        <a:font script="Geor" typeface="Sylfaen"/>
-      </a:majorFont>
-      <a:minorFont>
-        <a:latin typeface="Arial"/>
-        <a:ea typeface=""/>
-        <a:cs typeface=""/>
-        <a:font script="Jpan" typeface="ＭＳ Ｐゴシック"/>
-        <a:font script="Hang" typeface="맑은 고딕"/>
-        <a:font script="Hans" typeface="宋体"/>
-        <a:font script="Hant" typeface="新細明體"/>
-        <a:font script="Arab" typeface="Arial"/>
-        <a:font script="Hebr" typeface="Arial"/>
-        <a:font script="Thai" typeface="Cordia New"/>
-        <a:font script="Ethi" typeface="Nyala"/>
-        <a:font script="Beng" typeface="Vrinda"/>
-        <a:font script="Gujr" typeface="Shruti"/>
-        <a:font script="Khmr" typeface="DaunPenh"/>
-        <a:font script="Knda" typeface="Tunga"/>
-        <a:font script="Guru" typeface="Raavi"/>
-        <a:font script="Cans" typeface="Euphemia"/>
-        <a:font script="Cher" typeface="Plantagenet Cherokee"/>
-        <a:font script="Yiii" typeface="Microsoft Yi Baiti"/>
-        <a:font script="Tibt" typeface="Microsoft Himalaya"/>
-        <a:font script="Thaa" typeface="MV Boli"/>
-        <a:font script="Deva" typeface="Mangal"/>
-        <a:font script="Telu" typeface="Gautami"/>
-        <a:font script="Taml" typeface="Latha"/>
-        <a:font script="Syrc" typeface="Estrangelo Edessa"/>
-        <a:font script="Orya" typeface="Kalinga"/>
-        <a:font script="Mlym" typeface="Kartika"/>
-        <a:font script="Laoo" typeface="DokChampa"/>
-        <a:font script="Sinh" typeface="Iskoola Pota"/>
-        <a:font script="Mong" typeface="Mongolian Baiti"/>
-        <a:font script="Viet" typeface="Arial"/>
-        <a:font script="Uigh" typeface="Microsoft Uighur"/>
-        <a:font script="Geor" typeface="Sylfaen"/>
-      </a:minorFont>
-    </a:fontScheme>
-    <a:fmtScheme name="Office">
-      <a:fillStyleLst>
-        <a:solidFill>
-          <a:schemeClr val="phClr"/>
-        </a:solidFill>
-        <a:gradFill rotWithShape="1">
-          <a:gsLst>
-            <a:gs pos="0">
-              <a:schemeClr val="phClr">
-                <a:tint val="50000"/>
-                <a:satMod val="300000"/>
-              </a:schemeClr>
-            </a:gs>
-            <a:gs pos="35000">
-              <a:schemeClr val="phClr">
-                <a:tint val="37000"/>
-                <a:satMod val="300000"/>
-              </a:schemeClr>
-            </a:gs>
-            <a:gs pos="100000">
-              <a:schemeClr val="phClr">
-                <a:tint val="15000"/>
-                <a:satMod val="350000"/>
-              </a:schemeClr>
-            </a:gs>
-          </a:gsLst>
-          <a:lin ang="16200000" scaled="1"/>
-        </a:gradFill>
-        <a:gradFill rotWithShape="1">
-          <a:gsLst>
-            <a:gs pos="0">
-              <a:schemeClr val="phClr">
-                <a:tint val="100000"/>
-                <a:shade val="100000"/>
-                <a:satMod val="130000"/>
-              </a:schemeClr>
-            </a:gs>
-            <a:gs pos="100000">
-              <a:schemeClr val="phClr">
-                <a:tint val="50000"/>
-                <a:shade val="100000"/>
-                <a:satMod val="350000"/>
-              </a:schemeClr>
-            </a:gs>
-          </a:gsLst>
-          <a:lin ang="16200000" scaled="0"/>
-        </a:gradFill>
-      </a:fillStyleLst>
-      <a:lnStyleLst>
-        <a:ln w="9525" cap="flat" cmpd="sng" algn="ctr">
-          <a:solidFill>
-            <a:schemeClr val="phClr">
-              <a:shade val="95000"/>
-              <a:satMod val="105000"/>
-            </a:schemeClr>
-          </a:solidFill>
-          <a:prstDash val="solid"/>
-        </a:ln>
-        <a:ln w="25400" cap="flat" cmpd="sng" algn="ctr">
-          <a:solidFill>
-            <a:schemeClr val="phClr"/>
-          </a:solidFill>
-          <a:prstDash val="solid"/>
-        </a:ln>
-        <a:ln w="38100" cap="flat" cmpd="sng" algn="ctr">
-          <a:solidFill>
-            <a:schemeClr val="phClr"/>
-          </a:solidFill>
-          <a:prstDash val="solid"/>
-        </a:ln>
-      </a:lnStyleLst>
-      <a:effectStyleLst>
-        <a:effectStyle>
-          <a:effectLst>
-            <a:outerShdw blurRad="40000" dist="20000" dir="5400000" rotWithShape="0">
-              <a:srgbClr val="000000">
-                <a:alpha val="38000"/>
-              </a:srgbClr>
-            </a:outerShdw>
-          </a:effectLst>
-        </a:effectStyle>
-        <a:effectStyle>
-          <a:effectLst>
-            <a:outerShdw blurRad="40000" dist="23000" dir="5400000" rotWithShape="0">
-              <a:srgbClr val="000000">
-                <a:alpha val="35000"/>
-              </a:srgbClr>
-            </a:outerShdw>
-          </a:effectLst>
-        </a:effectStyle>
-        <a:effectStyle>
-          <a:effectLst>
-            <a:outerShdw blurRad="40000" dist="23000" dir="5400000" rotWithShape="0">
-              <a:srgbClr val="000000">
-                <a:alpha val="35000"/>
-              </a:srgbClr>
-            </a:outerShdw>
-          </a:effectLst>
-          <a:scene3d>
-            <a:camera prst="orthographicFront">
-              <a:rot lat="0" lon="0" rev="0"/>
-            </a:camera>
-            <a:lightRig rig="threePt" dir="t">
-              <a:rot lat="0" lon="0" rev="1200000"/>
-            </a:lightRig>
-          </a:scene3d>
-          <a:sp3d>
-            <a:bevelT w="63500" h="25400"/>
-          </a:sp3d>
-        </a:effectStyle>
-      </a:effectStyleLst>
-      <a:bgFillStyleLst>
-        <a:solidFill>
-          <a:schemeClr val="phClr"/>
-        </a:solidFill>
-        <a:gradFill rotWithShape="1">
-          <a:gsLst>
-            <a:gs pos="0">
-              <a:schemeClr val="phClr">
-                <a:tint val="40000"/>
-                <a:satMod val="350000"/>
-              </a:schemeClr>
-            </a:gs>
-            <a:gs pos="40000">
-              <a:schemeClr val="phClr">
-                <a:tint val="45000"/>
-                <a:shade val="99000"/>
-                <a:satMod val="350000"/>
-              </a:schemeClr>
-            </a:gs>
-            <a:gs pos="100000">
-              <a:schemeClr val="phClr">
-                <a:shade val="20000"/>
-                <a:satMod val="255000"/>
-              </a:schemeClr>
-            </a:gs>
-          </a:gsLst>
-          <a:path path="circle">
-            <a:fillToRect l="50000" t="-80000" r="50000" b="180000"/>
-          </a:path>
-        </a:gradFill>
-        <a:gradFill rotWithShape="1">
-          <a:gsLst>
-            <a:gs pos="0">
-              <a:schemeClr val="phClr">
-                <a:tint val="80000"/>
-                <a:satMod val="300000"/>
-              </a:schemeClr>
-            </a:gs>
-            <a:gs pos="100000">
-              <a:schemeClr val="phClr">
-                <a:shade val="30000"/>
-                <a:satMod val="200000"/>
-              </a:schemeClr>
-            </a:gs>
-          </a:gsLst>
-          <a:path path="circle">
-            <a:fillToRect l="50000" t="50000" r="50000" b="50000"/>
-          </a:path>
-        </a:gradFill>
-      </a:bgFillStyleLst>
-    </a:fmtScheme>
-  </a:themeElements>
-  <a:objectDefaults/>
-  <a:extraClrSchemeLst/>
 </a:theme>
 </file>